--- a/figures/schematic.pptx
+++ b/figures/schematic.pptx
@@ -7,14 +7,14 @@
   <p:sldIdLst>
     <p:sldId id="260" r:id="rId2"/>
   </p:sldIdLst>
-  <p:sldSz cx="6765925" cy="2378075"/>
+  <p:sldSz cx="6035675" cy="5119688"/>
   <p:notesSz cx="6858000" cy="9144000"/>
   <p:defaultTextStyle>
     <a:defPPr>
       <a:defRPr lang="en-US"/>
     </a:defPPr>
-    <a:lvl1pPr marL="0" algn="l" defTabSz="268356" rtl="0" eaLnBrk="1" latinLnBrk="0" hangingPunct="1">
-      <a:defRPr sz="1100" kern="1200">
+    <a:lvl1pPr marL="0" algn="l" defTabSz="326214" rtl="0" eaLnBrk="1" latinLnBrk="0" hangingPunct="1">
+      <a:defRPr sz="1337" kern="1200">
         <a:solidFill>
           <a:schemeClr val="tx1"/>
         </a:solidFill>
@@ -23,8 +23,8 @@
         <a:cs typeface="+mn-cs"/>
       </a:defRPr>
     </a:lvl1pPr>
-    <a:lvl2pPr marL="268356" algn="l" defTabSz="268356" rtl="0" eaLnBrk="1" latinLnBrk="0" hangingPunct="1">
-      <a:defRPr sz="1100" kern="1200">
+    <a:lvl2pPr marL="326214" algn="l" defTabSz="326214" rtl="0" eaLnBrk="1" latinLnBrk="0" hangingPunct="1">
+      <a:defRPr sz="1337" kern="1200">
         <a:solidFill>
           <a:schemeClr val="tx1"/>
         </a:solidFill>
@@ -33,8 +33,8 @@
         <a:cs typeface="+mn-cs"/>
       </a:defRPr>
     </a:lvl2pPr>
-    <a:lvl3pPr marL="536712" algn="l" defTabSz="268356" rtl="0" eaLnBrk="1" latinLnBrk="0" hangingPunct="1">
-      <a:defRPr sz="1100" kern="1200">
+    <a:lvl3pPr marL="652427" algn="l" defTabSz="326214" rtl="0" eaLnBrk="1" latinLnBrk="0" hangingPunct="1">
+      <a:defRPr sz="1337" kern="1200">
         <a:solidFill>
           <a:schemeClr val="tx1"/>
         </a:solidFill>
@@ -43,8 +43,8 @@
         <a:cs typeface="+mn-cs"/>
       </a:defRPr>
     </a:lvl3pPr>
-    <a:lvl4pPr marL="805068" algn="l" defTabSz="268356" rtl="0" eaLnBrk="1" latinLnBrk="0" hangingPunct="1">
-      <a:defRPr sz="1100" kern="1200">
+    <a:lvl4pPr marL="978641" algn="l" defTabSz="326214" rtl="0" eaLnBrk="1" latinLnBrk="0" hangingPunct="1">
+      <a:defRPr sz="1337" kern="1200">
         <a:solidFill>
           <a:schemeClr val="tx1"/>
         </a:solidFill>
@@ -53,8 +53,8 @@
         <a:cs typeface="+mn-cs"/>
       </a:defRPr>
     </a:lvl4pPr>
-    <a:lvl5pPr marL="1073423" algn="l" defTabSz="268356" rtl="0" eaLnBrk="1" latinLnBrk="0" hangingPunct="1">
-      <a:defRPr sz="1100" kern="1200">
+    <a:lvl5pPr marL="1304853" algn="l" defTabSz="326214" rtl="0" eaLnBrk="1" latinLnBrk="0" hangingPunct="1">
+      <a:defRPr sz="1337" kern="1200">
         <a:solidFill>
           <a:schemeClr val="tx1"/>
         </a:solidFill>
@@ -63,8 +63,8 @@
         <a:cs typeface="+mn-cs"/>
       </a:defRPr>
     </a:lvl5pPr>
-    <a:lvl6pPr marL="1341780" algn="l" defTabSz="268356" rtl="0" eaLnBrk="1" latinLnBrk="0" hangingPunct="1">
-      <a:defRPr sz="1100" kern="1200">
+    <a:lvl6pPr marL="1631068" algn="l" defTabSz="326214" rtl="0" eaLnBrk="1" latinLnBrk="0" hangingPunct="1">
+      <a:defRPr sz="1337" kern="1200">
         <a:solidFill>
           <a:schemeClr val="tx1"/>
         </a:solidFill>
@@ -73,8 +73,8 @@
         <a:cs typeface="+mn-cs"/>
       </a:defRPr>
     </a:lvl6pPr>
-    <a:lvl7pPr marL="1610135" algn="l" defTabSz="268356" rtl="0" eaLnBrk="1" latinLnBrk="0" hangingPunct="1">
-      <a:defRPr sz="1100" kern="1200">
+    <a:lvl7pPr marL="1957280" algn="l" defTabSz="326214" rtl="0" eaLnBrk="1" latinLnBrk="0" hangingPunct="1">
+      <a:defRPr sz="1337" kern="1200">
         <a:solidFill>
           <a:schemeClr val="tx1"/>
         </a:solidFill>
@@ -83,8 +83,8 @@
         <a:cs typeface="+mn-cs"/>
       </a:defRPr>
     </a:lvl7pPr>
-    <a:lvl8pPr marL="1878491" algn="l" defTabSz="268356" rtl="0" eaLnBrk="1" latinLnBrk="0" hangingPunct="1">
-      <a:defRPr sz="1100" kern="1200">
+    <a:lvl8pPr marL="2283494" algn="l" defTabSz="326214" rtl="0" eaLnBrk="1" latinLnBrk="0" hangingPunct="1">
+      <a:defRPr sz="1337" kern="1200">
         <a:solidFill>
           <a:schemeClr val="tx1"/>
         </a:solidFill>
@@ -93,8 +93,8 @@
         <a:cs typeface="+mn-cs"/>
       </a:defRPr>
     </a:lvl8pPr>
-    <a:lvl9pPr marL="2146847" algn="l" defTabSz="268356" rtl="0" eaLnBrk="1" latinLnBrk="0" hangingPunct="1">
-      <a:defRPr sz="1100" kern="1200">
+    <a:lvl9pPr marL="2609707" algn="l" defTabSz="326214" rtl="0" eaLnBrk="1" latinLnBrk="0" hangingPunct="1">
+      <a:defRPr sz="1337" kern="1200">
         <a:solidFill>
           <a:schemeClr val="tx1"/>
         </a:solidFill>
@@ -107,22 +107,22 @@
   <p:extLst>
     <p:ext uri="{EFAFB233-063F-42B5-8137-9DF3F51BA10A}">
       <p15:sldGuideLst xmlns:p15="http://schemas.microsoft.com/office/powerpoint/2012/main">
-        <p15:guide id="1" orient="horz" pos="1239" userDrawn="1">
+        <p15:guide id="1" orient="horz" pos="2667" userDrawn="1">
           <p15:clr>
             <a:srgbClr val="A4A3A4"/>
           </p15:clr>
         </p15:guide>
-        <p15:guide id="2" pos="2194" userDrawn="1">
+        <p15:guide id="2" pos="1958" userDrawn="1">
           <p15:clr>
             <a:srgbClr val="A4A3A4"/>
           </p15:clr>
         </p15:guide>
-        <p15:guide id="3" orient="horz" pos="749" userDrawn="1">
+        <p15:guide id="3" orient="horz" pos="1614" userDrawn="1">
           <p15:clr>
             <a:srgbClr val="A4A3A4"/>
           </p15:clr>
         </p15:guide>
-        <p15:guide id="4" pos="2132" userDrawn="1">
+        <p15:guide id="4" pos="1902" userDrawn="1">
           <p15:clr>
             <a:srgbClr val="A4A3A4"/>
           </p15:clr>
@@ -136,8 +136,7 @@
 <file path=ppt/revisionInfo.xml><?xml version="1.0" encoding="utf-8"?>
 <p1510:revInfo xmlns:a="http://schemas.openxmlformats.org/drawingml/2006/main" xmlns:r="http://schemas.openxmlformats.org/officeDocument/2006/relationships" xmlns:p1510="http://schemas.microsoft.com/office/powerpoint/2015/10/main">
   <p1510:revLst>
-    <p1510:client id="{535DC6D8-17A4-AC49-B9C0-09A12B65F9F7}" v="17" dt="2020-04-15T16:04:25.804"/>
-    <p1510:client id="{8856C121-52AB-934F-8ABC-4B1014C1BCA4}" v="60" dt="2020-04-15T04:11:15.417"/>
+    <p1510:client id="{8856C121-52AB-934F-8ABC-4B1014C1BCA4}" v="78" dt="2020-04-17T14:17:24.968"/>
   </p1510:revLst>
 </p1510:revInfo>
 </file>
@@ -7706,7 +7705,1564 @@
       </pc:sldMasterChg>
     </pc:docChg>
   </pc:docChgLst>
+  <pc:docChgLst>
+    <pc:chgData name="Bloom PhD, Jesse D" userId="e17e4af4-92ba-4f4f-89d8-f6d4f5501821" providerId="ADAL" clId="{8856C121-52AB-934F-8ABC-4B1014C1BCA4}"/>
+    <pc:docChg chg="undo custSel modSld modMainMaster">
+      <pc:chgData name="Bloom PhD, Jesse D" userId="e17e4af4-92ba-4f4f-89d8-f6d4f5501821" providerId="ADAL" clId="{8856C121-52AB-934F-8ABC-4B1014C1BCA4}" dt="2020-04-17T14:17:24.968" v="67"/>
+      <pc:docMkLst>
+        <pc:docMk/>
+      </pc:docMkLst>
+      <pc:sldChg chg="addSp delSp modSp">
+        <pc:chgData name="Bloom PhD, Jesse D" userId="e17e4af4-92ba-4f4f-89d8-f6d4f5501821" providerId="ADAL" clId="{8856C121-52AB-934F-8ABC-4B1014C1BCA4}" dt="2020-04-17T14:17:24.968" v="67"/>
+        <pc:sldMkLst>
+          <pc:docMk/>
+          <pc:sldMk cId="1715545372" sldId="260"/>
+        </pc:sldMkLst>
+        <pc:spChg chg="add del mod">
+          <ac:chgData name="Bloom PhD, Jesse D" userId="e17e4af4-92ba-4f4f-89d8-f6d4f5501821" providerId="ADAL" clId="{8856C121-52AB-934F-8ABC-4B1014C1BCA4}" dt="2020-04-17T14:14:47.733" v="41" actId="478"/>
+          <ac:spMkLst>
+            <pc:docMk/>
+            <pc:sldMk cId="1715545372" sldId="260"/>
+            <ac:spMk id="4" creationId="{64B8D348-E42D-4643-8E4B-031195AEE2B9}"/>
+          </ac:spMkLst>
+        </pc:spChg>
+        <pc:spChg chg="add del mod">
+          <ac:chgData name="Bloom PhD, Jesse D" userId="e17e4af4-92ba-4f4f-89d8-f6d4f5501821" providerId="ADAL" clId="{8856C121-52AB-934F-8ABC-4B1014C1BCA4}" dt="2020-04-17T14:17:15.978" v="65"/>
+          <ac:spMkLst>
+            <pc:docMk/>
+            <pc:sldMk cId="1715545372" sldId="260"/>
+            <ac:spMk id="5" creationId="{9A1CACB7-8B63-EA4B-B396-CD1792587F25}"/>
+          </ac:spMkLst>
+        </pc:spChg>
+        <pc:spChg chg="add del">
+          <ac:chgData name="Bloom PhD, Jesse D" userId="e17e4af4-92ba-4f4f-89d8-f6d4f5501821" providerId="ADAL" clId="{8856C121-52AB-934F-8ABC-4B1014C1BCA4}" dt="2020-04-17T14:12:42.799" v="10"/>
+          <ac:spMkLst>
+            <pc:docMk/>
+            <pc:sldMk cId="1715545372" sldId="260"/>
+            <ac:spMk id="221" creationId="{E4E0FEBC-D915-BE4D-B2DE-0427311D78CC}"/>
+          </ac:spMkLst>
+        </pc:spChg>
+        <pc:spChg chg="add del">
+          <ac:chgData name="Bloom PhD, Jesse D" userId="e17e4af4-92ba-4f4f-89d8-f6d4f5501821" providerId="ADAL" clId="{8856C121-52AB-934F-8ABC-4B1014C1BCA4}" dt="2020-04-17T14:12:42.799" v="10"/>
+          <ac:spMkLst>
+            <pc:docMk/>
+            <pc:sldMk cId="1715545372" sldId="260"/>
+            <ac:spMk id="222" creationId="{52BF0B17-045F-D344-B156-9CFA2BC28D2E}"/>
+          </ac:spMkLst>
+        </pc:spChg>
+        <pc:spChg chg="add del">
+          <ac:chgData name="Bloom PhD, Jesse D" userId="e17e4af4-92ba-4f4f-89d8-f6d4f5501821" providerId="ADAL" clId="{8856C121-52AB-934F-8ABC-4B1014C1BCA4}" dt="2020-04-17T14:12:42.799" v="10"/>
+          <ac:spMkLst>
+            <pc:docMk/>
+            <pc:sldMk cId="1715545372" sldId="260"/>
+            <ac:spMk id="223" creationId="{251CCDFD-3067-8843-AB49-8A705C9F6CB3}"/>
+          </ac:spMkLst>
+        </pc:spChg>
+        <pc:spChg chg="add del">
+          <ac:chgData name="Bloom PhD, Jesse D" userId="e17e4af4-92ba-4f4f-89d8-f6d4f5501821" providerId="ADAL" clId="{8856C121-52AB-934F-8ABC-4B1014C1BCA4}" dt="2020-04-17T14:12:42.799" v="10"/>
+          <ac:spMkLst>
+            <pc:docMk/>
+            <pc:sldMk cId="1715545372" sldId="260"/>
+            <ac:spMk id="224" creationId="{9C29D785-482D-3A4E-9A60-10B5AC8F83FE}"/>
+          </ac:spMkLst>
+        </pc:spChg>
+        <pc:spChg chg="add del">
+          <ac:chgData name="Bloom PhD, Jesse D" userId="e17e4af4-92ba-4f4f-89d8-f6d4f5501821" providerId="ADAL" clId="{8856C121-52AB-934F-8ABC-4B1014C1BCA4}" dt="2020-04-17T14:12:42.799" v="10"/>
+          <ac:spMkLst>
+            <pc:docMk/>
+            <pc:sldMk cId="1715545372" sldId="260"/>
+            <ac:spMk id="225" creationId="{68BC3167-777D-E34B-90D0-A2A61EEE37FA}"/>
+          </ac:spMkLst>
+        </pc:spChg>
+        <pc:spChg chg="add del">
+          <ac:chgData name="Bloom PhD, Jesse D" userId="e17e4af4-92ba-4f4f-89d8-f6d4f5501821" providerId="ADAL" clId="{8856C121-52AB-934F-8ABC-4B1014C1BCA4}" dt="2020-04-17T14:12:42.799" v="10"/>
+          <ac:spMkLst>
+            <pc:docMk/>
+            <pc:sldMk cId="1715545372" sldId="260"/>
+            <ac:spMk id="242" creationId="{712C2A0C-96B8-214A-A3A3-A15C61913AAE}"/>
+          </ac:spMkLst>
+        </pc:spChg>
+        <pc:spChg chg="add del">
+          <ac:chgData name="Bloom PhD, Jesse D" userId="e17e4af4-92ba-4f4f-89d8-f6d4f5501821" providerId="ADAL" clId="{8856C121-52AB-934F-8ABC-4B1014C1BCA4}" dt="2020-04-17T14:12:42.799" v="10"/>
+          <ac:spMkLst>
+            <pc:docMk/>
+            <pc:sldMk cId="1715545372" sldId="260"/>
+            <ac:spMk id="243" creationId="{E3411931-55F5-A048-998F-BC30BD54CB7A}"/>
+          </ac:spMkLst>
+        </pc:spChg>
+        <pc:spChg chg="add del">
+          <ac:chgData name="Bloom PhD, Jesse D" userId="e17e4af4-92ba-4f4f-89d8-f6d4f5501821" providerId="ADAL" clId="{8856C121-52AB-934F-8ABC-4B1014C1BCA4}" dt="2020-04-17T14:12:42.799" v="10"/>
+          <ac:spMkLst>
+            <pc:docMk/>
+            <pc:sldMk cId="1715545372" sldId="260"/>
+            <ac:spMk id="244" creationId="{DF23A98C-172D-0F43-8EC0-77F10F34AE14}"/>
+          </ac:spMkLst>
+        </pc:spChg>
+        <pc:spChg chg="add del">
+          <ac:chgData name="Bloom PhD, Jesse D" userId="e17e4af4-92ba-4f4f-89d8-f6d4f5501821" providerId="ADAL" clId="{8856C121-52AB-934F-8ABC-4B1014C1BCA4}" dt="2020-04-17T14:12:42.799" v="10"/>
+          <ac:spMkLst>
+            <pc:docMk/>
+            <pc:sldMk cId="1715545372" sldId="260"/>
+            <ac:spMk id="283" creationId="{84947A10-EE98-384C-AB8B-624A2C8BFD3E}"/>
+          </ac:spMkLst>
+        </pc:spChg>
+        <pc:spChg chg="add del">
+          <ac:chgData name="Bloom PhD, Jesse D" userId="e17e4af4-92ba-4f4f-89d8-f6d4f5501821" providerId="ADAL" clId="{8856C121-52AB-934F-8ABC-4B1014C1BCA4}" dt="2020-04-17T14:12:42.799" v="10"/>
+          <ac:spMkLst>
+            <pc:docMk/>
+            <pc:sldMk cId="1715545372" sldId="260"/>
+            <ac:spMk id="284" creationId="{441AB92B-C64C-6642-916A-056C772EF7B7}"/>
+          </ac:spMkLst>
+        </pc:spChg>
+        <pc:spChg chg="add del">
+          <ac:chgData name="Bloom PhD, Jesse D" userId="e17e4af4-92ba-4f4f-89d8-f6d4f5501821" providerId="ADAL" clId="{8856C121-52AB-934F-8ABC-4B1014C1BCA4}" dt="2020-04-17T14:12:42.799" v="10"/>
+          <ac:spMkLst>
+            <pc:docMk/>
+            <pc:sldMk cId="1715545372" sldId="260"/>
+            <ac:spMk id="286" creationId="{2A73512E-EEB0-5A47-9C6E-4B345B7A1D40}"/>
+          </ac:spMkLst>
+        </pc:spChg>
+        <pc:spChg chg="add del">
+          <ac:chgData name="Bloom PhD, Jesse D" userId="e17e4af4-92ba-4f4f-89d8-f6d4f5501821" providerId="ADAL" clId="{8856C121-52AB-934F-8ABC-4B1014C1BCA4}" dt="2020-04-17T14:12:42.799" v="10"/>
+          <ac:spMkLst>
+            <pc:docMk/>
+            <pc:sldMk cId="1715545372" sldId="260"/>
+            <ac:spMk id="293" creationId="{03BC7B16-5872-6E44-86C4-7C08DFC7CF9A}"/>
+          </ac:spMkLst>
+        </pc:spChg>
+        <pc:spChg chg="add del">
+          <ac:chgData name="Bloom PhD, Jesse D" userId="e17e4af4-92ba-4f4f-89d8-f6d4f5501821" providerId="ADAL" clId="{8856C121-52AB-934F-8ABC-4B1014C1BCA4}" dt="2020-04-17T14:12:42.799" v="10"/>
+          <ac:spMkLst>
+            <pc:docMk/>
+            <pc:sldMk cId="1715545372" sldId="260"/>
+            <ac:spMk id="370" creationId="{A7C573C7-FD0B-9340-96F1-96590980719D}"/>
+          </ac:spMkLst>
+        </pc:spChg>
+        <pc:spChg chg="add del">
+          <ac:chgData name="Bloom PhD, Jesse D" userId="e17e4af4-92ba-4f4f-89d8-f6d4f5501821" providerId="ADAL" clId="{8856C121-52AB-934F-8ABC-4B1014C1BCA4}" dt="2020-04-17T14:12:42.799" v="10"/>
+          <ac:spMkLst>
+            <pc:docMk/>
+            <pc:sldMk cId="1715545372" sldId="260"/>
+            <ac:spMk id="433" creationId="{D671170B-C4D9-834C-8AD0-607874C30C62}"/>
+          </ac:spMkLst>
+        </pc:spChg>
+        <pc:spChg chg="add del">
+          <ac:chgData name="Bloom PhD, Jesse D" userId="e17e4af4-92ba-4f4f-89d8-f6d4f5501821" providerId="ADAL" clId="{8856C121-52AB-934F-8ABC-4B1014C1BCA4}" dt="2020-04-17T14:12:42.799" v="10"/>
+          <ac:spMkLst>
+            <pc:docMk/>
+            <pc:sldMk cId="1715545372" sldId="260"/>
+            <ac:spMk id="434" creationId="{9DD8650F-E105-D449-B8CA-7D335CF35DE0}"/>
+          </ac:spMkLst>
+        </pc:spChg>
+        <pc:spChg chg="add del">
+          <ac:chgData name="Bloom PhD, Jesse D" userId="e17e4af4-92ba-4f4f-89d8-f6d4f5501821" providerId="ADAL" clId="{8856C121-52AB-934F-8ABC-4B1014C1BCA4}" dt="2020-04-17T14:12:42.799" v="10"/>
+          <ac:spMkLst>
+            <pc:docMk/>
+            <pc:sldMk cId="1715545372" sldId="260"/>
+            <ac:spMk id="436" creationId="{69D1848B-6252-3A43-B68F-F7E0579F6282}"/>
+          </ac:spMkLst>
+        </pc:spChg>
+        <pc:spChg chg="add del">
+          <ac:chgData name="Bloom PhD, Jesse D" userId="e17e4af4-92ba-4f4f-89d8-f6d4f5501821" providerId="ADAL" clId="{8856C121-52AB-934F-8ABC-4B1014C1BCA4}" dt="2020-04-17T14:12:42.799" v="10"/>
+          <ac:spMkLst>
+            <pc:docMk/>
+            <pc:sldMk cId="1715545372" sldId="260"/>
+            <ac:spMk id="437" creationId="{304570BF-13D0-994D-B240-7DAD6DE36A52}"/>
+          </ac:spMkLst>
+        </pc:spChg>
+        <pc:spChg chg="add del">
+          <ac:chgData name="Bloom PhD, Jesse D" userId="e17e4af4-92ba-4f4f-89d8-f6d4f5501821" providerId="ADAL" clId="{8856C121-52AB-934F-8ABC-4B1014C1BCA4}" dt="2020-04-17T14:13:10.255" v="15"/>
+          <ac:spMkLst>
+            <pc:docMk/>
+            <pc:sldMk cId="1715545372" sldId="260"/>
+            <ac:spMk id="439" creationId="{04E1142D-4A87-B04C-80E4-D7B8ED0A775E}"/>
+          </ac:spMkLst>
+        </pc:spChg>
+        <pc:spChg chg="add del">
+          <ac:chgData name="Bloom PhD, Jesse D" userId="e17e4af4-92ba-4f4f-89d8-f6d4f5501821" providerId="ADAL" clId="{8856C121-52AB-934F-8ABC-4B1014C1BCA4}" dt="2020-04-17T14:13:10.255" v="15"/>
+          <ac:spMkLst>
+            <pc:docMk/>
+            <pc:sldMk cId="1715545372" sldId="260"/>
+            <ac:spMk id="440" creationId="{885E547D-862A-B041-B254-1B118ED127AD}"/>
+          </ac:spMkLst>
+        </pc:spChg>
+        <pc:spChg chg="add del">
+          <ac:chgData name="Bloom PhD, Jesse D" userId="e17e4af4-92ba-4f4f-89d8-f6d4f5501821" providerId="ADAL" clId="{8856C121-52AB-934F-8ABC-4B1014C1BCA4}" dt="2020-04-17T14:13:10.255" v="15"/>
+          <ac:spMkLst>
+            <pc:docMk/>
+            <pc:sldMk cId="1715545372" sldId="260"/>
+            <ac:spMk id="441" creationId="{31C4F379-2A91-6D40-80C1-03C1B26218D8}"/>
+          </ac:spMkLst>
+        </pc:spChg>
+        <pc:spChg chg="add del">
+          <ac:chgData name="Bloom PhD, Jesse D" userId="e17e4af4-92ba-4f4f-89d8-f6d4f5501821" providerId="ADAL" clId="{8856C121-52AB-934F-8ABC-4B1014C1BCA4}" dt="2020-04-17T14:13:10.255" v="15"/>
+          <ac:spMkLst>
+            <pc:docMk/>
+            <pc:sldMk cId="1715545372" sldId="260"/>
+            <ac:spMk id="442" creationId="{4F34AA92-46FF-DA4C-928D-E74B87B69862}"/>
+          </ac:spMkLst>
+        </pc:spChg>
+        <pc:spChg chg="add del">
+          <ac:chgData name="Bloom PhD, Jesse D" userId="e17e4af4-92ba-4f4f-89d8-f6d4f5501821" providerId="ADAL" clId="{8856C121-52AB-934F-8ABC-4B1014C1BCA4}" dt="2020-04-17T14:13:10.255" v="15"/>
+          <ac:spMkLst>
+            <pc:docMk/>
+            <pc:sldMk cId="1715545372" sldId="260"/>
+            <ac:spMk id="443" creationId="{5152E47B-5A90-F845-8F97-ED0172F035F0}"/>
+          </ac:spMkLst>
+        </pc:spChg>
+        <pc:spChg chg="add del">
+          <ac:chgData name="Bloom PhD, Jesse D" userId="e17e4af4-92ba-4f4f-89d8-f6d4f5501821" providerId="ADAL" clId="{8856C121-52AB-934F-8ABC-4B1014C1BCA4}" dt="2020-04-17T14:13:10.255" v="15"/>
+          <ac:spMkLst>
+            <pc:docMk/>
+            <pc:sldMk cId="1715545372" sldId="260"/>
+            <ac:spMk id="460" creationId="{59A4CEC8-45F9-924D-8E83-73F6177E821D}"/>
+          </ac:spMkLst>
+        </pc:spChg>
+        <pc:spChg chg="add del">
+          <ac:chgData name="Bloom PhD, Jesse D" userId="e17e4af4-92ba-4f4f-89d8-f6d4f5501821" providerId="ADAL" clId="{8856C121-52AB-934F-8ABC-4B1014C1BCA4}" dt="2020-04-17T14:13:10.255" v="15"/>
+          <ac:spMkLst>
+            <pc:docMk/>
+            <pc:sldMk cId="1715545372" sldId="260"/>
+            <ac:spMk id="461" creationId="{480DD38C-89CD-F641-8010-CE47AB42A4E2}"/>
+          </ac:spMkLst>
+        </pc:spChg>
+        <pc:spChg chg="add del">
+          <ac:chgData name="Bloom PhD, Jesse D" userId="e17e4af4-92ba-4f4f-89d8-f6d4f5501821" providerId="ADAL" clId="{8856C121-52AB-934F-8ABC-4B1014C1BCA4}" dt="2020-04-17T14:13:10.255" v="15"/>
+          <ac:spMkLst>
+            <pc:docMk/>
+            <pc:sldMk cId="1715545372" sldId="260"/>
+            <ac:spMk id="462" creationId="{95119D2D-4AAA-524B-B725-3BC1C6168B6B}"/>
+          </ac:spMkLst>
+        </pc:spChg>
+        <pc:spChg chg="add del">
+          <ac:chgData name="Bloom PhD, Jesse D" userId="e17e4af4-92ba-4f4f-89d8-f6d4f5501821" providerId="ADAL" clId="{8856C121-52AB-934F-8ABC-4B1014C1BCA4}" dt="2020-04-17T14:13:10.255" v="15"/>
+          <ac:spMkLst>
+            <pc:docMk/>
+            <pc:sldMk cId="1715545372" sldId="260"/>
+            <ac:spMk id="501" creationId="{1624BE94-7A9F-6F4F-B54A-1739C8A7C201}"/>
+          </ac:spMkLst>
+        </pc:spChg>
+        <pc:spChg chg="add del">
+          <ac:chgData name="Bloom PhD, Jesse D" userId="e17e4af4-92ba-4f4f-89d8-f6d4f5501821" providerId="ADAL" clId="{8856C121-52AB-934F-8ABC-4B1014C1BCA4}" dt="2020-04-17T14:13:10.255" v="15"/>
+          <ac:spMkLst>
+            <pc:docMk/>
+            <pc:sldMk cId="1715545372" sldId="260"/>
+            <ac:spMk id="502" creationId="{C542C19A-F44B-A241-88A6-C448FB794626}"/>
+          </ac:spMkLst>
+        </pc:spChg>
+        <pc:spChg chg="add del">
+          <ac:chgData name="Bloom PhD, Jesse D" userId="e17e4af4-92ba-4f4f-89d8-f6d4f5501821" providerId="ADAL" clId="{8856C121-52AB-934F-8ABC-4B1014C1BCA4}" dt="2020-04-17T14:13:10.255" v="15"/>
+          <ac:spMkLst>
+            <pc:docMk/>
+            <pc:sldMk cId="1715545372" sldId="260"/>
+            <ac:spMk id="504" creationId="{6CC883DD-C9B0-3F4C-AA26-2F06315B4268}"/>
+          </ac:spMkLst>
+        </pc:spChg>
+        <pc:spChg chg="add del">
+          <ac:chgData name="Bloom PhD, Jesse D" userId="e17e4af4-92ba-4f4f-89d8-f6d4f5501821" providerId="ADAL" clId="{8856C121-52AB-934F-8ABC-4B1014C1BCA4}" dt="2020-04-17T14:13:10.255" v="15"/>
+          <ac:spMkLst>
+            <pc:docMk/>
+            <pc:sldMk cId="1715545372" sldId="260"/>
+            <ac:spMk id="511" creationId="{822755B9-9723-1248-B4DB-79F009B8ECDE}"/>
+          </ac:spMkLst>
+        </pc:spChg>
+        <pc:spChg chg="add del">
+          <ac:chgData name="Bloom PhD, Jesse D" userId="e17e4af4-92ba-4f4f-89d8-f6d4f5501821" providerId="ADAL" clId="{8856C121-52AB-934F-8ABC-4B1014C1BCA4}" dt="2020-04-17T14:13:10.255" v="15"/>
+          <ac:spMkLst>
+            <pc:docMk/>
+            <pc:sldMk cId="1715545372" sldId="260"/>
+            <ac:spMk id="588" creationId="{3F73BBA0-A166-6642-BE1B-F063D9795DA5}"/>
+          </ac:spMkLst>
+        </pc:spChg>
+        <pc:spChg chg="add del">
+          <ac:chgData name="Bloom PhD, Jesse D" userId="e17e4af4-92ba-4f4f-89d8-f6d4f5501821" providerId="ADAL" clId="{8856C121-52AB-934F-8ABC-4B1014C1BCA4}" dt="2020-04-17T14:13:10.255" v="15"/>
+          <ac:spMkLst>
+            <pc:docMk/>
+            <pc:sldMk cId="1715545372" sldId="260"/>
+            <ac:spMk id="651" creationId="{1216C2CF-784F-6046-A1CD-69FE259129AF}"/>
+          </ac:spMkLst>
+        </pc:spChg>
+        <pc:spChg chg="add del">
+          <ac:chgData name="Bloom PhD, Jesse D" userId="e17e4af4-92ba-4f4f-89d8-f6d4f5501821" providerId="ADAL" clId="{8856C121-52AB-934F-8ABC-4B1014C1BCA4}" dt="2020-04-17T14:13:10.255" v="15"/>
+          <ac:spMkLst>
+            <pc:docMk/>
+            <pc:sldMk cId="1715545372" sldId="260"/>
+            <ac:spMk id="652" creationId="{085F9EDC-D96D-9546-BC94-900F28544A8B}"/>
+          </ac:spMkLst>
+        </pc:spChg>
+        <pc:spChg chg="add del">
+          <ac:chgData name="Bloom PhD, Jesse D" userId="e17e4af4-92ba-4f4f-89d8-f6d4f5501821" providerId="ADAL" clId="{8856C121-52AB-934F-8ABC-4B1014C1BCA4}" dt="2020-04-17T14:13:10.255" v="15"/>
+          <ac:spMkLst>
+            <pc:docMk/>
+            <pc:sldMk cId="1715545372" sldId="260"/>
+            <ac:spMk id="654" creationId="{2598229E-45F7-D846-A5AC-B89597571805}"/>
+          </ac:spMkLst>
+        </pc:spChg>
+        <pc:spChg chg="add del">
+          <ac:chgData name="Bloom PhD, Jesse D" userId="e17e4af4-92ba-4f4f-89d8-f6d4f5501821" providerId="ADAL" clId="{8856C121-52AB-934F-8ABC-4B1014C1BCA4}" dt="2020-04-17T14:13:10.255" v="15"/>
+          <ac:spMkLst>
+            <pc:docMk/>
+            <pc:sldMk cId="1715545372" sldId="260"/>
+            <ac:spMk id="655" creationId="{C59E43AD-0886-4148-8469-E2C3CE4CAC10}"/>
+          </ac:spMkLst>
+        </pc:spChg>
+        <pc:spChg chg="add del mod">
+          <ac:chgData name="Bloom PhD, Jesse D" userId="e17e4af4-92ba-4f4f-89d8-f6d4f5501821" providerId="ADAL" clId="{8856C121-52AB-934F-8ABC-4B1014C1BCA4}" dt="2020-04-17T14:17:15.978" v="65"/>
+          <ac:spMkLst>
+            <pc:docMk/>
+            <pc:sldMk cId="1715545372" sldId="260"/>
+            <ac:spMk id="657" creationId="{357884E6-599A-324D-BC20-9919A0A6BFA1}"/>
+          </ac:spMkLst>
+        </pc:spChg>
+        <pc:spChg chg="add del mod">
+          <ac:chgData name="Bloom PhD, Jesse D" userId="e17e4af4-92ba-4f4f-89d8-f6d4f5501821" providerId="ADAL" clId="{8856C121-52AB-934F-8ABC-4B1014C1BCA4}" dt="2020-04-17T14:17:15.978" v="65"/>
+          <ac:spMkLst>
+            <pc:docMk/>
+            <pc:sldMk cId="1715545372" sldId="260"/>
+            <ac:spMk id="658" creationId="{E1D1A066-681C-5E4D-BBFD-E5B6443BA43B}"/>
+          </ac:spMkLst>
+        </pc:spChg>
+        <pc:spChg chg="add del mod">
+          <ac:chgData name="Bloom PhD, Jesse D" userId="e17e4af4-92ba-4f4f-89d8-f6d4f5501821" providerId="ADAL" clId="{8856C121-52AB-934F-8ABC-4B1014C1BCA4}" dt="2020-04-17T14:17:15.978" v="65"/>
+          <ac:spMkLst>
+            <pc:docMk/>
+            <pc:sldMk cId="1715545372" sldId="260"/>
+            <ac:spMk id="659" creationId="{C6F9BCFE-9ED3-2540-83A7-CAFD64781EF4}"/>
+          </ac:spMkLst>
+        </pc:spChg>
+        <pc:spChg chg="add del mod">
+          <ac:chgData name="Bloom PhD, Jesse D" userId="e17e4af4-92ba-4f4f-89d8-f6d4f5501821" providerId="ADAL" clId="{8856C121-52AB-934F-8ABC-4B1014C1BCA4}" dt="2020-04-17T14:17:15.978" v="65"/>
+          <ac:spMkLst>
+            <pc:docMk/>
+            <pc:sldMk cId="1715545372" sldId="260"/>
+            <ac:spMk id="660" creationId="{EAE5E7E5-E3B2-034B-B93B-EC60B0966B17}"/>
+          </ac:spMkLst>
+        </pc:spChg>
+        <pc:spChg chg="add del mod">
+          <ac:chgData name="Bloom PhD, Jesse D" userId="e17e4af4-92ba-4f4f-89d8-f6d4f5501821" providerId="ADAL" clId="{8856C121-52AB-934F-8ABC-4B1014C1BCA4}" dt="2020-04-17T14:17:15.978" v="65"/>
+          <ac:spMkLst>
+            <pc:docMk/>
+            <pc:sldMk cId="1715545372" sldId="260"/>
+            <ac:spMk id="661" creationId="{8F1281F3-FB36-E54C-8AE0-9E8703BD910A}"/>
+          </ac:spMkLst>
+        </pc:spChg>
+        <pc:spChg chg="add del mod">
+          <ac:chgData name="Bloom PhD, Jesse D" userId="e17e4af4-92ba-4f4f-89d8-f6d4f5501821" providerId="ADAL" clId="{8856C121-52AB-934F-8ABC-4B1014C1BCA4}" dt="2020-04-17T14:17:15.978" v="65"/>
+          <ac:spMkLst>
+            <pc:docMk/>
+            <pc:sldMk cId="1715545372" sldId="260"/>
+            <ac:spMk id="678" creationId="{1FDF171D-CD51-B74E-BA40-FF9FBFAA43EE}"/>
+          </ac:spMkLst>
+        </pc:spChg>
+        <pc:spChg chg="add del mod">
+          <ac:chgData name="Bloom PhD, Jesse D" userId="e17e4af4-92ba-4f4f-89d8-f6d4f5501821" providerId="ADAL" clId="{8856C121-52AB-934F-8ABC-4B1014C1BCA4}" dt="2020-04-17T14:17:15.978" v="65"/>
+          <ac:spMkLst>
+            <pc:docMk/>
+            <pc:sldMk cId="1715545372" sldId="260"/>
+            <ac:spMk id="679" creationId="{89BFECC4-E9FC-B445-9A89-7A969D51273F}"/>
+          </ac:spMkLst>
+        </pc:spChg>
+        <pc:spChg chg="add del mod">
+          <ac:chgData name="Bloom PhD, Jesse D" userId="e17e4af4-92ba-4f4f-89d8-f6d4f5501821" providerId="ADAL" clId="{8856C121-52AB-934F-8ABC-4B1014C1BCA4}" dt="2020-04-17T14:17:15.978" v="65"/>
+          <ac:spMkLst>
+            <pc:docMk/>
+            <pc:sldMk cId="1715545372" sldId="260"/>
+            <ac:spMk id="680" creationId="{9F175C11-5473-A24F-B590-D805C7C83046}"/>
+          </ac:spMkLst>
+        </pc:spChg>
+        <pc:spChg chg="add del mod">
+          <ac:chgData name="Bloom PhD, Jesse D" userId="e17e4af4-92ba-4f4f-89d8-f6d4f5501821" providerId="ADAL" clId="{8856C121-52AB-934F-8ABC-4B1014C1BCA4}" dt="2020-04-17T14:17:15.978" v="65"/>
+          <ac:spMkLst>
+            <pc:docMk/>
+            <pc:sldMk cId="1715545372" sldId="260"/>
+            <ac:spMk id="719" creationId="{D4645251-3FA2-8A4A-AAE9-DEF3EB5D0BDA}"/>
+          </ac:spMkLst>
+        </pc:spChg>
+        <pc:spChg chg="add del mod">
+          <ac:chgData name="Bloom PhD, Jesse D" userId="e17e4af4-92ba-4f4f-89d8-f6d4f5501821" providerId="ADAL" clId="{8856C121-52AB-934F-8ABC-4B1014C1BCA4}" dt="2020-04-17T14:17:15.978" v="65"/>
+          <ac:spMkLst>
+            <pc:docMk/>
+            <pc:sldMk cId="1715545372" sldId="260"/>
+            <ac:spMk id="720" creationId="{27A5D916-19B6-7842-B0C5-7BEF419FC736}"/>
+          </ac:spMkLst>
+        </pc:spChg>
+        <pc:spChg chg="add del mod">
+          <ac:chgData name="Bloom PhD, Jesse D" userId="e17e4af4-92ba-4f4f-89d8-f6d4f5501821" providerId="ADAL" clId="{8856C121-52AB-934F-8ABC-4B1014C1BCA4}" dt="2020-04-17T14:17:15.978" v="65"/>
+          <ac:spMkLst>
+            <pc:docMk/>
+            <pc:sldMk cId="1715545372" sldId="260"/>
+            <ac:spMk id="722" creationId="{0AB39CF6-138C-C847-A3FF-62F905388E3B}"/>
+          </ac:spMkLst>
+        </pc:spChg>
+        <pc:spChg chg="add del mod">
+          <ac:chgData name="Bloom PhD, Jesse D" userId="e17e4af4-92ba-4f4f-89d8-f6d4f5501821" providerId="ADAL" clId="{8856C121-52AB-934F-8ABC-4B1014C1BCA4}" dt="2020-04-17T14:17:15.978" v="65"/>
+          <ac:spMkLst>
+            <pc:docMk/>
+            <pc:sldMk cId="1715545372" sldId="260"/>
+            <ac:spMk id="729" creationId="{91CC1054-F9E6-974E-826A-4A17D367B8AE}"/>
+          </ac:spMkLst>
+        </pc:spChg>
+        <pc:spChg chg="add del mod">
+          <ac:chgData name="Bloom PhD, Jesse D" userId="e17e4af4-92ba-4f4f-89d8-f6d4f5501821" providerId="ADAL" clId="{8856C121-52AB-934F-8ABC-4B1014C1BCA4}" dt="2020-04-17T14:17:15.978" v="65"/>
+          <ac:spMkLst>
+            <pc:docMk/>
+            <pc:sldMk cId="1715545372" sldId="260"/>
+            <ac:spMk id="806" creationId="{D683DF6E-FF19-F345-8DF1-FA6169DEDD9E}"/>
+          </ac:spMkLst>
+        </pc:spChg>
+        <pc:spChg chg="add del mod">
+          <ac:chgData name="Bloom PhD, Jesse D" userId="e17e4af4-92ba-4f4f-89d8-f6d4f5501821" providerId="ADAL" clId="{8856C121-52AB-934F-8ABC-4B1014C1BCA4}" dt="2020-04-17T14:17:15.978" v="65"/>
+          <ac:spMkLst>
+            <pc:docMk/>
+            <pc:sldMk cId="1715545372" sldId="260"/>
+            <ac:spMk id="869" creationId="{21150073-6419-0345-B863-1BF7CD71A447}"/>
+          </ac:spMkLst>
+        </pc:spChg>
+        <pc:spChg chg="add del mod">
+          <ac:chgData name="Bloom PhD, Jesse D" userId="e17e4af4-92ba-4f4f-89d8-f6d4f5501821" providerId="ADAL" clId="{8856C121-52AB-934F-8ABC-4B1014C1BCA4}" dt="2020-04-17T14:17:15.978" v="65"/>
+          <ac:spMkLst>
+            <pc:docMk/>
+            <pc:sldMk cId="1715545372" sldId="260"/>
+            <ac:spMk id="870" creationId="{69BFF1EE-B021-FE44-9423-7AD19ABDDC41}"/>
+          </ac:spMkLst>
+        </pc:spChg>
+        <pc:spChg chg="add del mod">
+          <ac:chgData name="Bloom PhD, Jesse D" userId="e17e4af4-92ba-4f4f-89d8-f6d4f5501821" providerId="ADAL" clId="{8856C121-52AB-934F-8ABC-4B1014C1BCA4}" dt="2020-04-17T14:17:15.978" v="65"/>
+          <ac:spMkLst>
+            <pc:docMk/>
+            <pc:sldMk cId="1715545372" sldId="260"/>
+            <ac:spMk id="872" creationId="{BCC66254-0364-8A42-A78D-5A6844D87903}"/>
+          </ac:spMkLst>
+        </pc:spChg>
+        <pc:spChg chg="add del mod">
+          <ac:chgData name="Bloom PhD, Jesse D" userId="e17e4af4-92ba-4f4f-89d8-f6d4f5501821" providerId="ADAL" clId="{8856C121-52AB-934F-8ABC-4B1014C1BCA4}" dt="2020-04-17T14:17:15.978" v="65"/>
+          <ac:spMkLst>
+            <pc:docMk/>
+            <pc:sldMk cId="1715545372" sldId="260"/>
+            <ac:spMk id="873" creationId="{D1B6AC0E-3E09-A14A-B32A-75127F9DDC7E}"/>
+          </ac:spMkLst>
+        </pc:spChg>
+        <pc:spChg chg="add del mod">
+          <ac:chgData name="Bloom PhD, Jesse D" userId="e17e4af4-92ba-4f4f-89d8-f6d4f5501821" providerId="ADAL" clId="{8856C121-52AB-934F-8ABC-4B1014C1BCA4}" dt="2020-04-17T14:17:15.978" v="65"/>
+          <ac:spMkLst>
+            <pc:docMk/>
+            <pc:sldMk cId="1715545372" sldId="260"/>
+            <ac:spMk id="875" creationId="{30C02E28-87DA-C14D-BC6C-C7F342AF3066}"/>
+          </ac:spMkLst>
+        </pc:spChg>
+        <pc:spChg chg="add del mod">
+          <ac:chgData name="Bloom PhD, Jesse D" userId="e17e4af4-92ba-4f4f-89d8-f6d4f5501821" providerId="ADAL" clId="{8856C121-52AB-934F-8ABC-4B1014C1BCA4}" dt="2020-04-17T14:17:15.978" v="65"/>
+          <ac:spMkLst>
+            <pc:docMk/>
+            <pc:sldMk cId="1715545372" sldId="260"/>
+            <ac:spMk id="878" creationId="{F3A0B989-454A-714B-B864-2185F4B79ED6}"/>
+          </ac:spMkLst>
+        </pc:spChg>
+        <pc:spChg chg="add">
+          <ac:chgData name="Bloom PhD, Jesse D" userId="e17e4af4-92ba-4f4f-89d8-f6d4f5501821" providerId="ADAL" clId="{8856C121-52AB-934F-8ABC-4B1014C1BCA4}" dt="2020-04-17T14:17:24.968" v="67"/>
+          <ac:spMkLst>
+            <pc:docMk/>
+            <pc:sldMk cId="1715545372" sldId="260"/>
+            <ac:spMk id="881" creationId="{32494B65-8B08-2046-A3B3-930ABFEB62BC}"/>
+          </ac:spMkLst>
+        </pc:spChg>
+        <pc:spChg chg="add">
+          <ac:chgData name="Bloom PhD, Jesse D" userId="e17e4af4-92ba-4f4f-89d8-f6d4f5501821" providerId="ADAL" clId="{8856C121-52AB-934F-8ABC-4B1014C1BCA4}" dt="2020-04-17T14:17:24.968" v="67"/>
+          <ac:spMkLst>
+            <pc:docMk/>
+            <pc:sldMk cId="1715545372" sldId="260"/>
+            <ac:spMk id="882" creationId="{51655B87-2354-6748-AC71-788E566A5025}"/>
+          </ac:spMkLst>
+        </pc:spChg>
+        <pc:spChg chg="add">
+          <ac:chgData name="Bloom PhD, Jesse D" userId="e17e4af4-92ba-4f4f-89d8-f6d4f5501821" providerId="ADAL" clId="{8856C121-52AB-934F-8ABC-4B1014C1BCA4}" dt="2020-04-17T14:17:24.968" v="67"/>
+          <ac:spMkLst>
+            <pc:docMk/>
+            <pc:sldMk cId="1715545372" sldId="260"/>
+            <ac:spMk id="883" creationId="{E8781F1E-01C0-EE42-A75D-9FC1F6E321C4}"/>
+          </ac:spMkLst>
+        </pc:spChg>
+        <pc:spChg chg="add">
+          <ac:chgData name="Bloom PhD, Jesse D" userId="e17e4af4-92ba-4f4f-89d8-f6d4f5501821" providerId="ADAL" clId="{8856C121-52AB-934F-8ABC-4B1014C1BCA4}" dt="2020-04-17T14:17:24.968" v="67"/>
+          <ac:spMkLst>
+            <pc:docMk/>
+            <pc:sldMk cId="1715545372" sldId="260"/>
+            <ac:spMk id="884" creationId="{EFAC0B36-AF95-FF4D-BC55-013F2D2DCA17}"/>
+          </ac:spMkLst>
+        </pc:spChg>
+        <pc:spChg chg="add">
+          <ac:chgData name="Bloom PhD, Jesse D" userId="e17e4af4-92ba-4f4f-89d8-f6d4f5501821" providerId="ADAL" clId="{8856C121-52AB-934F-8ABC-4B1014C1BCA4}" dt="2020-04-17T14:17:24.968" v="67"/>
+          <ac:spMkLst>
+            <pc:docMk/>
+            <pc:sldMk cId="1715545372" sldId="260"/>
+            <ac:spMk id="885" creationId="{DC05A1B2-C722-BF4D-84CE-8DF6C920A25D}"/>
+          </ac:spMkLst>
+        </pc:spChg>
+        <pc:spChg chg="del">
+          <ac:chgData name="Bloom PhD, Jesse D" userId="e17e4af4-92ba-4f4f-89d8-f6d4f5501821" providerId="ADAL" clId="{8856C121-52AB-934F-8ABC-4B1014C1BCA4}" dt="2020-04-17T14:12:01.103" v="5"/>
+          <ac:spMkLst>
+            <pc:docMk/>
+            <pc:sldMk cId="1715545372" sldId="260"/>
+            <ac:spMk id="893" creationId="{0CA95797-59C7-2147-B999-D5D6487A1FB6}"/>
+          </ac:spMkLst>
+        </pc:spChg>
+        <pc:spChg chg="del">
+          <ac:chgData name="Bloom PhD, Jesse D" userId="e17e4af4-92ba-4f4f-89d8-f6d4f5501821" providerId="ADAL" clId="{8856C121-52AB-934F-8ABC-4B1014C1BCA4}" dt="2020-04-17T14:12:01.103" v="5"/>
+          <ac:spMkLst>
+            <pc:docMk/>
+            <pc:sldMk cId="1715545372" sldId="260"/>
+            <ac:spMk id="894" creationId="{D7E6BB94-B289-7948-A57F-3D29893E6473}"/>
+          </ac:spMkLst>
+        </pc:spChg>
+        <pc:spChg chg="del">
+          <ac:chgData name="Bloom PhD, Jesse D" userId="e17e4af4-92ba-4f4f-89d8-f6d4f5501821" providerId="ADAL" clId="{8856C121-52AB-934F-8ABC-4B1014C1BCA4}" dt="2020-04-17T14:12:01.103" v="5"/>
+          <ac:spMkLst>
+            <pc:docMk/>
+            <pc:sldMk cId="1715545372" sldId="260"/>
+            <ac:spMk id="895" creationId="{B6F3F1F7-05A4-944E-AC91-3CD8558BDC1C}"/>
+          </ac:spMkLst>
+        </pc:spChg>
+        <pc:spChg chg="del">
+          <ac:chgData name="Bloom PhD, Jesse D" userId="e17e4af4-92ba-4f4f-89d8-f6d4f5501821" providerId="ADAL" clId="{8856C121-52AB-934F-8ABC-4B1014C1BCA4}" dt="2020-04-17T14:12:01.103" v="5"/>
+          <ac:spMkLst>
+            <pc:docMk/>
+            <pc:sldMk cId="1715545372" sldId="260"/>
+            <ac:spMk id="896" creationId="{B2ED10D4-849B-AC48-A353-D171E5D2DE2E}"/>
+          </ac:spMkLst>
+        </pc:spChg>
+        <pc:spChg chg="del">
+          <ac:chgData name="Bloom PhD, Jesse D" userId="e17e4af4-92ba-4f4f-89d8-f6d4f5501821" providerId="ADAL" clId="{8856C121-52AB-934F-8ABC-4B1014C1BCA4}" dt="2020-04-17T14:12:01.103" v="5"/>
+          <ac:spMkLst>
+            <pc:docMk/>
+            <pc:sldMk cId="1715545372" sldId="260"/>
+            <ac:spMk id="897" creationId="{B3B3C24E-55FF-5443-A8C9-00041CD9A0AE}"/>
+          </ac:spMkLst>
+        </pc:spChg>
+        <pc:spChg chg="del">
+          <ac:chgData name="Bloom PhD, Jesse D" userId="e17e4af4-92ba-4f4f-89d8-f6d4f5501821" providerId="ADAL" clId="{8856C121-52AB-934F-8ABC-4B1014C1BCA4}" dt="2020-04-17T14:12:01.103" v="5"/>
+          <ac:spMkLst>
+            <pc:docMk/>
+            <pc:sldMk cId="1715545372" sldId="260"/>
+            <ac:spMk id="914" creationId="{B87831C3-30F2-A144-87E8-365F5A813B16}"/>
+          </ac:spMkLst>
+        </pc:spChg>
+        <pc:spChg chg="del">
+          <ac:chgData name="Bloom PhD, Jesse D" userId="e17e4af4-92ba-4f4f-89d8-f6d4f5501821" providerId="ADAL" clId="{8856C121-52AB-934F-8ABC-4B1014C1BCA4}" dt="2020-04-17T14:12:01.103" v="5"/>
+          <ac:spMkLst>
+            <pc:docMk/>
+            <pc:sldMk cId="1715545372" sldId="260"/>
+            <ac:spMk id="915" creationId="{2C6F11CB-2DDA-7047-B18F-9542C784051C}"/>
+          </ac:spMkLst>
+        </pc:spChg>
+        <pc:spChg chg="del">
+          <ac:chgData name="Bloom PhD, Jesse D" userId="e17e4af4-92ba-4f4f-89d8-f6d4f5501821" providerId="ADAL" clId="{8856C121-52AB-934F-8ABC-4B1014C1BCA4}" dt="2020-04-17T14:12:01.103" v="5"/>
+          <ac:spMkLst>
+            <pc:docMk/>
+            <pc:sldMk cId="1715545372" sldId="260"/>
+            <ac:spMk id="916" creationId="{9DAAF228-D57A-9748-B1C2-3602DEBA7809}"/>
+          </ac:spMkLst>
+        </pc:spChg>
+        <pc:spChg chg="del">
+          <ac:chgData name="Bloom PhD, Jesse D" userId="e17e4af4-92ba-4f4f-89d8-f6d4f5501821" providerId="ADAL" clId="{8856C121-52AB-934F-8ABC-4B1014C1BCA4}" dt="2020-04-17T14:12:01.103" v="5"/>
+          <ac:spMkLst>
+            <pc:docMk/>
+            <pc:sldMk cId="1715545372" sldId="260"/>
+            <ac:spMk id="955" creationId="{3BB2D817-3EE6-D94F-B4C7-140784E74F3D}"/>
+          </ac:spMkLst>
+        </pc:spChg>
+        <pc:spChg chg="del">
+          <ac:chgData name="Bloom PhD, Jesse D" userId="e17e4af4-92ba-4f4f-89d8-f6d4f5501821" providerId="ADAL" clId="{8856C121-52AB-934F-8ABC-4B1014C1BCA4}" dt="2020-04-17T14:12:01.103" v="5"/>
+          <ac:spMkLst>
+            <pc:docMk/>
+            <pc:sldMk cId="1715545372" sldId="260"/>
+            <ac:spMk id="956" creationId="{7D3DF374-0E2A-9443-ABA1-C04FC1A07442}"/>
+          </ac:spMkLst>
+        </pc:spChg>
+        <pc:spChg chg="del">
+          <ac:chgData name="Bloom PhD, Jesse D" userId="e17e4af4-92ba-4f4f-89d8-f6d4f5501821" providerId="ADAL" clId="{8856C121-52AB-934F-8ABC-4B1014C1BCA4}" dt="2020-04-17T14:12:01.103" v="5"/>
+          <ac:spMkLst>
+            <pc:docMk/>
+            <pc:sldMk cId="1715545372" sldId="260"/>
+            <ac:spMk id="958" creationId="{4D31FFB3-C225-3E4C-A7FD-7C62076F543F}"/>
+          </ac:spMkLst>
+        </pc:spChg>
+        <pc:spChg chg="del">
+          <ac:chgData name="Bloom PhD, Jesse D" userId="e17e4af4-92ba-4f4f-89d8-f6d4f5501821" providerId="ADAL" clId="{8856C121-52AB-934F-8ABC-4B1014C1BCA4}" dt="2020-04-17T14:12:01.103" v="5"/>
+          <ac:spMkLst>
+            <pc:docMk/>
+            <pc:sldMk cId="1715545372" sldId="260"/>
+            <ac:spMk id="965" creationId="{586CF032-0F0B-B24B-8ADB-1CE2725180C9}"/>
+          </ac:spMkLst>
+        </pc:spChg>
+        <pc:spChg chg="del">
+          <ac:chgData name="Bloom PhD, Jesse D" userId="e17e4af4-92ba-4f4f-89d8-f6d4f5501821" providerId="ADAL" clId="{8856C121-52AB-934F-8ABC-4B1014C1BCA4}" dt="2020-04-17T14:12:01.103" v="5"/>
+          <ac:spMkLst>
+            <pc:docMk/>
+            <pc:sldMk cId="1715545372" sldId="260"/>
+            <ac:spMk id="1042" creationId="{68F4B8EB-DCAD-A248-8D8E-AC6C3C28BC2C}"/>
+          </ac:spMkLst>
+        </pc:spChg>
+        <pc:spChg chg="del">
+          <ac:chgData name="Bloom PhD, Jesse D" userId="e17e4af4-92ba-4f4f-89d8-f6d4f5501821" providerId="ADAL" clId="{8856C121-52AB-934F-8ABC-4B1014C1BCA4}" dt="2020-04-17T14:12:01.103" v="5"/>
+          <ac:spMkLst>
+            <pc:docMk/>
+            <pc:sldMk cId="1715545372" sldId="260"/>
+            <ac:spMk id="1105" creationId="{412236CB-54F3-C045-93D2-343EA78454B7}"/>
+          </ac:spMkLst>
+        </pc:spChg>
+        <pc:spChg chg="del">
+          <ac:chgData name="Bloom PhD, Jesse D" userId="e17e4af4-92ba-4f4f-89d8-f6d4f5501821" providerId="ADAL" clId="{8856C121-52AB-934F-8ABC-4B1014C1BCA4}" dt="2020-04-17T14:12:01.103" v="5"/>
+          <ac:spMkLst>
+            <pc:docMk/>
+            <pc:sldMk cId="1715545372" sldId="260"/>
+            <ac:spMk id="1106" creationId="{315B96D2-771B-0B47-B232-8C9609A20D33}"/>
+          </ac:spMkLst>
+        </pc:spChg>
+        <pc:spChg chg="del">
+          <ac:chgData name="Bloom PhD, Jesse D" userId="e17e4af4-92ba-4f4f-89d8-f6d4f5501821" providerId="ADAL" clId="{8856C121-52AB-934F-8ABC-4B1014C1BCA4}" dt="2020-04-17T14:12:01.103" v="5"/>
+          <ac:spMkLst>
+            <pc:docMk/>
+            <pc:sldMk cId="1715545372" sldId="260"/>
+            <ac:spMk id="1108" creationId="{60CC3CEF-5513-7241-9902-30D91D5EAF93}"/>
+          </ac:spMkLst>
+        </pc:spChg>
+        <pc:spChg chg="del">
+          <ac:chgData name="Bloom PhD, Jesse D" userId="e17e4af4-92ba-4f4f-89d8-f6d4f5501821" providerId="ADAL" clId="{8856C121-52AB-934F-8ABC-4B1014C1BCA4}" dt="2020-04-17T14:12:01.103" v="5"/>
+          <ac:spMkLst>
+            <pc:docMk/>
+            <pc:sldMk cId="1715545372" sldId="260"/>
+            <ac:spMk id="1109" creationId="{DB602642-BAE5-3547-8A7C-8A12AFB7A98E}"/>
+          </ac:spMkLst>
+        </pc:spChg>
+        <pc:spChg chg="add">
+          <ac:chgData name="Bloom PhD, Jesse D" userId="e17e4af4-92ba-4f4f-89d8-f6d4f5501821" providerId="ADAL" clId="{8856C121-52AB-934F-8ABC-4B1014C1BCA4}" dt="2020-04-17T14:17:24.968" v="67"/>
+          <ac:spMkLst>
+            <pc:docMk/>
+            <pc:sldMk cId="1715545372" sldId="260"/>
+            <ac:spMk id="1119" creationId="{EFC4F714-E283-964D-A653-0F83B6043AA1}"/>
+          </ac:spMkLst>
+        </pc:spChg>
+        <pc:spChg chg="add">
+          <ac:chgData name="Bloom PhD, Jesse D" userId="e17e4af4-92ba-4f4f-89d8-f6d4f5501821" providerId="ADAL" clId="{8856C121-52AB-934F-8ABC-4B1014C1BCA4}" dt="2020-04-17T14:17:24.968" v="67"/>
+          <ac:spMkLst>
+            <pc:docMk/>
+            <pc:sldMk cId="1715545372" sldId="260"/>
+            <ac:spMk id="1120" creationId="{710E0D16-8F99-204B-97C7-D0A0CC1B7B1B}"/>
+          </ac:spMkLst>
+        </pc:spChg>
+        <pc:spChg chg="add">
+          <ac:chgData name="Bloom PhD, Jesse D" userId="e17e4af4-92ba-4f4f-89d8-f6d4f5501821" providerId="ADAL" clId="{8856C121-52AB-934F-8ABC-4B1014C1BCA4}" dt="2020-04-17T14:17:24.968" v="67"/>
+          <ac:spMkLst>
+            <pc:docMk/>
+            <pc:sldMk cId="1715545372" sldId="260"/>
+            <ac:spMk id="1121" creationId="{44C72C97-A937-954D-80EA-D94BCDA36223}"/>
+          </ac:spMkLst>
+        </pc:spChg>
+        <pc:spChg chg="add">
+          <ac:chgData name="Bloom PhD, Jesse D" userId="e17e4af4-92ba-4f4f-89d8-f6d4f5501821" providerId="ADAL" clId="{8856C121-52AB-934F-8ABC-4B1014C1BCA4}" dt="2020-04-17T14:17:24.968" v="67"/>
+          <ac:spMkLst>
+            <pc:docMk/>
+            <pc:sldMk cId="1715545372" sldId="260"/>
+            <ac:spMk id="1160" creationId="{D3FCA04B-DF1C-A544-A783-E6A8E35CB67B}"/>
+          </ac:spMkLst>
+        </pc:spChg>
+        <pc:spChg chg="add">
+          <ac:chgData name="Bloom PhD, Jesse D" userId="e17e4af4-92ba-4f4f-89d8-f6d4f5501821" providerId="ADAL" clId="{8856C121-52AB-934F-8ABC-4B1014C1BCA4}" dt="2020-04-17T14:17:24.968" v="67"/>
+          <ac:spMkLst>
+            <pc:docMk/>
+            <pc:sldMk cId="1715545372" sldId="260"/>
+            <ac:spMk id="1161" creationId="{605688E0-5435-3444-966C-98A3A6750EDC}"/>
+          </ac:spMkLst>
+        </pc:spChg>
+        <pc:spChg chg="add">
+          <ac:chgData name="Bloom PhD, Jesse D" userId="e17e4af4-92ba-4f4f-89d8-f6d4f5501821" providerId="ADAL" clId="{8856C121-52AB-934F-8ABC-4B1014C1BCA4}" dt="2020-04-17T14:17:24.968" v="67"/>
+          <ac:spMkLst>
+            <pc:docMk/>
+            <pc:sldMk cId="1715545372" sldId="260"/>
+            <ac:spMk id="1163" creationId="{732E6700-C3FC-C14C-AEBD-31C03B013A07}"/>
+          </ac:spMkLst>
+        </pc:spChg>
+        <pc:spChg chg="add">
+          <ac:chgData name="Bloom PhD, Jesse D" userId="e17e4af4-92ba-4f4f-89d8-f6d4f5501821" providerId="ADAL" clId="{8856C121-52AB-934F-8ABC-4B1014C1BCA4}" dt="2020-04-17T14:17:24.968" v="67"/>
+          <ac:spMkLst>
+            <pc:docMk/>
+            <pc:sldMk cId="1715545372" sldId="260"/>
+            <ac:spMk id="1170" creationId="{AFBDC852-658D-FF46-89DC-583E292FD260}"/>
+          </ac:spMkLst>
+        </pc:spChg>
+        <pc:spChg chg="add">
+          <ac:chgData name="Bloom PhD, Jesse D" userId="e17e4af4-92ba-4f4f-89d8-f6d4f5501821" providerId="ADAL" clId="{8856C121-52AB-934F-8ABC-4B1014C1BCA4}" dt="2020-04-17T14:17:24.968" v="67"/>
+          <ac:spMkLst>
+            <pc:docMk/>
+            <pc:sldMk cId="1715545372" sldId="260"/>
+            <ac:spMk id="1247" creationId="{0A8F7FAA-E54B-7F40-80D8-3EED891C7530}"/>
+          </ac:spMkLst>
+        </pc:spChg>
+        <pc:spChg chg="add">
+          <ac:chgData name="Bloom PhD, Jesse D" userId="e17e4af4-92ba-4f4f-89d8-f6d4f5501821" providerId="ADAL" clId="{8856C121-52AB-934F-8ABC-4B1014C1BCA4}" dt="2020-04-17T14:17:24.968" v="67"/>
+          <ac:spMkLst>
+            <pc:docMk/>
+            <pc:sldMk cId="1715545372" sldId="260"/>
+            <ac:spMk id="1310" creationId="{BE91C011-925A-5F4E-A781-4775F0D38894}"/>
+          </ac:spMkLst>
+        </pc:spChg>
+        <pc:spChg chg="add">
+          <ac:chgData name="Bloom PhD, Jesse D" userId="e17e4af4-92ba-4f4f-89d8-f6d4f5501821" providerId="ADAL" clId="{8856C121-52AB-934F-8ABC-4B1014C1BCA4}" dt="2020-04-17T14:17:24.968" v="67"/>
+          <ac:spMkLst>
+            <pc:docMk/>
+            <pc:sldMk cId="1715545372" sldId="260"/>
+            <ac:spMk id="1311" creationId="{A3873CE6-BD5A-C344-BA4A-7A505A5095CD}"/>
+          </ac:spMkLst>
+        </pc:spChg>
+        <pc:spChg chg="add">
+          <ac:chgData name="Bloom PhD, Jesse D" userId="e17e4af4-92ba-4f4f-89d8-f6d4f5501821" providerId="ADAL" clId="{8856C121-52AB-934F-8ABC-4B1014C1BCA4}" dt="2020-04-17T14:17:24.968" v="67"/>
+          <ac:spMkLst>
+            <pc:docMk/>
+            <pc:sldMk cId="1715545372" sldId="260"/>
+            <ac:spMk id="1313" creationId="{2A13D621-5818-BB4A-886E-70790DD65232}"/>
+          </ac:spMkLst>
+        </pc:spChg>
+        <pc:spChg chg="add">
+          <ac:chgData name="Bloom PhD, Jesse D" userId="e17e4af4-92ba-4f4f-89d8-f6d4f5501821" providerId="ADAL" clId="{8856C121-52AB-934F-8ABC-4B1014C1BCA4}" dt="2020-04-17T14:17:24.968" v="67"/>
+          <ac:spMkLst>
+            <pc:docMk/>
+            <pc:sldMk cId="1715545372" sldId="260"/>
+            <ac:spMk id="1314" creationId="{6FD92C27-F800-5640-BBF6-4340E4A63A1E}"/>
+          </ac:spMkLst>
+        </pc:spChg>
+        <pc:spChg chg="add">
+          <ac:chgData name="Bloom PhD, Jesse D" userId="e17e4af4-92ba-4f4f-89d8-f6d4f5501821" providerId="ADAL" clId="{8856C121-52AB-934F-8ABC-4B1014C1BCA4}" dt="2020-04-17T14:17:24.968" v="67"/>
+          <ac:spMkLst>
+            <pc:docMk/>
+            <pc:sldMk cId="1715545372" sldId="260"/>
+            <ac:spMk id="1316" creationId="{72A84282-4ACA-3E40-8589-3449883658F3}"/>
+          </ac:spMkLst>
+        </pc:spChg>
+        <pc:spChg chg="add">
+          <ac:chgData name="Bloom PhD, Jesse D" userId="e17e4af4-92ba-4f4f-89d8-f6d4f5501821" providerId="ADAL" clId="{8856C121-52AB-934F-8ABC-4B1014C1BCA4}" dt="2020-04-17T14:17:24.968" v="67"/>
+          <ac:spMkLst>
+            <pc:docMk/>
+            <pc:sldMk cId="1715545372" sldId="260"/>
+            <ac:spMk id="1317" creationId="{3DA84AE9-129F-3E40-883D-8E5F3A25AB21}"/>
+          </ac:spMkLst>
+        </pc:spChg>
+        <pc:spChg chg="add">
+          <ac:chgData name="Bloom PhD, Jesse D" userId="e17e4af4-92ba-4f4f-89d8-f6d4f5501821" providerId="ADAL" clId="{8856C121-52AB-934F-8ABC-4B1014C1BCA4}" dt="2020-04-17T14:17:24.968" v="67"/>
+          <ac:spMkLst>
+            <pc:docMk/>
+            <pc:sldMk cId="1715545372" sldId="260"/>
+            <ac:spMk id="1318" creationId="{5DEC36E0-6667-7648-9C16-2E620A41EA88}"/>
+          </ac:spMkLst>
+        </pc:spChg>
+        <pc:grpChg chg="add del">
+          <ac:chgData name="Bloom PhD, Jesse D" userId="e17e4af4-92ba-4f4f-89d8-f6d4f5501821" providerId="ADAL" clId="{8856C121-52AB-934F-8ABC-4B1014C1BCA4}" dt="2020-04-17T14:12:42.799" v="10"/>
+          <ac:grpSpMkLst>
+            <pc:docMk/>
+            <pc:sldMk cId="1715545372" sldId="260"/>
+            <ac:grpSpMk id="226" creationId="{5AA4BE50-CB46-6746-8B60-A3017261B316}"/>
+          </ac:grpSpMkLst>
+        </pc:grpChg>
+        <pc:grpChg chg="add del">
+          <ac:chgData name="Bloom PhD, Jesse D" userId="e17e4af4-92ba-4f4f-89d8-f6d4f5501821" providerId="ADAL" clId="{8856C121-52AB-934F-8ABC-4B1014C1BCA4}" dt="2020-04-17T14:12:42.799" v="10"/>
+          <ac:grpSpMkLst>
+            <pc:docMk/>
+            <pc:sldMk cId="1715545372" sldId="260"/>
+            <ac:grpSpMk id="245" creationId="{8E819F6B-DD84-494C-8C78-D7AEEC6FCB4D}"/>
+          </ac:grpSpMkLst>
+        </pc:grpChg>
+        <pc:grpChg chg="add del">
+          <ac:chgData name="Bloom PhD, Jesse D" userId="e17e4af4-92ba-4f4f-89d8-f6d4f5501821" providerId="ADAL" clId="{8856C121-52AB-934F-8ABC-4B1014C1BCA4}" dt="2020-04-17T14:12:42.799" v="10"/>
+          <ac:grpSpMkLst>
+            <pc:docMk/>
+            <pc:sldMk cId="1715545372" sldId="260"/>
+            <ac:grpSpMk id="287" creationId="{23C6449D-357C-B049-B9DF-057E02F03A4D}"/>
+          </ac:grpSpMkLst>
+        </pc:grpChg>
+        <pc:grpChg chg="add del">
+          <ac:chgData name="Bloom PhD, Jesse D" userId="e17e4af4-92ba-4f4f-89d8-f6d4f5501821" providerId="ADAL" clId="{8856C121-52AB-934F-8ABC-4B1014C1BCA4}" dt="2020-04-17T14:12:42.799" v="10"/>
+          <ac:grpSpMkLst>
+            <pc:docMk/>
+            <pc:sldMk cId="1715545372" sldId="260"/>
+            <ac:grpSpMk id="294" creationId="{B32D4278-4EB8-0D46-91C9-29D5CFA488F3}"/>
+          </ac:grpSpMkLst>
+        </pc:grpChg>
+        <pc:grpChg chg="add del">
+          <ac:chgData name="Bloom PhD, Jesse D" userId="e17e4af4-92ba-4f4f-89d8-f6d4f5501821" providerId="ADAL" clId="{8856C121-52AB-934F-8ABC-4B1014C1BCA4}" dt="2020-04-17T14:12:42.799" v="10"/>
+          <ac:grpSpMkLst>
+            <pc:docMk/>
+            <pc:sldMk cId="1715545372" sldId="260"/>
+            <ac:grpSpMk id="332" creationId="{0930E62D-BA9E-3146-8118-A04E4E5639FE}"/>
+          </ac:grpSpMkLst>
+        </pc:grpChg>
+        <pc:grpChg chg="add del">
+          <ac:chgData name="Bloom PhD, Jesse D" userId="e17e4af4-92ba-4f4f-89d8-f6d4f5501821" providerId="ADAL" clId="{8856C121-52AB-934F-8ABC-4B1014C1BCA4}" dt="2020-04-17T14:12:42.799" v="10"/>
+          <ac:grpSpMkLst>
+            <pc:docMk/>
+            <pc:sldMk cId="1715545372" sldId="260"/>
+            <ac:grpSpMk id="371" creationId="{EB057C60-3F14-6441-86DA-F2FE4B7EDCBC}"/>
+          </ac:grpSpMkLst>
+        </pc:grpChg>
+        <pc:grpChg chg="add del">
+          <ac:chgData name="Bloom PhD, Jesse D" userId="e17e4af4-92ba-4f4f-89d8-f6d4f5501821" providerId="ADAL" clId="{8856C121-52AB-934F-8ABC-4B1014C1BCA4}" dt="2020-04-17T14:12:42.799" v="10"/>
+          <ac:grpSpMkLst>
+            <pc:docMk/>
+            <pc:sldMk cId="1715545372" sldId="260"/>
+            <ac:grpSpMk id="387" creationId="{79325442-F5E3-CD44-A88E-F8929D345414}"/>
+          </ac:grpSpMkLst>
+        </pc:grpChg>
+        <pc:grpChg chg="add del">
+          <ac:chgData name="Bloom PhD, Jesse D" userId="e17e4af4-92ba-4f4f-89d8-f6d4f5501821" providerId="ADAL" clId="{8856C121-52AB-934F-8ABC-4B1014C1BCA4}" dt="2020-04-17T14:12:42.799" v="10"/>
+          <ac:grpSpMkLst>
+            <pc:docMk/>
+            <pc:sldMk cId="1715545372" sldId="260"/>
+            <ac:grpSpMk id="403" creationId="{1FA1B94B-98CC-D943-8204-72C54D745842}"/>
+          </ac:grpSpMkLst>
+        </pc:grpChg>
+        <pc:grpChg chg="add del">
+          <ac:chgData name="Bloom PhD, Jesse D" userId="e17e4af4-92ba-4f4f-89d8-f6d4f5501821" providerId="ADAL" clId="{8856C121-52AB-934F-8ABC-4B1014C1BCA4}" dt="2020-04-17T14:12:42.799" v="10"/>
+          <ac:grpSpMkLst>
+            <pc:docMk/>
+            <pc:sldMk cId="1715545372" sldId="260"/>
+            <ac:grpSpMk id="419" creationId="{EBB50675-F5C2-244D-B7A7-B08CCF7C94EA}"/>
+          </ac:grpSpMkLst>
+        </pc:grpChg>
+        <pc:grpChg chg="add del">
+          <ac:chgData name="Bloom PhD, Jesse D" userId="e17e4af4-92ba-4f4f-89d8-f6d4f5501821" providerId="ADAL" clId="{8856C121-52AB-934F-8ABC-4B1014C1BCA4}" dt="2020-04-17T14:13:10.255" v="15"/>
+          <ac:grpSpMkLst>
+            <pc:docMk/>
+            <pc:sldMk cId="1715545372" sldId="260"/>
+            <ac:grpSpMk id="444" creationId="{152D5B46-CE26-AA49-A105-38655D59E242}"/>
+          </ac:grpSpMkLst>
+        </pc:grpChg>
+        <pc:grpChg chg="add del">
+          <ac:chgData name="Bloom PhD, Jesse D" userId="e17e4af4-92ba-4f4f-89d8-f6d4f5501821" providerId="ADAL" clId="{8856C121-52AB-934F-8ABC-4B1014C1BCA4}" dt="2020-04-17T14:13:10.255" v="15"/>
+          <ac:grpSpMkLst>
+            <pc:docMk/>
+            <pc:sldMk cId="1715545372" sldId="260"/>
+            <ac:grpSpMk id="463" creationId="{EC4B3917-F098-0340-AB4D-F9B5E8924EE0}"/>
+          </ac:grpSpMkLst>
+        </pc:grpChg>
+        <pc:grpChg chg="add del">
+          <ac:chgData name="Bloom PhD, Jesse D" userId="e17e4af4-92ba-4f4f-89d8-f6d4f5501821" providerId="ADAL" clId="{8856C121-52AB-934F-8ABC-4B1014C1BCA4}" dt="2020-04-17T14:13:10.255" v="15"/>
+          <ac:grpSpMkLst>
+            <pc:docMk/>
+            <pc:sldMk cId="1715545372" sldId="260"/>
+            <ac:grpSpMk id="505" creationId="{E14D29EB-0F94-4B4D-8660-4BF767911085}"/>
+          </ac:grpSpMkLst>
+        </pc:grpChg>
+        <pc:grpChg chg="add del">
+          <ac:chgData name="Bloom PhD, Jesse D" userId="e17e4af4-92ba-4f4f-89d8-f6d4f5501821" providerId="ADAL" clId="{8856C121-52AB-934F-8ABC-4B1014C1BCA4}" dt="2020-04-17T14:13:10.255" v="15"/>
+          <ac:grpSpMkLst>
+            <pc:docMk/>
+            <pc:sldMk cId="1715545372" sldId="260"/>
+            <ac:grpSpMk id="512" creationId="{DB930675-2BEB-344D-AD87-6D41965B86ED}"/>
+          </ac:grpSpMkLst>
+        </pc:grpChg>
+        <pc:grpChg chg="add del">
+          <ac:chgData name="Bloom PhD, Jesse D" userId="e17e4af4-92ba-4f4f-89d8-f6d4f5501821" providerId="ADAL" clId="{8856C121-52AB-934F-8ABC-4B1014C1BCA4}" dt="2020-04-17T14:13:10.255" v="15"/>
+          <ac:grpSpMkLst>
+            <pc:docMk/>
+            <pc:sldMk cId="1715545372" sldId="260"/>
+            <ac:grpSpMk id="550" creationId="{035FB632-06DB-5E4E-9398-47C98A105645}"/>
+          </ac:grpSpMkLst>
+        </pc:grpChg>
+        <pc:grpChg chg="add del">
+          <ac:chgData name="Bloom PhD, Jesse D" userId="e17e4af4-92ba-4f4f-89d8-f6d4f5501821" providerId="ADAL" clId="{8856C121-52AB-934F-8ABC-4B1014C1BCA4}" dt="2020-04-17T14:13:10.255" v="15"/>
+          <ac:grpSpMkLst>
+            <pc:docMk/>
+            <pc:sldMk cId="1715545372" sldId="260"/>
+            <ac:grpSpMk id="589" creationId="{EC619B9F-B6C7-7E45-BE83-7E07685BB7AA}"/>
+          </ac:grpSpMkLst>
+        </pc:grpChg>
+        <pc:grpChg chg="add del">
+          <ac:chgData name="Bloom PhD, Jesse D" userId="e17e4af4-92ba-4f4f-89d8-f6d4f5501821" providerId="ADAL" clId="{8856C121-52AB-934F-8ABC-4B1014C1BCA4}" dt="2020-04-17T14:13:10.255" v="15"/>
+          <ac:grpSpMkLst>
+            <pc:docMk/>
+            <pc:sldMk cId="1715545372" sldId="260"/>
+            <ac:grpSpMk id="605" creationId="{8AD97816-F418-6443-81E3-AD4AFD695BB2}"/>
+          </ac:grpSpMkLst>
+        </pc:grpChg>
+        <pc:grpChg chg="add del">
+          <ac:chgData name="Bloom PhD, Jesse D" userId="e17e4af4-92ba-4f4f-89d8-f6d4f5501821" providerId="ADAL" clId="{8856C121-52AB-934F-8ABC-4B1014C1BCA4}" dt="2020-04-17T14:13:10.255" v="15"/>
+          <ac:grpSpMkLst>
+            <pc:docMk/>
+            <pc:sldMk cId="1715545372" sldId="260"/>
+            <ac:grpSpMk id="621" creationId="{BAA83C5E-C2D8-BB40-894C-BF95BC79ABF2}"/>
+          </ac:grpSpMkLst>
+        </pc:grpChg>
+        <pc:grpChg chg="add del">
+          <ac:chgData name="Bloom PhD, Jesse D" userId="e17e4af4-92ba-4f4f-89d8-f6d4f5501821" providerId="ADAL" clId="{8856C121-52AB-934F-8ABC-4B1014C1BCA4}" dt="2020-04-17T14:13:10.255" v="15"/>
+          <ac:grpSpMkLst>
+            <pc:docMk/>
+            <pc:sldMk cId="1715545372" sldId="260"/>
+            <ac:grpSpMk id="637" creationId="{F3A68B62-DB4A-D841-B3D5-89137AC06B42}"/>
+          </ac:grpSpMkLst>
+        </pc:grpChg>
+        <pc:grpChg chg="add del mod">
+          <ac:chgData name="Bloom PhD, Jesse D" userId="e17e4af4-92ba-4f4f-89d8-f6d4f5501821" providerId="ADAL" clId="{8856C121-52AB-934F-8ABC-4B1014C1BCA4}" dt="2020-04-17T14:17:15.978" v="65"/>
+          <ac:grpSpMkLst>
+            <pc:docMk/>
+            <pc:sldMk cId="1715545372" sldId="260"/>
+            <ac:grpSpMk id="662" creationId="{220DB019-554C-024D-B9EE-0416D973E36D}"/>
+          </ac:grpSpMkLst>
+        </pc:grpChg>
+        <pc:grpChg chg="add del mod">
+          <ac:chgData name="Bloom PhD, Jesse D" userId="e17e4af4-92ba-4f4f-89d8-f6d4f5501821" providerId="ADAL" clId="{8856C121-52AB-934F-8ABC-4B1014C1BCA4}" dt="2020-04-17T14:17:15.978" v="65"/>
+          <ac:grpSpMkLst>
+            <pc:docMk/>
+            <pc:sldMk cId="1715545372" sldId="260"/>
+            <ac:grpSpMk id="681" creationId="{DC52D1C5-5BC4-7F44-8D10-E98CAD8FD80C}"/>
+          </ac:grpSpMkLst>
+        </pc:grpChg>
+        <pc:grpChg chg="add del mod">
+          <ac:chgData name="Bloom PhD, Jesse D" userId="e17e4af4-92ba-4f4f-89d8-f6d4f5501821" providerId="ADAL" clId="{8856C121-52AB-934F-8ABC-4B1014C1BCA4}" dt="2020-04-17T14:17:15.978" v="65"/>
+          <ac:grpSpMkLst>
+            <pc:docMk/>
+            <pc:sldMk cId="1715545372" sldId="260"/>
+            <ac:grpSpMk id="723" creationId="{7F98E11C-FA13-FC44-B975-E1B3BB336142}"/>
+          </ac:grpSpMkLst>
+        </pc:grpChg>
+        <pc:grpChg chg="add del mod">
+          <ac:chgData name="Bloom PhD, Jesse D" userId="e17e4af4-92ba-4f4f-89d8-f6d4f5501821" providerId="ADAL" clId="{8856C121-52AB-934F-8ABC-4B1014C1BCA4}" dt="2020-04-17T14:17:15.978" v="65"/>
+          <ac:grpSpMkLst>
+            <pc:docMk/>
+            <pc:sldMk cId="1715545372" sldId="260"/>
+            <ac:grpSpMk id="730" creationId="{0B9C93A9-1241-244E-A896-84FAD4D68AAA}"/>
+          </ac:grpSpMkLst>
+        </pc:grpChg>
+        <pc:grpChg chg="add del mod">
+          <ac:chgData name="Bloom PhD, Jesse D" userId="e17e4af4-92ba-4f4f-89d8-f6d4f5501821" providerId="ADAL" clId="{8856C121-52AB-934F-8ABC-4B1014C1BCA4}" dt="2020-04-17T14:17:15.978" v="65"/>
+          <ac:grpSpMkLst>
+            <pc:docMk/>
+            <pc:sldMk cId="1715545372" sldId="260"/>
+            <ac:grpSpMk id="768" creationId="{9B57F488-9321-2C4B-A422-A6417FE39A71}"/>
+          </ac:grpSpMkLst>
+        </pc:grpChg>
+        <pc:grpChg chg="add del mod">
+          <ac:chgData name="Bloom PhD, Jesse D" userId="e17e4af4-92ba-4f4f-89d8-f6d4f5501821" providerId="ADAL" clId="{8856C121-52AB-934F-8ABC-4B1014C1BCA4}" dt="2020-04-17T14:17:15.978" v="65"/>
+          <ac:grpSpMkLst>
+            <pc:docMk/>
+            <pc:sldMk cId="1715545372" sldId="260"/>
+            <ac:grpSpMk id="807" creationId="{A5AB5B8D-353E-274A-9E70-282E507B1539}"/>
+          </ac:grpSpMkLst>
+        </pc:grpChg>
+        <pc:grpChg chg="add del mod">
+          <ac:chgData name="Bloom PhD, Jesse D" userId="e17e4af4-92ba-4f4f-89d8-f6d4f5501821" providerId="ADAL" clId="{8856C121-52AB-934F-8ABC-4B1014C1BCA4}" dt="2020-04-17T14:17:15.978" v="65"/>
+          <ac:grpSpMkLst>
+            <pc:docMk/>
+            <pc:sldMk cId="1715545372" sldId="260"/>
+            <ac:grpSpMk id="823" creationId="{18E8E1FA-2AF0-9947-8216-BFE4891A490C}"/>
+          </ac:grpSpMkLst>
+        </pc:grpChg>
+        <pc:grpChg chg="add del mod">
+          <ac:chgData name="Bloom PhD, Jesse D" userId="e17e4af4-92ba-4f4f-89d8-f6d4f5501821" providerId="ADAL" clId="{8856C121-52AB-934F-8ABC-4B1014C1BCA4}" dt="2020-04-17T14:17:15.978" v="65"/>
+          <ac:grpSpMkLst>
+            <pc:docMk/>
+            <pc:sldMk cId="1715545372" sldId="260"/>
+            <ac:grpSpMk id="839" creationId="{CD1BAB6C-EAA6-E943-9559-9881260CF99A}"/>
+          </ac:grpSpMkLst>
+        </pc:grpChg>
+        <pc:grpChg chg="add del mod">
+          <ac:chgData name="Bloom PhD, Jesse D" userId="e17e4af4-92ba-4f4f-89d8-f6d4f5501821" providerId="ADAL" clId="{8856C121-52AB-934F-8ABC-4B1014C1BCA4}" dt="2020-04-17T14:17:15.978" v="65"/>
+          <ac:grpSpMkLst>
+            <pc:docMk/>
+            <pc:sldMk cId="1715545372" sldId="260"/>
+            <ac:grpSpMk id="855" creationId="{DCBA27B5-BB94-2C46-A1ED-D606EDC5BB95}"/>
+          </ac:grpSpMkLst>
+        </pc:grpChg>
+        <pc:grpChg chg="add">
+          <ac:chgData name="Bloom PhD, Jesse D" userId="e17e4af4-92ba-4f4f-89d8-f6d4f5501821" providerId="ADAL" clId="{8856C121-52AB-934F-8ABC-4B1014C1BCA4}" dt="2020-04-17T14:17:24.968" v="67"/>
+          <ac:grpSpMkLst>
+            <pc:docMk/>
+            <pc:sldMk cId="1715545372" sldId="260"/>
+            <ac:grpSpMk id="886" creationId="{18CCFBDA-ABF6-6647-BE44-9D97CAE7BE94}"/>
+          </ac:grpSpMkLst>
+        </pc:grpChg>
+        <pc:grpChg chg="del">
+          <ac:chgData name="Bloom PhD, Jesse D" userId="e17e4af4-92ba-4f4f-89d8-f6d4f5501821" providerId="ADAL" clId="{8856C121-52AB-934F-8ABC-4B1014C1BCA4}" dt="2020-04-17T14:12:01.103" v="5"/>
+          <ac:grpSpMkLst>
+            <pc:docMk/>
+            <pc:sldMk cId="1715545372" sldId="260"/>
+            <ac:grpSpMk id="898" creationId="{AF507018-2CAA-A44C-AD7E-FEE9DA2661FB}"/>
+          </ac:grpSpMkLst>
+        </pc:grpChg>
+        <pc:grpChg chg="del">
+          <ac:chgData name="Bloom PhD, Jesse D" userId="e17e4af4-92ba-4f4f-89d8-f6d4f5501821" providerId="ADAL" clId="{8856C121-52AB-934F-8ABC-4B1014C1BCA4}" dt="2020-04-17T14:12:01.103" v="5"/>
+          <ac:grpSpMkLst>
+            <pc:docMk/>
+            <pc:sldMk cId="1715545372" sldId="260"/>
+            <ac:grpSpMk id="917" creationId="{A180F65A-0F0E-3240-88CB-EA4BE703B302}"/>
+          </ac:grpSpMkLst>
+        </pc:grpChg>
+        <pc:grpChg chg="del">
+          <ac:chgData name="Bloom PhD, Jesse D" userId="e17e4af4-92ba-4f4f-89d8-f6d4f5501821" providerId="ADAL" clId="{8856C121-52AB-934F-8ABC-4B1014C1BCA4}" dt="2020-04-17T14:12:01.103" v="5"/>
+          <ac:grpSpMkLst>
+            <pc:docMk/>
+            <pc:sldMk cId="1715545372" sldId="260"/>
+            <ac:grpSpMk id="959" creationId="{0A716ED0-3493-1446-BA15-5BF45AB41269}"/>
+          </ac:grpSpMkLst>
+        </pc:grpChg>
+        <pc:grpChg chg="del">
+          <ac:chgData name="Bloom PhD, Jesse D" userId="e17e4af4-92ba-4f4f-89d8-f6d4f5501821" providerId="ADAL" clId="{8856C121-52AB-934F-8ABC-4B1014C1BCA4}" dt="2020-04-17T14:12:01.103" v="5"/>
+          <ac:grpSpMkLst>
+            <pc:docMk/>
+            <pc:sldMk cId="1715545372" sldId="260"/>
+            <ac:grpSpMk id="966" creationId="{661589E0-7023-C94A-97BB-E4532511D564}"/>
+          </ac:grpSpMkLst>
+        </pc:grpChg>
+        <pc:grpChg chg="del">
+          <ac:chgData name="Bloom PhD, Jesse D" userId="e17e4af4-92ba-4f4f-89d8-f6d4f5501821" providerId="ADAL" clId="{8856C121-52AB-934F-8ABC-4B1014C1BCA4}" dt="2020-04-17T14:12:01.103" v="5"/>
+          <ac:grpSpMkLst>
+            <pc:docMk/>
+            <pc:sldMk cId="1715545372" sldId="260"/>
+            <ac:grpSpMk id="1004" creationId="{F178E4C5-CBDA-844D-AEC6-CC5ABE1E9A24}"/>
+          </ac:grpSpMkLst>
+        </pc:grpChg>
+        <pc:grpChg chg="del">
+          <ac:chgData name="Bloom PhD, Jesse D" userId="e17e4af4-92ba-4f4f-89d8-f6d4f5501821" providerId="ADAL" clId="{8856C121-52AB-934F-8ABC-4B1014C1BCA4}" dt="2020-04-17T14:12:01.103" v="5"/>
+          <ac:grpSpMkLst>
+            <pc:docMk/>
+            <pc:sldMk cId="1715545372" sldId="260"/>
+            <ac:grpSpMk id="1043" creationId="{389DF4C2-EF7B-184C-8C7B-9233BB4FA1E2}"/>
+          </ac:grpSpMkLst>
+        </pc:grpChg>
+        <pc:grpChg chg="del">
+          <ac:chgData name="Bloom PhD, Jesse D" userId="e17e4af4-92ba-4f4f-89d8-f6d4f5501821" providerId="ADAL" clId="{8856C121-52AB-934F-8ABC-4B1014C1BCA4}" dt="2020-04-17T14:12:01.103" v="5"/>
+          <ac:grpSpMkLst>
+            <pc:docMk/>
+            <pc:sldMk cId="1715545372" sldId="260"/>
+            <ac:grpSpMk id="1059" creationId="{3F1E5851-D611-3946-ADAB-6D61ACDC2744}"/>
+          </ac:grpSpMkLst>
+        </pc:grpChg>
+        <pc:grpChg chg="del">
+          <ac:chgData name="Bloom PhD, Jesse D" userId="e17e4af4-92ba-4f4f-89d8-f6d4f5501821" providerId="ADAL" clId="{8856C121-52AB-934F-8ABC-4B1014C1BCA4}" dt="2020-04-17T14:12:01.103" v="5"/>
+          <ac:grpSpMkLst>
+            <pc:docMk/>
+            <pc:sldMk cId="1715545372" sldId="260"/>
+            <ac:grpSpMk id="1075" creationId="{6390E60C-CF25-2740-9CC7-24E22DF8ADD6}"/>
+          </ac:grpSpMkLst>
+        </pc:grpChg>
+        <pc:grpChg chg="del">
+          <ac:chgData name="Bloom PhD, Jesse D" userId="e17e4af4-92ba-4f4f-89d8-f6d4f5501821" providerId="ADAL" clId="{8856C121-52AB-934F-8ABC-4B1014C1BCA4}" dt="2020-04-17T14:12:01.103" v="5"/>
+          <ac:grpSpMkLst>
+            <pc:docMk/>
+            <pc:sldMk cId="1715545372" sldId="260"/>
+            <ac:grpSpMk id="1091" creationId="{98CDDB72-9DF0-1C49-89E2-5FC45B82AF32}"/>
+          </ac:grpSpMkLst>
+        </pc:grpChg>
+        <pc:grpChg chg="add">
+          <ac:chgData name="Bloom PhD, Jesse D" userId="e17e4af4-92ba-4f4f-89d8-f6d4f5501821" providerId="ADAL" clId="{8856C121-52AB-934F-8ABC-4B1014C1BCA4}" dt="2020-04-17T14:17:24.968" v="67"/>
+          <ac:grpSpMkLst>
+            <pc:docMk/>
+            <pc:sldMk cId="1715545372" sldId="260"/>
+            <ac:grpSpMk id="1122" creationId="{0801F8E1-84B2-4845-983E-B151D25A4287}"/>
+          </ac:grpSpMkLst>
+        </pc:grpChg>
+        <pc:grpChg chg="add">
+          <ac:chgData name="Bloom PhD, Jesse D" userId="e17e4af4-92ba-4f4f-89d8-f6d4f5501821" providerId="ADAL" clId="{8856C121-52AB-934F-8ABC-4B1014C1BCA4}" dt="2020-04-17T14:17:24.968" v="67"/>
+          <ac:grpSpMkLst>
+            <pc:docMk/>
+            <pc:sldMk cId="1715545372" sldId="260"/>
+            <ac:grpSpMk id="1164" creationId="{47436A44-5FA1-944B-9492-DC2D2E602DAF}"/>
+          </ac:grpSpMkLst>
+        </pc:grpChg>
+        <pc:grpChg chg="add">
+          <ac:chgData name="Bloom PhD, Jesse D" userId="e17e4af4-92ba-4f4f-89d8-f6d4f5501821" providerId="ADAL" clId="{8856C121-52AB-934F-8ABC-4B1014C1BCA4}" dt="2020-04-17T14:17:24.968" v="67"/>
+          <ac:grpSpMkLst>
+            <pc:docMk/>
+            <pc:sldMk cId="1715545372" sldId="260"/>
+            <ac:grpSpMk id="1171" creationId="{496898D5-E412-B540-A4E6-1E11F9E10C31}"/>
+          </ac:grpSpMkLst>
+        </pc:grpChg>
+        <pc:grpChg chg="add">
+          <ac:chgData name="Bloom PhD, Jesse D" userId="e17e4af4-92ba-4f4f-89d8-f6d4f5501821" providerId="ADAL" clId="{8856C121-52AB-934F-8ABC-4B1014C1BCA4}" dt="2020-04-17T14:17:24.968" v="67"/>
+          <ac:grpSpMkLst>
+            <pc:docMk/>
+            <pc:sldMk cId="1715545372" sldId="260"/>
+            <ac:grpSpMk id="1209" creationId="{5483A850-73DC-7B41-9544-4F737F6C4BEB}"/>
+          </ac:grpSpMkLst>
+        </pc:grpChg>
+        <pc:grpChg chg="add">
+          <ac:chgData name="Bloom PhD, Jesse D" userId="e17e4af4-92ba-4f4f-89d8-f6d4f5501821" providerId="ADAL" clId="{8856C121-52AB-934F-8ABC-4B1014C1BCA4}" dt="2020-04-17T14:17:24.968" v="67"/>
+          <ac:grpSpMkLst>
+            <pc:docMk/>
+            <pc:sldMk cId="1715545372" sldId="260"/>
+            <ac:grpSpMk id="1248" creationId="{D425BF15-8539-444F-9E41-304A229F49D3}"/>
+          </ac:grpSpMkLst>
+        </pc:grpChg>
+        <pc:grpChg chg="add">
+          <ac:chgData name="Bloom PhD, Jesse D" userId="e17e4af4-92ba-4f4f-89d8-f6d4f5501821" providerId="ADAL" clId="{8856C121-52AB-934F-8ABC-4B1014C1BCA4}" dt="2020-04-17T14:17:24.968" v="67"/>
+          <ac:grpSpMkLst>
+            <pc:docMk/>
+            <pc:sldMk cId="1715545372" sldId="260"/>
+            <ac:grpSpMk id="1264" creationId="{D6EBE3CE-7FB7-FB4B-9796-38C25B6BFEE1}"/>
+          </ac:grpSpMkLst>
+        </pc:grpChg>
+        <pc:grpChg chg="add">
+          <ac:chgData name="Bloom PhD, Jesse D" userId="e17e4af4-92ba-4f4f-89d8-f6d4f5501821" providerId="ADAL" clId="{8856C121-52AB-934F-8ABC-4B1014C1BCA4}" dt="2020-04-17T14:17:24.968" v="67"/>
+          <ac:grpSpMkLst>
+            <pc:docMk/>
+            <pc:sldMk cId="1715545372" sldId="260"/>
+            <ac:grpSpMk id="1280" creationId="{034CA7F6-6F30-4246-BD8F-AB467C1EA5B4}"/>
+          </ac:grpSpMkLst>
+        </pc:grpChg>
+        <pc:grpChg chg="add">
+          <ac:chgData name="Bloom PhD, Jesse D" userId="e17e4af4-92ba-4f4f-89d8-f6d4f5501821" providerId="ADAL" clId="{8856C121-52AB-934F-8ABC-4B1014C1BCA4}" dt="2020-04-17T14:17:24.968" v="67"/>
+          <ac:grpSpMkLst>
+            <pc:docMk/>
+            <pc:sldMk cId="1715545372" sldId="260"/>
+            <ac:grpSpMk id="1296" creationId="{6FF70618-8E76-9A41-A9CC-7D4EF7099686}"/>
+          </ac:grpSpMkLst>
+        </pc:grpChg>
+        <pc:picChg chg="add del mod">
+          <ac:chgData name="Bloom PhD, Jesse D" userId="e17e4af4-92ba-4f4f-89d8-f6d4f5501821" providerId="ADAL" clId="{8856C121-52AB-934F-8ABC-4B1014C1BCA4}" dt="2020-04-17T14:12:01.103" v="5"/>
+          <ac:picMkLst>
+            <pc:docMk/>
+            <pc:sldMk cId="1715545372" sldId="260"/>
+            <ac:picMk id="3" creationId="{FEB01E46-8E44-CA48-AFA3-1A14DAFB0DC3}"/>
+          </ac:picMkLst>
+        </pc:picChg>
+        <pc:picChg chg="add del">
+          <ac:chgData name="Bloom PhD, Jesse D" userId="e17e4af4-92ba-4f4f-89d8-f6d4f5501821" providerId="ADAL" clId="{8856C121-52AB-934F-8ABC-4B1014C1BCA4}" dt="2020-04-17T14:12:42.799" v="10"/>
+          <ac:picMkLst>
+            <pc:docMk/>
+            <pc:sldMk cId="1715545372" sldId="260"/>
+            <ac:picMk id="285" creationId="{8705A01F-B35B-C043-8478-CF790916A27D}"/>
+          </ac:picMkLst>
+        </pc:picChg>
+        <pc:picChg chg="add del mod">
+          <ac:chgData name="Bloom PhD, Jesse D" userId="e17e4af4-92ba-4f4f-89d8-f6d4f5501821" providerId="ADAL" clId="{8856C121-52AB-934F-8ABC-4B1014C1BCA4}" dt="2020-04-17T14:12:42.799" v="10"/>
+          <ac:picMkLst>
+            <pc:docMk/>
+            <pc:sldMk cId="1715545372" sldId="260"/>
+            <ac:picMk id="435" creationId="{26D2A22B-6679-2D4B-A6BB-89A49181671A}"/>
+          </ac:picMkLst>
+        </pc:picChg>
+        <pc:picChg chg="add del mod">
+          <ac:chgData name="Bloom PhD, Jesse D" userId="e17e4af4-92ba-4f4f-89d8-f6d4f5501821" providerId="ADAL" clId="{8856C121-52AB-934F-8ABC-4B1014C1BCA4}" dt="2020-04-17T14:12:42.799" v="10"/>
+          <ac:picMkLst>
+            <pc:docMk/>
+            <pc:sldMk cId="1715545372" sldId="260"/>
+            <ac:picMk id="438" creationId="{EA324C24-4DC7-2B4F-B201-A0DC9C3F9AB9}"/>
+          </ac:picMkLst>
+        </pc:picChg>
+        <pc:picChg chg="add del">
+          <ac:chgData name="Bloom PhD, Jesse D" userId="e17e4af4-92ba-4f4f-89d8-f6d4f5501821" providerId="ADAL" clId="{8856C121-52AB-934F-8ABC-4B1014C1BCA4}" dt="2020-04-17T14:13:10.255" v="15"/>
+          <ac:picMkLst>
+            <pc:docMk/>
+            <pc:sldMk cId="1715545372" sldId="260"/>
+            <ac:picMk id="503" creationId="{FED5BE5C-D30B-D640-A0CF-FAA3089375BA}"/>
+          </ac:picMkLst>
+        </pc:picChg>
+        <pc:picChg chg="add del mod">
+          <ac:chgData name="Bloom PhD, Jesse D" userId="e17e4af4-92ba-4f4f-89d8-f6d4f5501821" providerId="ADAL" clId="{8856C121-52AB-934F-8ABC-4B1014C1BCA4}" dt="2020-04-17T14:13:10.255" v="15"/>
+          <ac:picMkLst>
+            <pc:docMk/>
+            <pc:sldMk cId="1715545372" sldId="260"/>
+            <ac:picMk id="653" creationId="{8C31A554-0909-1147-BF2A-BB6AC92612F4}"/>
+          </ac:picMkLst>
+        </pc:picChg>
+        <pc:picChg chg="add del mod">
+          <ac:chgData name="Bloom PhD, Jesse D" userId="e17e4af4-92ba-4f4f-89d8-f6d4f5501821" providerId="ADAL" clId="{8856C121-52AB-934F-8ABC-4B1014C1BCA4}" dt="2020-04-17T14:13:10.255" v="15"/>
+          <ac:picMkLst>
+            <pc:docMk/>
+            <pc:sldMk cId="1715545372" sldId="260"/>
+            <ac:picMk id="656" creationId="{9ED0F21C-6858-4B4C-98C1-55903E94D531}"/>
+          </ac:picMkLst>
+        </pc:picChg>
+        <pc:picChg chg="add del mod">
+          <ac:chgData name="Bloom PhD, Jesse D" userId="e17e4af4-92ba-4f4f-89d8-f6d4f5501821" providerId="ADAL" clId="{8856C121-52AB-934F-8ABC-4B1014C1BCA4}" dt="2020-04-17T14:17:15.978" v="65"/>
+          <ac:picMkLst>
+            <pc:docMk/>
+            <pc:sldMk cId="1715545372" sldId="260"/>
+            <ac:picMk id="721" creationId="{5F117D2B-69DF-494A-AD8C-562F20B24B4C}"/>
+          </ac:picMkLst>
+        </pc:picChg>
+        <pc:picChg chg="add del mod">
+          <ac:chgData name="Bloom PhD, Jesse D" userId="e17e4af4-92ba-4f4f-89d8-f6d4f5501821" providerId="ADAL" clId="{8856C121-52AB-934F-8ABC-4B1014C1BCA4}" dt="2020-04-17T14:17:15.978" v="65"/>
+          <ac:picMkLst>
+            <pc:docMk/>
+            <pc:sldMk cId="1715545372" sldId="260"/>
+            <ac:picMk id="871" creationId="{EB9F0059-60D3-CC4D-8771-E88AB246B04E}"/>
+          </ac:picMkLst>
+        </pc:picChg>
+        <pc:picChg chg="add del mod">
+          <ac:chgData name="Bloom PhD, Jesse D" userId="e17e4af4-92ba-4f4f-89d8-f6d4f5501821" providerId="ADAL" clId="{8856C121-52AB-934F-8ABC-4B1014C1BCA4}" dt="2020-04-17T14:17:15.978" v="65"/>
+          <ac:picMkLst>
+            <pc:docMk/>
+            <pc:sldMk cId="1715545372" sldId="260"/>
+            <ac:picMk id="874" creationId="{9F70C999-25F8-D345-9090-2BB6C23B3007}"/>
+          </ac:picMkLst>
+        </pc:picChg>
+        <pc:picChg chg="del">
+          <ac:chgData name="Bloom PhD, Jesse D" userId="e17e4af4-92ba-4f4f-89d8-f6d4f5501821" providerId="ADAL" clId="{8856C121-52AB-934F-8ABC-4B1014C1BCA4}" dt="2020-04-17T14:12:01.103" v="5"/>
+          <ac:picMkLst>
+            <pc:docMk/>
+            <pc:sldMk cId="1715545372" sldId="260"/>
+            <ac:picMk id="957" creationId="{D8DADCA9-33E1-0747-8332-A21DD848E5D2}"/>
+          </ac:picMkLst>
+        </pc:picChg>
+        <pc:picChg chg="del">
+          <ac:chgData name="Bloom PhD, Jesse D" userId="e17e4af4-92ba-4f4f-89d8-f6d4f5501821" providerId="ADAL" clId="{8856C121-52AB-934F-8ABC-4B1014C1BCA4}" dt="2020-04-17T14:12:01.103" v="5"/>
+          <ac:picMkLst>
+            <pc:docMk/>
+            <pc:sldMk cId="1715545372" sldId="260"/>
+            <ac:picMk id="1107" creationId="{FD447C14-37C2-9E4D-82EA-9B9DBDF24537}"/>
+          </ac:picMkLst>
+        </pc:picChg>
+        <pc:picChg chg="add">
+          <ac:chgData name="Bloom PhD, Jesse D" userId="e17e4af4-92ba-4f4f-89d8-f6d4f5501821" providerId="ADAL" clId="{8856C121-52AB-934F-8ABC-4B1014C1BCA4}" dt="2020-04-17T14:17:24.968" v="67"/>
+          <ac:picMkLst>
+            <pc:docMk/>
+            <pc:sldMk cId="1715545372" sldId="260"/>
+            <ac:picMk id="1162" creationId="{D865E49E-C6A3-9243-BC30-310BA7E0CAD0}"/>
+          </ac:picMkLst>
+        </pc:picChg>
+        <pc:picChg chg="add">
+          <ac:chgData name="Bloom PhD, Jesse D" userId="e17e4af4-92ba-4f4f-89d8-f6d4f5501821" providerId="ADAL" clId="{8856C121-52AB-934F-8ABC-4B1014C1BCA4}" dt="2020-04-17T14:17:24.968" v="67"/>
+          <ac:picMkLst>
+            <pc:docMk/>
+            <pc:sldMk cId="1715545372" sldId="260"/>
+            <ac:picMk id="1312" creationId="{AE6E98E8-C209-294D-B757-7905710AA368}"/>
+          </ac:picMkLst>
+        </pc:picChg>
+        <pc:picChg chg="add">
+          <ac:chgData name="Bloom PhD, Jesse D" userId="e17e4af4-92ba-4f4f-89d8-f6d4f5501821" providerId="ADAL" clId="{8856C121-52AB-934F-8ABC-4B1014C1BCA4}" dt="2020-04-17T14:17:24.968" v="67"/>
+          <ac:picMkLst>
+            <pc:docMk/>
+            <pc:sldMk cId="1715545372" sldId="260"/>
+            <ac:picMk id="1315" creationId="{D7A70BCC-6BEC-4248-854B-E7A6D9DEBB1F}"/>
+          </ac:picMkLst>
+        </pc:picChg>
+        <pc:inkChg chg="add del">
+          <ac:chgData name="Bloom PhD, Jesse D" userId="e17e4af4-92ba-4f4f-89d8-f6d4f5501821" providerId="ADAL" clId="{8856C121-52AB-934F-8ABC-4B1014C1BCA4}" dt="2020-04-17T14:17:15.978" v="65"/>
+          <ac:inkMkLst>
+            <pc:docMk/>
+            <pc:sldMk cId="1715545372" sldId="260"/>
+            <ac:inkMk id="6" creationId="{0FC7E1A5-6BF7-A244-995C-2E81D4C8D90F}"/>
+          </ac:inkMkLst>
+        </pc:inkChg>
+        <pc:inkChg chg="add del">
+          <ac:chgData name="Bloom PhD, Jesse D" userId="e17e4af4-92ba-4f4f-89d8-f6d4f5501821" providerId="ADAL" clId="{8856C121-52AB-934F-8ABC-4B1014C1BCA4}" dt="2020-04-17T14:17:06.338" v="64" actId="9405"/>
+          <ac:inkMkLst>
+            <pc:docMk/>
+            <pc:sldMk cId="1715545372" sldId="260"/>
+            <ac:inkMk id="7" creationId="{6FBA050B-7D47-B445-B36E-69CA9D6EF48F}"/>
+          </ac:inkMkLst>
+        </pc:inkChg>
+        <pc:inkChg chg="add">
+          <ac:chgData name="Bloom PhD, Jesse D" userId="e17e4af4-92ba-4f4f-89d8-f6d4f5501821" providerId="ADAL" clId="{8856C121-52AB-934F-8ABC-4B1014C1BCA4}" dt="2020-04-17T14:17:24.968" v="67"/>
+          <ac:inkMkLst>
+            <pc:docMk/>
+            <pc:sldMk cId="1715545372" sldId="260"/>
+            <ac:inkMk id="1319" creationId="{71E0EA80-AC1E-6444-90DE-A14C3CA7567A}"/>
+          </ac:inkMkLst>
+        </pc:inkChg>
+      </pc:sldChg>
+      <pc:sldMasterChg chg="modSp modSldLayout">
+        <pc:chgData name="Bloom PhD, Jesse D" userId="e17e4af4-92ba-4f4f-89d8-f6d4f5501821" providerId="ADAL" clId="{8856C121-52AB-934F-8ABC-4B1014C1BCA4}" dt="2020-04-17T14:17:23.449" v="66"/>
+        <pc:sldMasterMkLst>
+          <pc:docMk/>
+          <pc:sldMasterMk cId="3390251492" sldId="2147483648"/>
+        </pc:sldMasterMkLst>
+        <pc:spChg chg="mod">
+          <ac:chgData name="Bloom PhD, Jesse D" userId="e17e4af4-92ba-4f4f-89d8-f6d4f5501821" providerId="ADAL" clId="{8856C121-52AB-934F-8ABC-4B1014C1BCA4}" dt="2020-04-17T14:17:23.449" v="66"/>
+          <ac:spMkLst>
+            <pc:docMk/>
+            <pc:sldMasterMk cId="3390251492" sldId="2147483648"/>
+            <ac:spMk id="2" creationId="{00000000-0000-0000-0000-000000000000}"/>
+          </ac:spMkLst>
+        </pc:spChg>
+        <pc:spChg chg="mod">
+          <ac:chgData name="Bloom PhD, Jesse D" userId="e17e4af4-92ba-4f4f-89d8-f6d4f5501821" providerId="ADAL" clId="{8856C121-52AB-934F-8ABC-4B1014C1BCA4}" dt="2020-04-17T14:17:23.449" v="66"/>
+          <ac:spMkLst>
+            <pc:docMk/>
+            <pc:sldMasterMk cId="3390251492" sldId="2147483648"/>
+            <ac:spMk id="3" creationId="{00000000-0000-0000-0000-000000000000}"/>
+          </ac:spMkLst>
+        </pc:spChg>
+        <pc:spChg chg="mod">
+          <ac:chgData name="Bloom PhD, Jesse D" userId="e17e4af4-92ba-4f4f-89d8-f6d4f5501821" providerId="ADAL" clId="{8856C121-52AB-934F-8ABC-4B1014C1BCA4}" dt="2020-04-17T14:17:23.449" v="66"/>
+          <ac:spMkLst>
+            <pc:docMk/>
+            <pc:sldMasterMk cId="3390251492" sldId="2147483648"/>
+            <ac:spMk id="4" creationId="{00000000-0000-0000-0000-000000000000}"/>
+          </ac:spMkLst>
+        </pc:spChg>
+        <pc:spChg chg="mod">
+          <ac:chgData name="Bloom PhD, Jesse D" userId="e17e4af4-92ba-4f4f-89d8-f6d4f5501821" providerId="ADAL" clId="{8856C121-52AB-934F-8ABC-4B1014C1BCA4}" dt="2020-04-17T14:17:23.449" v="66"/>
+          <ac:spMkLst>
+            <pc:docMk/>
+            <pc:sldMasterMk cId="3390251492" sldId="2147483648"/>
+            <ac:spMk id="5" creationId="{00000000-0000-0000-0000-000000000000}"/>
+          </ac:spMkLst>
+        </pc:spChg>
+        <pc:spChg chg="mod">
+          <ac:chgData name="Bloom PhD, Jesse D" userId="e17e4af4-92ba-4f4f-89d8-f6d4f5501821" providerId="ADAL" clId="{8856C121-52AB-934F-8ABC-4B1014C1BCA4}" dt="2020-04-17T14:17:23.449" v="66"/>
+          <ac:spMkLst>
+            <pc:docMk/>
+            <pc:sldMasterMk cId="3390251492" sldId="2147483648"/>
+            <ac:spMk id="6" creationId="{00000000-0000-0000-0000-000000000000}"/>
+          </ac:spMkLst>
+        </pc:spChg>
+        <pc:sldLayoutChg chg="modSp">
+          <pc:chgData name="Bloom PhD, Jesse D" userId="e17e4af4-92ba-4f4f-89d8-f6d4f5501821" providerId="ADAL" clId="{8856C121-52AB-934F-8ABC-4B1014C1BCA4}" dt="2020-04-17T14:17:23.449" v="66"/>
+          <pc:sldLayoutMkLst>
+            <pc:docMk/>
+            <pc:sldMasterMk cId="3390251492" sldId="2147483648"/>
+            <pc:sldLayoutMk cId="4264538320" sldId="2147483649"/>
+          </pc:sldLayoutMkLst>
+          <pc:spChg chg="mod">
+            <ac:chgData name="Bloom PhD, Jesse D" userId="e17e4af4-92ba-4f4f-89d8-f6d4f5501821" providerId="ADAL" clId="{8856C121-52AB-934F-8ABC-4B1014C1BCA4}" dt="2020-04-17T14:17:23.449" v="66"/>
+            <ac:spMkLst>
+              <pc:docMk/>
+              <pc:sldMasterMk cId="3390251492" sldId="2147483648"/>
+              <pc:sldLayoutMk cId="4264538320" sldId="2147483649"/>
+              <ac:spMk id="2" creationId="{00000000-0000-0000-0000-000000000000}"/>
+            </ac:spMkLst>
+          </pc:spChg>
+          <pc:spChg chg="mod">
+            <ac:chgData name="Bloom PhD, Jesse D" userId="e17e4af4-92ba-4f4f-89d8-f6d4f5501821" providerId="ADAL" clId="{8856C121-52AB-934F-8ABC-4B1014C1BCA4}" dt="2020-04-17T14:17:23.449" v="66"/>
+            <ac:spMkLst>
+              <pc:docMk/>
+              <pc:sldMasterMk cId="3390251492" sldId="2147483648"/>
+              <pc:sldLayoutMk cId="4264538320" sldId="2147483649"/>
+              <ac:spMk id="3" creationId="{00000000-0000-0000-0000-000000000000}"/>
+            </ac:spMkLst>
+          </pc:spChg>
+        </pc:sldLayoutChg>
+        <pc:sldLayoutChg chg="modSp">
+          <pc:chgData name="Bloom PhD, Jesse D" userId="e17e4af4-92ba-4f4f-89d8-f6d4f5501821" providerId="ADAL" clId="{8856C121-52AB-934F-8ABC-4B1014C1BCA4}" dt="2020-04-17T14:17:23.449" v="66"/>
+          <pc:sldLayoutMkLst>
+            <pc:docMk/>
+            <pc:sldMasterMk cId="3390251492" sldId="2147483648"/>
+            <pc:sldLayoutMk cId="1877875412" sldId="2147483651"/>
+          </pc:sldLayoutMkLst>
+          <pc:spChg chg="mod">
+            <ac:chgData name="Bloom PhD, Jesse D" userId="e17e4af4-92ba-4f4f-89d8-f6d4f5501821" providerId="ADAL" clId="{8856C121-52AB-934F-8ABC-4B1014C1BCA4}" dt="2020-04-17T14:17:23.449" v="66"/>
+            <ac:spMkLst>
+              <pc:docMk/>
+              <pc:sldMasterMk cId="3390251492" sldId="2147483648"/>
+              <pc:sldLayoutMk cId="1877875412" sldId="2147483651"/>
+              <ac:spMk id="2" creationId="{00000000-0000-0000-0000-000000000000}"/>
+            </ac:spMkLst>
+          </pc:spChg>
+          <pc:spChg chg="mod">
+            <ac:chgData name="Bloom PhD, Jesse D" userId="e17e4af4-92ba-4f4f-89d8-f6d4f5501821" providerId="ADAL" clId="{8856C121-52AB-934F-8ABC-4B1014C1BCA4}" dt="2020-04-17T14:17:23.449" v="66"/>
+            <ac:spMkLst>
+              <pc:docMk/>
+              <pc:sldMasterMk cId="3390251492" sldId="2147483648"/>
+              <pc:sldLayoutMk cId="1877875412" sldId="2147483651"/>
+              <ac:spMk id="3" creationId="{00000000-0000-0000-0000-000000000000}"/>
+            </ac:spMkLst>
+          </pc:spChg>
+        </pc:sldLayoutChg>
+        <pc:sldLayoutChg chg="modSp">
+          <pc:chgData name="Bloom PhD, Jesse D" userId="e17e4af4-92ba-4f4f-89d8-f6d4f5501821" providerId="ADAL" clId="{8856C121-52AB-934F-8ABC-4B1014C1BCA4}" dt="2020-04-17T14:17:23.449" v="66"/>
+          <pc:sldLayoutMkLst>
+            <pc:docMk/>
+            <pc:sldMasterMk cId="3390251492" sldId="2147483648"/>
+            <pc:sldLayoutMk cId="452812423" sldId="2147483652"/>
+          </pc:sldLayoutMkLst>
+          <pc:spChg chg="mod">
+            <ac:chgData name="Bloom PhD, Jesse D" userId="e17e4af4-92ba-4f4f-89d8-f6d4f5501821" providerId="ADAL" clId="{8856C121-52AB-934F-8ABC-4B1014C1BCA4}" dt="2020-04-17T14:17:23.449" v="66"/>
+            <ac:spMkLst>
+              <pc:docMk/>
+              <pc:sldMasterMk cId="3390251492" sldId="2147483648"/>
+              <pc:sldLayoutMk cId="452812423" sldId="2147483652"/>
+              <ac:spMk id="3" creationId="{00000000-0000-0000-0000-000000000000}"/>
+            </ac:spMkLst>
+          </pc:spChg>
+          <pc:spChg chg="mod">
+            <ac:chgData name="Bloom PhD, Jesse D" userId="e17e4af4-92ba-4f4f-89d8-f6d4f5501821" providerId="ADAL" clId="{8856C121-52AB-934F-8ABC-4B1014C1BCA4}" dt="2020-04-17T14:17:23.449" v="66"/>
+            <ac:spMkLst>
+              <pc:docMk/>
+              <pc:sldMasterMk cId="3390251492" sldId="2147483648"/>
+              <pc:sldLayoutMk cId="452812423" sldId="2147483652"/>
+              <ac:spMk id="4" creationId="{00000000-0000-0000-0000-000000000000}"/>
+            </ac:spMkLst>
+          </pc:spChg>
+        </pc:sldLayoutChg>
+        <pc:sldLayoutChg chg="modSp">
+          <pc:chgData name="Bloom PhD, Jesse D" userId="e17e4af4-92ba-4f4f-89d8-f6d4f5501821" providerId="ADAL" clId="{8856C121-52AB-934F-8ABC-4B1014C1BCA4}" dt="2020-04-17T14:17:23.449" v="66"/>
+          <pc:sldLayoutMkLst>
+            <pc:docMk/>
+            <pc:sldMasterMk cId="3390251492" sldId="2147483648"/>
+            <pc:sldLayoutMk cId="2030020759" sldId="2147483653"/>
+          </pc:sldLayoutMkLst>
+          <pc:spChg chg="mod">
+            <ac:chgData name="Bloom PhD, Jesse D" userId="e17e4af4-92ba-4f4f-89d8-f6d4f5501821" providerId="ADAL" clId="{8856C121-52AB-934F-8ABC-4B1014C1BCA4}" dt="2020-04-17T14:17:23.449" v="66"/>
+            <ac:spMkLst>
+              <pc:docMk/>
+              <pc:sldMasterMk cId="3390251492" sldId="2147483648"/>
+              <pc:sldLayoutMk cId="2030020759" sldId="2147483653"/>
+              <ac:spMk id="2" creationId="{00000000-0000-0000-0000-000000000000}"/>
+            </ac:spMkLst>
+          </pc:spChg>
+          <pc:spChg chg="mod">
+            <ac:chgData name="Bloom PhD, Jesse D" userId="e17e4af4-92ba-4f4f-89d8-f6d4f5501821" providerId="ADAL" clId="{8856C121-52AB-934F-8ABC-4B1014C1BCA4}" dt="2020-04-17T14:17:23.449" v="66"/>
+            <ac:spMkLst>
+              <pc:docMk/>
+              <pc:sldMasterMk cId="3390251492" sldId="2147483648"/>
+              <pc:sldLayoutMk cId="2030020759" sldId="2147483653"/>
+              <ac:spMk id="3" creationId="{00000000-0000-0000-0000-000000000000}"/>
+            </ac:spMkLst>
+          </pc:spChg>
+          <pc:spChg chg="mod">
+            <ac:chgData name="Bloom PhD, Jesse D" userId="e17e4af4-92ba-4f4f-89d8-f6d4f5501821" providerId="ADAL" clId="{8856C121-52AB-934F-8ABC-4B1014C1BCA4}" dt="2020-04-17T14:17:23.449" v="66"/>
+            <ac:spMkLst>
+              <pc:docMk/>
+              <pc:sldMasterMk cId="3390251492" sldId="2147483648"/>
+              <pc:sldLayoutMk cId="2030020759" sldId="2147483653"/>
+              <ac:spMk id="4" creationId="{00000000-0000-0000-0000-000000000000}"/>
+            </ac:spMkLst>
+          </pc:spChg>
+          <pc:spChg chg="mod">
+            <ac:chgData name="Bloom PhD, Jesse D" userId="e17e4af4-92ba-4f4f-89d8-f6d4f5501821" providerId="ADAL" clId="{8856C121-52AB-934F-8ABC-4B1014C1BCA4}" dt="2020-04-17T14:17:23.449" v="66"/>
+            <ac:spMkLst>
+              <pc:docMk/>
+              <pc:sldMasterMk cId="3390251492" sldId="2147483648"/>
+              <pc:sldLayoutMk cId="2030020759" sldId="2147483653"/>
+              <ac:spMk id="5" creationId="{00000000-0000-0000-0000-000000000000}"/>
+            </ac:spMkLst>
+          </pc:spChg>
+          <pc:spChg chg="mod">
+            <ac:chgData name="Bloom PhD, Jesse D" userId="e17e4af4-92ba-4f4f-89d8-f6d4f5501821" providerId="ADAL" clId="{8856C121-52AB-934F-8ABC-4B1014C1BCA4}" dt="2020-04-17T14:17:23.449" v="66"/>
+            <ac:spMkLst>
+              <pc:docMk/>
+              <pc:sldMasterMk cId="3390251492" sldId="2147483648"/>
+              <pc:sldLayoutMk cId="2030020759" sldId="2147483653"/>
+              <ac:spMk id="6" creationId="{00000000-0000-0000-0000-000000000000}"/>
+            </ac:spMkLst>
+          </pc:spChg>
+        </pc:sldLayoutChg>
+        <pc:sldLayoutChg chg="modSp">
+          <pc:chgData name="Bloom PhD, Jesse D" userId="e17e4af4-92ba-4f4f-89d8-f6d4f5501821" providerId="ADAL" clId="{8856C121-52AB-934F-8ABC-4B1014C1BCA4}" dt="2020-04-17T14:17:23.449" v="66"/>
+          <pc:sldLayoutMkLst>
+            <pc:docMk/>
+            <pc:sldMasterMk cId="3390251492" sldId="2147483648"/>
+            <pc:sldLayoutMk cId="1238479822" sldId="2147483656"/>
+          </pc:sldLayoutMkLst>
+          <pc:spChg chg="mod">
+            <ac:chgData name="Bloom PhD, Jesse D" userId="e17e4af4-92ba-4f4f-89d8-f6d4f5501821" providerId="ADAL" clId="{8856C121-52AB-934F-8ABC-4B1014C1BCA4}" dt="2020-04-17T14:17:23.449" v="66"/>
+            <ac:spMkLst>
+              <pc:docMk/>
+              <pc:sldMasterMk cId="3390251492" sldId="2147483648"/>
+              <pc:sldLayoutMk cId="1238479822" sldId="2147483656"/>
+              <ac:spMk id="2" creationId="{00000000-0000-0000-0000-000000000000}"/>
+            </ac:spMkLst>
+          </pc:spChg>
+          <pc:spChg chg="mod">
+            <ac:chgData name="Bloom PhD, Jesse D" userId="e17e4af4-92ba-4f4f-89d8-f6d4f5501821" providerId="ADAL" clId="{8856C121-52AB-934F-8ABC-4B1014C1BCA4}" dt="2020-04-17T14:17:23.449" v="66"/>
+            <ac:spMkLst>
+              <pc:docMk/>
+              <pc:sldMasterMk cId="3390251492" sldId="2147483648"/>
+              <pc:sldLayoutMk cId="1238479822" sldId="2147483656"/>
+              <ac:spMk id="3" creationId="{00000000-0000-0000-0000-000000000000}"/>
+            </ac:spMkLst>
+          </pc:spChg>
+          <pc:spChg chg="mod">
+            <ac:chgData name="Bloom PhD, Jesse D" userId="e17e4af4-92ba-4f4f-89d8-f6d4f5501821" providerId="ADAL" clId="{8856C121-52AB-934F-8ABC-4B1014C1BCA4}" dt="2020-04-17T14:17:23.449" v="66"/>
+            <ac:spMkLst>
+              <pc:docMk/>
+              <pc:sldMasterMk cId="3390251492" sldId="2147483648"/>
+              <pc:sldLayoutMk cId="1238479822" sldId="2147483656"/>
+              <ac:spMk id="4" creationId="{00000000-0000-0000-0000-000000000000}"/>
+            </ac:spMkLst>
+          </pc:spChg>
+        </pc:sldLayoutChg>
+        <pc:sldLayoutChg chg="modSp">
+          <pc:chgData name="Bloom PhD, Jesse D" userId="e17e4af4-92ba-4f4f-89d8-f6d4f5501821" providerId="ADAL" clId="{8856C121-52AB-934F-8ABC-4B1014C1BCA4}" dt="2020-04-17T14:17:23.449" v="66"/>
+          <pc:sldLayoutMkLst>
+            <pc:docMk/>
+            <pc:sldMasterMk cId="3390251492" sldId="2147483648"/>
+            <pc:sldLayoutMk cId="3152242695" sldId="2147483657"/>
+          </pc:sldLayoutMkLst>
+          <pc:spChg chg="mod">
+            <ac:chgData name="Bloom PhD, Jesse D" userId="e17e4af4-92ba-4f4f-89d8-f6d4f5501821" providerId="ADAL" clId="{8856C121-52AB-934F-8ABC-4B1014C1BCA4}" dt="2020-04-17T14:17:23.449" v="66"/>
+            <ac:spMkLst>
+              <pc:docMk/>
+              <pc:sldMasterMk cId="3390251492" sldId="2147483648"/>
+              <pc:sldLayoutMk cId="3152242695" sldId="2147483657"/>
+              <ac:spMk id="2" creationId="{00000000-0000-0000-0000-000000000000}"/>
+            </ac:spMkLst>
+          </pc:spChg>
+          <pc:spChg chg="mod">
+            <ac:chgData name="Bloom PhD, Jesse D" userId="e17e4af4-92ba-4f4f-89d8-f6d4f5501821" providerId="ADAL" clId="{8856C121-52AB-934F-8ABC-4B1014C1BCA4}" dt="2020-04-17T14:17:23.449" v="66"/>
+            <ac:spMkLst>
+              <pc:docMk/>
+              <pc:sldMasterMk cId="3390251492" sldId="2147483648"/>
+              <pc:sldLayoutMk cId="3152242695" sldId="2147483657"/>
+              <ac:spMk id="3" creationId="{00000000-0000-0000-0000-000000000000}"/>
+            </ac:spMkLst>
+          </pc:spChg>
+          <pc:spChg chg="mod">
+            <ac:chgData name="Bloom PhD, Jesse D" userId="e17e4af4-92ba-4f4f-89d8-f6d4f5501821" providerId="ADAL" clId="{8856C121-52AB-934F-8ABC-4B1014C1BCA4}" dt="2020-04-17T14:17:23.449" v="66"/>
+            <ac:spMkLst>
+              <pc:docMk/>
+              <pc:sldMasterMk cId="3390251492" sldId="2147483648"/>
+              <pc:sldLayoutMk cId="3152242695" sldId="2147483657"/>
+              <ac:spMk id="4" creationId="{00000000-0000-0000-0000-000000000000}"/>
+            </ac:spMkLst>
+          </pc:spChg>
+        </pc:sldLayoutChg>
+        <pc:sldLayoutChg chg="modSp">
+          <pc:chgData name="Bloom PhD, Jesse D" userId="e17e4af4-92ba-4f4f-89d8-f6d4f5501821" providerId="ADAL" clId="{8856C121-52AB-934F-8ABC-4B1014C1BCA4}" dt="2020-04-17T14:17:23.449" v="66"/>
+          <pc:sldLayoutMkLst>
+            <pc:docMk/>
+            <pc:sldMasterMk cId="3390251492" sldId="2147483648"/>
+            <pc:sldLayoutMk cId="2490051805" sldId="2147483659"/>
+          </pc:sldLayoutMkLst>
+          <pc:spChg chg="mod">
+            <ac:chgData name="Bloom PhD, Jesse D" userId="e17e4af4-92ba-4f4f-89d8-f6d4f5501821" providerId="ADAL" clId="{8856C121-52AB-934F-8ABC-4B1014C1BCA4}" dt="2020-04-17T14:17:23.449" v="66"/>
+            <ac:spMkLst>
+              <pc:docMk/>
+              <pc:sldMasterMk cId="3390251492" sldId="2147483648"/>
+              <pc:sldLayoutMk cId="2490051805" sldId="2147483659"/>
+              <ac:spMk id="2" creationId="{00000000-0000-0000-0000-000000000000}"/>
+            </ac:spMkLst>
+          </pc:spChg>
+          <pc:spChg chg="mod">
+            <ac:chgData name="Bloom PhD, Jesse D" userId="e17e4af4-92ba-4f4f-89d8-f6d4f5501821" providerId="ADAL" clId="{8856C121-52AB-934F-8ABC-4B1014C1BCA4}" dt="2020-04-17T14:17:23.449" v="66"/>
+            <ac:spMkLst>
+              <pc:docMk/>
+              <pc:sldMasterMk cId="3390251492" sldId="2147483648"/>
+              <pc:sldLayoutMk cId="2490051805" sldId="2147483659"/>
+              <ac:spMk id="3" creationId="{00000000-0000-0000-0000-000000000000}"/>
+            </ac:spMkLst>
+          </pc:spChg>
+        </pc:sldLayoutChg>
+      </pc:sldMasterChg>
+    </pc:docChg>
+  </pc:docChgLst>
 </pc:chgInfo>
+</file>
+
+<file path=ppt/ink/ink1.xml><?xml version="1.0" encoding="utf-8"?>
+<inkml:ink xmlns:inkml="http://www.w3.org/2003/InkML">
+  <inkml:definitions>
+    <inkml:context xml:id="ctx0">
+      <inkml:inkSource xml:id="inkSrc0">
+        <inkml:traceFormat>
+          <inkml:channel name="X" type="integer" min="-2.14748E9" max="2.14748E9" units="cm"/>
+          <inkml:channel name="Y" type="integer" min="-2.14748E9" max="2.14748E9" units="cm"/>
+          <inkml:channel name="F" type="integer" max="32767" units="dev"/>
+        </inkml:traceFormat>
+        <inkml:channelProperties>
+          <inkml:channelProperty channel="X" name="resolution" value="1000" units="1/cm"/>
+          <inkml:channelProperty channel="Y" name="resolution" value="1000" units="1/cm"/>
+          <inkml:channelProperty channel="F" name="resolution" value="0" units="1/dev"/>
+        </inkml:channelProperties>
+      </inkml:inkSource>
+      <inkml:timestamp xml:id="ts0" timeString="2020-04-17T14:17:24.887"/>
+    </inkml:context>
+    <inkml:brush xml:id="br0">
+      <inkml:brushProperty name="width" value="0.05" units="cm"/>
+      <inkml:brushProperty name="height" value="0.05" units="cm"/>
+    </inkml:brush>
+  </inkml:definitions>
+  <inkml:trace contextRef="#ctx0" brushRef="#br0">1 0 24575,'0'0'0</inkml:trace>
+</inkml:ink>
 </file>
 
 <file path=ppt/slideLayouts/slideLayout1.xml><?xml version="1.0" encoding="utf-8"?>
@@ -7738,8 +9294,8 @@
         </p:nvSpPr>
         <p:spPr>
           <a:xfrm>
-            <a:off x="507447" y="738758"/>
-            <a:ext cx="5751037" cy="509745"/>
+            <a:off x="452680" y="1590451"/>
+            <a:ext cx="5130325" cy="1097416"/>
           </a:xfrm>
         </p:spPr>
         <p:txBody>
@@ -7765,8 +9321,8 @@
         </p:nvSpPr>
         <p:spPr>
           <a:xfrm>
-            <a:off x="1014892" y="1347584"/>
-            <a:ext cx="4736152" cy="607730"/>
+            <a:off x="905355" y="2901174"/>
+            <a:ext cx="4224976" cy="1308364"/>
           </a:xfrm>
         </p:spPr>
         <p:txBody>
@@ -7782,7 +9338,7 @@
                 </a:solidFill>
               </a:defRPr>
             </a:lvl1pPr>
-            <a:lvl2pPr marL="239532" indent="0" algn="ctr">
+            <a:lvl2pPr marL="161852" indent="0" algn="ctr">
               <a:buNone/>
               <a:defRPr>
                 <a:solidFill>
@@ -7792,7 +9348,7 @@
                 </a:solidFill>
               </a:defRPr>
             </a:lvl2pPr>
-            <a:lvl3pPr marL="479066" indent="0" algn="ctr">
+            <a:lvl3pPr marL="323705" indent="0" algn="ctr">
               <a:buNone/>
               <a:defRPr>
                 <a:solidFill>
@@ -7802,7 +9358,7 @@
                 </a:solidFill>
               </a:defRPr>
             </a:lvl3pPr>
-            <a:lvl4pPr marL="718599" indent="0" algn="ctr">
+            <a:lvl4pPr marL="485557" indent="0" algn="ctr">
               <a:buNone/>
               <a:defRPr>
                 <a:solidFill>
@@ -7812,7 +9368,7 @@
                 </a:solidFill>
               </a:defRPr>
             </a:lvl4pPr>
-            <a:lvl5pPr marL="958132" indent="0" algn="ctr">
+            <a:lvl5pPr marL="647410" indent="0" algn="ctr">
               <a:buNone/>
               <a:defRPr>
                 <a:solidFill>
@@ -7822,7 +9378,7 @@
                 </a:solidFill>
               </a:defRPr>
             </a:lvl5pPr>
-            <a:lvl6pPr marL="1197665" indent="0" algn="ctr">
+            <a:lvl6pPr marL="809262" indent="0" algn="ctr">
               <a:buNone/>
               <a:defRPr>
                 <a:solidFill>
@@ -7832,7 +9388,7 @@
                 </a:solidFill>
               </a:defRPr>
             </a:lvl6pPr>
-            <a:lvl7pPr marL="1437197" indent="0" algn="ctr">
+            <a:lvl7pPr marL="971114" indent="0" algn="ctr">
               <a:buNone/>
               <a:defRPr>
                 <a:solidFill>
@@ -7842,7 +9398,7 @@
                 </a:solidFill>
               </a:defRPr>
             </a:lvl7pPr>
-            <a:lvl8pPr marL="1676731" indent="0" algn="ctr">
+            <a:lvl8pPr marL="1132967" indent="0" algn="ctr">
               <a:buNone/>
               <a:defRPr>
                 <a:solidFill>
@@ -7852,7 +9408,7 @@
                 </a:solidFill>
               </a:defRPr>
             </a:lvl8pPr>
-            <a:lvl9pPr marL="1916264" indent="0" algn="ctr">
+            <a:lvl9pPr marL="1294820" indent="0" algn="ctr">
               <a:buNone/>
               <a:defRPr>
                 <a:solidFill>
@@ -7888,7 +9444,7 @@
           <a:p>
             <a:fld id="{B1E60CEC-8CC6-8B48-9CD4-E19D93CC4CEE}" type="datetimeFigureOut">
               <a:rPr lang="en-US" smtClean="0"/>
-              <a:t>4/15/20</a:t>
+              <a:t>4/17/20</a:t>
             </a:fld>
             <a:endParaRPr lang="en-US"/>
           </a:p>
@@ -8056,7 +9612,7 @@
           <a:p>
             <a:fld id="{B1E60CEC-8CC6-8B48-9CD4-E19D93CC4CEE}" type="datetimeFigureOut">
               <a:rPr lang="en-US" smtClean="0"/>
-              <a:t>4/15/20</a:t>
+              <a:t>4/17/20</a:t>
             </a:fld>
             <a:endParaRPr lang="en-US"/>
           </a:p>
@@ -8146,8 +9702,8 @@
         </p:nvSpPr>
         <p:spPr>
           <a:xfrm>
-            <a:off x="3678976" y="111202"/>
-            <a:ext cx="1141751" cy="2367064"/>
+            <a:off x="3281902" y="239405"/>
+            <a:ext cx="1018521" cy="5095983"/>
           </a:xfrm>
         </p:spPr>
         <p:txBody>
@@ -8173,8 +9729,8 @@
         </p:nvSpPr>
         <p:spPr>
           <a:xfrm>
-            <a:off x="253728" y="111202"/>
-            <a:ext cx="3312484" cy="2367064"/>
+            <a:off x="226345" y="239405"/>
+            <a:ext cx="2954966" cy="5095983"/>
           </a:xfrm>
         </p:spPr>
         <p:txBody>
@@ -8234,7 +9790,7 @@
           <a:p>
             <a:fld id="{B1E60CEC-8CC6-8B48-9CD4-E19D93CC4CEE}" type="datetimeFigureOut">
               <a:rPr lang="en-US" smtClean="0"/>
-              <a:t>4/15/20</a:t>
+              <a:t>4/17/20</a:t>
             </a:fld>
             <a:endParaRPr lang="en-US"/>
           </a:p>
@@ -8402,7 +9958,7 @@
           <a:p>
             <a:fld id="{B1E60CEC-8CC6-8B48-9CD4-E19D93CC4CEE}" type="datetimeFigureOut">
               <a:rPr lang="en-US" smtClean="0"/>
-              <a:t>4/15/20</a:t>
+              <a:t>4/17/20</a:t>
             </a:fld>
             <a:endParaRPr lang="en-US"/>
           </a:p>
@@ -8492,15 +10048,15 @@
         </p:nvSpPr>
         <p:spPr>
           <a:xfrm>
-            <a:off x="534462" y="1528138"/>
-            <a:ext cx="5751037" cy="472312"/>
+            <a:off x="476779" y="3289885"/>
+            <a:ext cx="5130325" cy="1016827"/>
           </a:xfrm>
         </p:spPr>
         <p:txBody>
           <a:bodyPr anchor="t"/>
           <a:lstStyle>
             <a:lvl1pPr algn="l">
-              <a:defRPr sz="2070" b="1" cap="all"/>
+              <a:defRPr sz="1399" b="1" cap="all"/>
             </a:lvl1pPr>
           </a:lstStyle>
           <a:p>
@@ -8523,8 +10079,8 @@
         </p:nvSpPr>
         <p:spPr>
           <a:xfrm>
-            <a:off x="534462" y="1007941"/>
-            <a:ext cx="5751037" cy="520203"/>
+            <a:off x="476779" y="2169968"/>
+            <a:ext cx="5130325" cy="1119930"/>
           </a:xfrm>
         </p:spPr>
         <p:txBody>
@@ -8532,7 +10088,7 @@
           <a:lstStyle>
             <a:lvl1pPr marL="0" indent="0">
               <a:buNone/>
-              <a:defRPr sz="1080">
+              <a:defRPr sz="730">
                 <a:solidFill>
                   <a:schemeClr val="tx1">
                     <a:tint val="75000"/>
@@ -8540,9 +10096,9 @@
                 </a:solidFill>
               </a:defRPr>
             </a:lvl1pPr>
-            <a:lvl2pPr marL="239532" indent="0">
+            <a:lvl2pPr marL="161852" indent="0">
               <a:buNone/>
-              <a:defRPr sz="900">
+              <a:defRPr sz="608">
                 <a:solidFill>
                   <a:schemeClr val="tx1">
                     <a:tint val="75000"/>
@@ -8550,9 +10106,9 @@
                 </a:solidFill>
               </a:defRPr>
             </a:lvl2pPr>
-            <a:lvl3pPr marL="479066" indent="0">
+            <a:lvl3pPr marL="323705" indent="0">
               <a:buNone/>
-              <a:defRPr sz="900">
+              <a:defRPr sz="608">
                 <a:solidFill>
                   <a:schemeClr val="tx1">
                     <a:tint val="75000"/>
@@ -8560,9 +10116,9 @@
                 </a:solidFill>
               </a:defRPr>
             </a:lvl3pPr>
-            <a:lvl4pPr marL="718599" indent="0">
+            <a:lvl4pPr marL="485557" indent="0">
               <a:buNone/>
-              <a:defRPr sz="720">
+              <a:defRPr sz="487">
                 <a:solidFill>
                   <a:schemeClr val="tx1">
                     <a:tint val="75000"/>
@@ -8570,9 +10126,9 @@
                 </a:solidFill>
               </a:defRPr>
             </a:lvl4pPr>
-            <a:lvl5pPr marL="958132" indent="0">
+            <a:lvl5pPr marL="647410" indent="0">
               <a:buNone/>
-              <a:defRPr sz="720">
+              <a:defRPr sz="487">
                 <a:solidFill>
                   <a:schemeClr val="tx1">
                     <a:tint val="75000"/>
@@ -8580,9 +10136,9 @@
                 </a:solidFill>
               </a:defRPr>
             </a:lvl5pPr>
-            <a:lvl6pPr marL="1197665" indent="0">
+            <a:lvl6pPr marL="809262" indent="0">
               <a:buNone/>
-              <a:defRPr sz="720">
+              <a:defRPr sz="487">
                 <a:solidFill>
                   <a:schemeClr val="tx1">
                     <a:tint val="75000"/>
@@ -8590,9 +10146,9 @@
                 </a:solidFill>
               </a:defRPr>
             </a:lvl6pPr>
-            <a:lvl7pPr marL="1437197" indent="0">
+            <a:lvl7pPr marL="971114" indent="0">
               <a:buNone/>
-              <a:defRPr sz="720">
+              <a:defRPr sz="487">
                 <a:solidFill>
                   <a:schemeClr val="tx1">
                     <a:tint val="75000"/>
@@ -8600,9 +10156,9 @@
                 </a:solidFill>
               </a:defRPr>
             </a:lvl7pPr>
-            <a:lvl8pPr marL="1676731" indent="0">
+            <a:lvl8pPr marL="1132967" indent="0">
               <a:buNone/>
-              <a:defRPr sz="720">
+              <a:defRPr sz="487">
                 <a:solidFill>
                   <a:schemeClr val="tx1">
                     <a:tint val="75000"/>
@@ -8610,9 +10166,9 @@
                 </a:solidFill>
               </a:defRPr>
             </a:lvl8pPr>
-            <a:lvl9pPr marL="1916264" indent="0">
+            <a:lvl9pPr marL="1294820" indent="0">
               <a:buNone/>
-              <a:defRPr sz="720">
+              <a:defRPr sz="487">
                 <a:solidFill>
                   <a:schemeClr val="tx1">
                     <a:tint val="75000"/>
@@ -8647,7 +10203,7 @@
           <a:p>
             <a:fld id="{B1E60CEC-8CC6-8B48-9CD4-E19D93CC4CEE}" type="datetimeFigureOut">
               <a:rPr lang="en-US" smtClean="0"/>
-              <a:t>4/15/20</a:t>
+              <a:t>4/17/20</a:t>
             </a:fld>
             <a:endParaRPr lang="en-US"/>
           </a:p>
@@ -8759,39 +10315,39 @@
         </p:nvSpPr>
         <p:spPr>
           <a:xfrm>
-            <a:off x="253734" y="647371"/>
-            <a:ext cx="2227117" cy="1830898"/>
+            <a:off x="226348" y="1393707"/>
+            <a:ext cx="1986743" cy="3941687"/>
           </a:xfrm>
         </p:spPr>
         <p:txBody>
           <a:bodyPr/>
           <a:lstStyle>
             <a:lvl1pPr>
-              <a:defRPr sz="1440"/>
+              <a:defRPr sz="973"/>
             </a:lvl1pPr>
             <a:lvl2pPr>
-              <a:defRPr sz="1260"/>
+              <a:defRPr sz="851"/>
             </a:lvl2pPr>
             <a:lvl3pPr>
-              <a:defRPr sz="1080"/>
+              <a:defRPr sz="730"/>
             </a:lvl3pPr>
             <a:lvl4pPr>
-              <a:defRPr sz="900"/>
+              <a:defRPr sz="608"/>
             </a:lvl4pPr>
             <a:lvl5pPr>
-              <a:defRPr sz="900"/>
+              <a:defRPr sz="608"/>
             </a:lvl5pPr>
             <a:lvl6pPr>
-              <a:defRPr sz="900"/>
+              <a:defRPr sz="608"/>
             </a:lvl6pPr>
             <a:lvl7pPr>
-              <a:defRPr sz="900"/>
+              <a:defRPr sz="608"/>
             </a:lvl7pPr>
             <a:lvl8pPr>
-              <a:defRPr sz="900"/>
+              <a:defRPr sz="608"/>
             </a:lvl8pPr>
             <a:lvl9pPr>
-              <a:defRPr sz="900"/>
+              <a:defRPr sz="608"/>
             </a:lvl9pPr>
           </a:lstStyle>
           <a:p>
@@ -8843,39 +10399,39 @@
         </p:nvSpPr>
         <p:spPr>
           <a:xfrm>
-            <a:off x="2593614" y="647371"/>
-            <a:ext cx="2227117" cy="1830898"/>
+            <a:off x="2313685" y="1393707"/>
+            <a:ext cx="1986743" cy="3941687"/>
           </a:xfrm>
         </p:spPr>
         <p:txBody>
           <a:bodyPr/>
           <a:lstStyle>
             <a:lvl1pPr>
-              <a:defRPr sz="1440"/>
+              <a:defRPr sz="973"/>
             </a:lvl1pPr>
             <a:lvl2pPr>
-              <a:defRPr sz="1260"/>
+              <a:defRPr sz="851"/>
             </a:lvl2pPr>
             <a:lvl3pPr>
-              <a:defRPr sz="1080"/>
+              <a:defRPr sz="730"/>
             </a:lvl3pPr>
             <a:lvl4pPr>
-              <a:defRPr sz="900"/>
+              <a:defRPr sz="608"/>
             </a:lvl4pPr>
             <a:lvl5pPr>
-              <a:defRPr sz="900"/>
+              <a:defRPr sz="608"/>
             </a:lvl5pPr>
             <a:lvl6pPr>
-              <a:defRPr sz="900"/>
+              <a:defRPr sz="608"/>
             </a:lvl6pPr>
             <a:lvl7pPr>
-              <a:defRPr sz="900"/>
+              <a:defRPr sz="608"/>
             </a:lvl7pPr>
             <a:lvl8pPr>
-              <a:defRPr sz="900"/>
+              <a:defRPr sz="608"/>
             </a:lvl8pPr>
             <a:lvl9pPr>
-              <a:defRPr sz="900"/>
+              <a:defRPr sz="608"/>
             </a:lvl9pPr>
           </a:lstStyle>
           <a:p>
@@ -8932,7 +10488,7 @@
           <a:p>
             <a:fld id="{B1E60CEC-8CC6-8B48-9CD4-E19D93CC4CEE}" type="datetimeFigureOut">
               <a:rPr lang="en-US" smtClean="0"/>
-              <a:t>4/15/20</a:t>
+              <a:t>4/17/20</a:t>
             </a:fld>
             <a:endParaRPr lang="en-US"/>
           </a:p>
@@ -9022,8 +10578,8 @@
         </p:nvSpPr>
         <p:spPr>
           <a:xfrm>
-            <a:off x="338301" y="95245"/>
-            <a:ext cx="6089329" cy="396346"/>
+            <a:off x="301789" y="205052"/>
+            <a:ext cx="5432105" cy="853281"/>
           </a:xfrm>
         </p:spPr>
         <p:txBody>
@@ -9053,8 +10609,8 @@
         </p:nvSpPr>
         <p:spPr>
           <a:xfrm>
-            <a:off x="338306" y="532318"/>
-            <a:ext cx="2989458" cy="221843"/>
+            <a:off x="301791" y="1146013"/>
+            <a:ext cx="2666805" cy="477600"/>
           </a:xfrm>
         </p:spPr>
         <p:txBody>
@@ -9062,39 +10618,39 @@
           <a:lstStyle>
             <a:lvl1pPr marL="0" indent="0">
               <a:buNone/>
-              <a:defRPr sz="1260" b="1"/>
+              <a:defRPr sz="851" b="1"/>
             </a:lvl1pPr>
-            <a:lvl2pPr marL="239532" indent="0">
+            <a:lvl2pPr marL="161852" indent="0">
               <a:buNone/>
-              <a:defRPr sz="1080" b="1"/>
+              <a:defRPr sz="730" b="1"/>
             </a:lvl2pPr>
-            <a:lvl3pPr marL="479066" indent="0">
+            <a:lvl3pPr marL="323705" indent="0">
               <a:buNone/>
-              <a:defRPr sz="900" b="1"/>
+              <a:defRPr sz="608" b="1"/>
             </a:lvl3pPr>
-            <a:lvl4pPr marL="718599" indent="0">
+            <a:lvl4pPr marL="485557" indent="0">
               <a:buNone/>
-              <a:defRPr sz="900" b="1"/>
+              <a:defRPr sz="608" b="1"/>
             </a:lvl4pPr>
-            <a:lvl5pPr marL="958132" indent="0">
+            <a:lvl5pPr marL="647410" indent="0">
               <a:buNone/>
-              <a:defRPr sz="900" b="1"/>
+              <a:defRPr sz="608" b="1"/>
             </a:lvl5pPr>
-            <a:lvl6pPr marL="1197665" indent="0">
+            <a:lvl6pPr marL="809262" indent="0">
               <a:buNone/>
-              <a:defRPr sz="900" b="1"/>
+              <a:defRPr sz="608" b="1"/>
             </a:lvl6pPr>
-            <a:lvl7pPr marL="1437197" indent="0">
+            <a:lvl7pPr marL="971114" indent="0">
               <a:buNone/>
-              <a:defRPr sz="900" b="1"/>
+              <a:defRPr sz="608" b="1"/>
             </a:lvl7pPr>
-            <a:lvl8pPr marL="1676731" indent="0">
+            <a:lvl8pPr marL="1132967" indent="0">
               <a:buNone/>
-              <a:defRPr sz="900" b="1"/>
+              <a:defRPr sz="608" b="1"/>
             </a:lvl8pPr>
-            <a:lvl9pPr marL="1916264" indent="0">
+            <a:lvl9pPr marL="1294820" indent="0">
               <a:buNone/>
-              <a:defRPr sz="900" b="1"/>
+              <a:defRPr sz="608" b="1"/>
             </a:lvl9pPr>
           </a:lstStyle>
           <a:p>
@@ -9118,39 +10674,39 @@
         </p:nvSpPr>
         <p:spPr>
           <a:xfrm>
-            <a:off x="338306" y="754162"/>
-            <a:ext cx="2989458" cy="1370146"/>
+            <a:off x="301791" y="1623614"/>
+            <a:ext cx="2666805" cy="2949747"/>
           </a:xfrm>
         </p:spPr>
         <p:txBody>
           <a:bodyPr/>
           <a:lstStyle>
             <a:lvl1pPr>
-              <a:defRPr sz="1260"/>
+              <a:defRPr sz="851"/>
             </a:lvl1pPr>
             <a:lvl2pPr>
-              <a:defRPr sz="1080"/>
+              <a:defRPr sz="730"/>
             </a:lvl2pPr>
             <a:lvl3pPr>
-              <a:defRPr sz="900"/>
+              <a:defRPr sz="608"/>
             </a:lvl3pPr>
             <a:lvl4pPr>
-              <a:defRPr sz="900"/>
+              <a:defRPr sz="608"/>
             </a:lvl4pPr>
             <a:lvl5pPr>
-              <a:defRPr sz="900"/>
+              <a:defRPr sz="608"/>
             </a:lvl5pPr>
             <a:lvl6pPr>
-              <a:defRPr sz="900"/>
+              <a:defRPr sz="608"/>
             </a:lvl6pPr>
             <a:lvl7pPr>
-              <a:defRPr sz="900"/>
+              <a:defRPr sz="608"/>
             </a:lvl7pPr>
             <a:lvl8pPr>
-              <a:defRPr sz="900"/>
+              <a:defRPr sz="608"/>
             </a:lvl8pPr>
             <a:lvl9pPr>
-              <a:defRPr sz="900"/>
+              <a:defRPr sz="608"/>
             </a:lvl9pPr>
           </a:lstStyle>
           <a:p>
@@ -9202,8 +10758,8 @@
         </p:nvSpPr>
         <p:spPr>
           <a:xfrm>
-            <a:off x="3437003" y="532318"/>
-            <a:ext cx="2990631" cy="221843"/>
+            <a:off x="3066046" y="1146013"/>
+            <a:ext cx="2667850" cy="477600"/>
           </a:xfrm>
         </p:spPr>
         <p:txBody>
@@ -9211,39 +10767,39 @@
           <a:lstStyle>
             <a:lvl1pPr marL="0" indent="0">
               <a:buNone/>
-              <a:defRPr sz="1260" b="1"/>
+              <a:defRPr sz="851" b="1"/>
             </a:lvl1pPr>
-            <a:lvl2pPr marL="239532" indent="0">
+            <a:lvl2pPr marL="161852" indent="0">
               <a:buNone/>
-              <a:defRPr sz="1080" b="1"/>
+              <a:defRPr sz="730" b="1"/>
             </a:lvl2pPr>
-            <a:lvl3pPr marL="479066" indent="0">
+            <a:lvl3pPr marL="323705" indent="0">
               <a:buNone/>
-              <a:defRPr sz="900" b="1"/>
+              <a:defRPr sz="608" b="1"/>
             </a:lvl3pPr>
-            <a:lvl4pPr marL="718599" indent="0">
+            <a:lvl4pPr marL="485557" indent="0">
               <a:buNone/>
-              <a:defRPr sz="900" b="1"/>
+              <a:defRPr sz="608" b="1"/>
             </a:lvl4pPr>
-            <a:lvl5pPr marL="958132" indent="0">
+            <a:lvl5pPr marL="647410" indent="0">
               <a:buNone/>
-              <a:defRPr sz="900" b="1"/>
+              <a:defRPr sz="608" b="1"/>
             </a:lvl5pPr>
-            <a:lvl6pPr marL="1197665" indent="0">
+            <a:lvl6pPr marL="809262" indent="0">
               <a:buNone/>
-              <a:defRPr sz="900" b="1"/>
+              <a:defRPr sz="608" b="1"/>
             </a:lvl6pPr>
-            <a:lvl7pPr marL="1437197" indent="0">
+            <a:lvl7pPr marL="971114" indent="0">
               <a:buNone/>
-              <a:defRPr sz="900" b="1"/>
+              <a:defRPr sz="608" b="1"/>
             </a:lvl7pPr>
-            <a:lvl8pPr marL="1676731" indent="0">
+            <a:lvl8pPr marL="1132967" indent="0">
               <a:buNone/>
-              <a:defRPr sz="900" b="1"/>
+              <a:defRPr sz="608" b="1"/>
             </a:lvl8pPr>
-            <a:lvl9pPr marL="1916264" indent="0">
+            <a:lvl9pPr marL="1294820" indent="0">
               <a:buNone/>
-              <a:defRPr sz="900" b="1"/>
+              <a:defRPr sz="608" b="1"/>
             </a:lvl9pPr>
           </a:lstStyle>
           <a:p>
@@ -9267,39 +10823,39 @@
         </p:nvSpPr>
         <p:spPr>
           <a:xfrm>
-            <a:off x="3437003" y="754162"/>
-            <a:ext cx="2990631" cy="1370146"/>
+            <a:off x="3066046" y="1623614"/>
+            <a:ext cx="2667850" cy="2949747"/>
           </a:xfrm>
         </p:spPr>
         <p:txBody>
           <a:bodyPr/>
           <a:lstStyle>
             <a:lvl1pPr>
-              <a:defRPr sz="1260"/>
+              <a:defRPr sz="851"/>
             </a:lvl1pPr>
             <a:lvl2pPr>
-              <a:defRPr sz="1080"/>
+              <a:defRPr sz="730"/>
             </a:lvl2pPr>
             <a:lvl3pPr>
-              <a:defRPr sz="900"/>
+              <a:defRPr sz="608"/>
             </a:lvl3pPr>
             <a:lvl4pPr>
-              <a:defRPr sz="900"/>
+              <a:defRPr sz="608"/>
             </a:lvl4pPr>
             <a:lvl5pPr>
-              <a:defRPr sz="900"/>
+              <a:defRPr sz="608"/>
             </a:lvl5pPr>
             <a:lvl6pPr>
-              <a:defRPr sz="900"/>
+              <a:defRPr sz="608"/>
             </a:lvl6pPr>
             <a:lvl7pPr>
-              <a:defRPr sz="900"/>
+              <a:defRPr sz="608"/>
             </a:lvl7pPr>
             <a:lvl8pPr>
-              <a:defRPr sz="900"/>
+              <a:defRPr sz="608"/>
             </a:lvl8pPr>
             <a:lvl9pPr>
-              <a:defRPr sz="900"/>
+              <a:defRPr sz="608"/>
             </a:lvl9pPr>
           </a:lstStyle>
           <a:p>
@@ -9356,7 +10912,7 @@
           <a:p>
             <a:fld id="{B1E60CEC-8CC6-8B48-9CD4-E19D93CC4CEE}" type="datetimeFigureOut">
               <a:rPr lang="en-US" smtClean="0"/>
-              <a:t>4/15/20</a:t>
+              <a:t>4/17/20</a:t>
             </a:fld>
             <a:endParaRPr lang="en-US"/>
           </a:p>
@@ -9473,7 +11029,7 @@
           <a:p>
             <a:fld id="{B1E60CEC-8CC6-8B48-9CD4-E19D93CC4CEE}" type="datetimeFigureOut">
               <a:rPr lang="en-US" smtClean="0"/>
-              <a:t>4/15/20</a:t>
+              <a:t>4/17/20</a:t>
             </a:fld>
             <a:endParaRPr lang="en-US"/>
           </a:p>
@@ -9568,7 +11124,7 @@
           <a:p>
             <a:fld id="{B1E60CEC-8CC6-8B48-9CD4-E19D93CC4CEE}" type="datetimeFigureOut">
               <a:rPr lang="en-US" smtClean="0"/>
-              <a:t>4/15/20</a:t>
+              <a:t>4/17/20</a:t>
             </a:fld>
             <a:endParaRPr lang="en-US"/>
           </a:p>
@@ -9658,15 +11214,15 @@
         </p:nvSpPr>
         <p:spPr>
           <a:xfrm>
-            <a:off x="338310" y="94682"/>
-            <a:ext cx="2225941" cy="402952"/>
+            <a:off x="301799" y="203840"/>
+            <a:ext cx="1985694" cy="867503"/>
           </a:xfrm>
         </p:spPr>
         <p:txBody>
           <a:bodyPr anchor="b"/>
           <a:lstStyle>
             <a:lvl1pPr algn="l">
-              <a:defRPr sz="1080" b="1"/>
+              <a:defRPr sz="730" b="1"/>
             </a:lvl1pPr>
           </a:lstStyle>
           <a:p>
@@ -9689,39 +11245,39 @@
         </p:nvSpPr>
         <p:spPr>
           <a:xfrm>
-            <a:off x="2645296" y="94695"/>
-            <a:ext cx="3782340" cy="2029622"/>
+            <a:off x="2359790" y="203866"/>
+            <a:ext cx="3374110" cy="4369515"/>
           </a:xfrm>
         </p:spPr>
         <p:txBody>
           <a:bodyPr/>
           <a:lstStyle>
             <a:lvl1pPr>
-              <a:defRPr sz="1710"/>
+              <a:defRPr sz="1155"/>
             </a:lvl1pPr>
             <a:lvl2pPr>
-              <a:defRPr sz="1440"/>
+              <a:defRPr sz="973"/>
             </a:lvl2pPr>
             <a:lvl3pPr>
-              <a:defRPr sz="1260"/>
+              <a:defRPr sz="851"/>
             </a:lvl3pPr>
             <a:lvl4pPr>
-              <a:defRPr sz="1080"/>
+              <a:defRPr sz="730"/>
             </a:lvl4pPr>
             <a:lvl5pPr>
-              <a:defRPr sz="1080"/>
+              <a:defRPr sz="730"/>
             </a:lvl5pPr>
             <a:lvl6pPr>
-              <a:defRPr sz="1080"/>
+              <a:defRPr sz="730"/>
             </a:lvl6pPr>
             <a:lvl7pPr>
-              <a:defRPr sz="1080"/>
+              <a:defRPr sz="730"/>
             </a:lvl7pPr>
             <a:lvl8pPr>
-              <a:defRPr sz="1080"/>
+              <a:defRPr sz="730"/>
             </a:lvl8pPr>
             <a:lvl9pPr>
-              <a:defRPr sz="1080"/>
+              <a:defRPr sz="730"/>
             </a:lvl9pPr>
           </a:lstStyle>
           <a:p>
@@ -9773,8 +11329,8 @@
         </p:nvSpPr>
         <p:spPr>
           <a:xfrm>
-            <a:off x="338310" y="497637"/>
-            <a:ext cx="2225941" cy="1626670"/>
+            <a:off x="301799" y="1071348"/>
+            <a:ext cx="1985694" cy="3502010"/>
           </a:xfrm>
         </p:spPr>
         <p:txBody>
@@ -9782,39 +11338,39 @@
           <a:lstStyle>
             <a:lvl1pPr marL="0" indent="0">
               <a:buNone/>
-              <a:defRPr sz="720"/>
+              <a:defRPr sz="487"/>
             </a:lvl1pPr>
-            <a:lvl2pPr marL="239532" indent="0">
+            <a:lvl2pPr marL="161852" indent="0">
               <a:buNone/>
-              <a:defRPr sz="630"/>
+              <a:defRPr sz="426"/>
             </a:lvl2pPr>
-            <a:lvl3pPr marL="479066" indent="0">
+            <a:lvl3pPr marL="323705" indent="0">
               <a:buNone/>
-              <a:defRPr sz="540"/>
+              <a:defRPr sz="365"/>
             </a:lvl3pPr>
-            <a:lvl4pPr marL="718599" indent="0">
+            <a:lvl4pPr marL="485557" indent="0">
               <a:buNone/>
-              <a:defRPr sz="450"/>
+              <a:defRPr sz="304"/>
             </a:lvl4pPr>
-            <a:lvl5pPr marL="958132" indent="0">
+            <a:lvl5pPr marL="647410" indent="0">
               <a:buNone/>
-              <a:defRPr sz="450"/>
+              <a:defRPr sz="304"/>
             </a:lvl5pPr>
-            <a:lvl6pPr marL="1197665" indent="0">
+            <a:lvl6pPr marL="809262" indent="0">
               <a:buNone/>
-              <a:defRPr sz="450"/>
+              <a:defRPr sz="304"/>
             </a:lvl6pPr>
-            <a:lvl7pPr marL="1437197" indent="0">
+            <a:lvl7pPr marL="971114" indent="0">
               <a:buNone/>
-              <a:defRPr sz="450"/>
+              <a:defRPr sz="304"/>
             </a:lvl7pPr>
-            <a:lvl8pPr marL="1676731" indent="0">
+            <a:lvl8pPr marL="1132967" indent="0">
               <a:buNone/>
-              <a:defRPr sz="450"/>
+              <a:defRPr sz="304"/>
             </a:lvl8pPr>
-            <a:lvl9pPr marL="1916264" indent="0">
+            <a:lvl9pPr marL="1294820" indent="0">
               <a:buNone/>
-              <a:defRPr sz="450"/>
+              <a:defRPr sz="304"/>
             </a:lvl9pPr>
           </a:lstStyle>
           <a:p>
@@ -9843,7 +11399,7 @@
           <a:p>
             <a:fld id="{B1E60CEC-8CC6-8B48-9CD4-E19D93CC4CEE}" type="datetimeFigureOut">
               <a:rPr lang="en-US" smtClean="0"/>
-              <a:t>4/15/20</a:t>
+              <a:t>4/17/20</a:t>
             </a:fld>
             <a:endParaRPr lang="en-US"/>
           </a:p>
@@ -9933,15 +11489,15 @@
         </p:nvSpPr>
         <p:spPr>
           <a:xfrm>
-            <a:off x="1326176" y="1664659"/>
-            <a:ext cx="4059555" cy="196521"/>
+            <a:off x="1183042" y="3583798"/>
+            <a:ext cx="3621405" cy="423085"/>
           </a:xfrm>
         </p:spPr>
         <p:txBody>
           <a:bodyPr anchor="b"/>
           <a:lstStyle>
             <a:lvl1pPr algn="l">
-              <a:defRPr sz="1080" b="1"/>
+              <a:defRPr sz="730" b="1"/>
             </a:lvl1pPr>
           </a:lstStyle>
           <a:p>
@@ -9964,8 +11520,8 @@
         </p:nvSpPr>
         <p:spPr>
           <a:xfrm>
-            <a:off x="1326176" y="212497"/>
-            <a:ext cx="4059555" cy="1426845"/>
+            <a:off x="1183042" y="457481"/>
+            <a:ext cx="3621405" cy="3071813"/>
           </a:xfrm>
         </p:spPr>
         <p:txBody>
@@ -9973,39 +11529,39 @@
           <a:lstStyle>
             <a:lvl1pPr marL="0" indent="0">
               <a:buNone/>
-              <a:defRPr sz="1710"/>
+              <a:defRPr sz="1155"/>
             </a:lvl1pPr>
-            <a:lvl2pPr marL="239532" indent="0">
+            <a:lvl2pPr marL="161852" indent="0">
               <a:buNone/>
-              <a:defRPr sz="1440"/>
+              <a:defRPr sz="973"/>
             </a:lvl2pPr>
-            <a:lvl3pPr marL="479066" indent="0">
+            <a:lvl3pPr marL="323705" indent="0">
               <a:buNone/>
-              <a:defRPr sz="1260"/>
+              <a:defRPr sz="851"/>
             </a:lvl3pPr>
-            <a:lvl4pPr marL="718599" indent="0">
+            <a:lvl4pPr marL="485557" indent="0">
               <a:buNone/>
-              <a:defRPr sz="1080"/>
+              <a:defRPr sz="730"/>
             </a:lvl4pPr>
-            <a:lvl5pPr marL="958132" indent="0">
+            <a:lvl5pPr marL="647410" indent="0">
               <a:buNone/>
-              <a:defRPr sz="1080"/>
+              <a:defRPr sz="730"/>
             </a:lvl5pPr>
-            <a:lvl6pPr marL="1197665" indent="0">
+            <a:lvl6pPr marL="809262" indent="0">
               <a:buNone/>
-              <a:defRPr sz="1080"/>
+              <a:defRPr sz="730"/>
             </a:lvl6pPr>
-            <a:lvl7pPr marL="1437197" indent="0">
+            <a:lvl7pPr marL="971114" indent="0">
               <a:buNone/>
-              <a:defRPr sz="1080"/>
+              <a:defRPr sz="730"/>
             </a:lvl7pPr>
-            <a:lvl8pPr marL="1676731" indent="0">
+            <a:lvl8pPr marL="1132967" indent="0">
               <a:buNone/>
-              <a:defRPr sz="1080"/>
+              <a:defRPr sz="730"/>
             </a:lvl8pPr>
-            <a:lvl9pPr marL="1916264" indent="0">
+            <a:lvl9pPr marL="1294820" indent="0">
               <a:buNone/>
-              <a:defRPr sz="1080"/>
+              <a:defRPr sz="730"/>
             </a:lvl9pPr>
           </a:lstStyle>
           <a:p>
@@ -10025,8 +11581,8 @@
         </p:nvSpPr>
         <p:spPr>
           <a:xfrm>
-            <a:off x="1326176" y="1861189"/>
-            <a:ext cx="4059555" cy="279093"/>
+            <a:off x="1183042" y="4006900"/>
+            <a:ext cx="3621405" cy="600852"/>
           </a:xfrm>
         </p:spPr>
         <p:txBody>
@@ -10034,39 +11590,39 @@
           <a:lstStyle>
             <a:lvl1pPr marL="0" indent="0">
               <a:buNone/>
-              <a:defRPr sz="720"/>
+              <a:defRPr sz="487"/>
             </a:lvl1pPr>
-            <a:lvl2pPr marL="239532" indent="0">
+            <a:lvl2pPr marL="161852" indent="0">
               <a:buNone/>
-              <a:defRPr sz="630"/>
+              <a:defRPr sz="426"/>
             </a:lvl2pPr>
-            <a:lvl3pPr marL="479066" indent="0">
+            <a:lvl3pPr marL="323705" indent="0">
               <a:buNone/>
-              <a:defRPr sz="540"/>
+              <a:defRPr sz="365"/>
             </a:lvl3pPr>
-            <a:lvl4pPr marL="718599" indent="0">
+            <a:lvl4pPr marL="485557" indent="0">
               <a:buNone/>
-              <a:defRPr sz="450"/>
+              <a:defRPr sz="304"/>
             </a:lvl4pPr>
-            <a:lvl5pPr marL="958132" indent="0">
+            <a:lvl5pPr marL="647410" indent="0">
               <a:buNone/>
-              <a:defRPr sz="450"/>
+              <a:defRPr sz="304"/>
             </a:lvl5pPr>
-            <a:lvl6pPr marL="1197665" indent="0">
+            <a:lvl6pPr marL="809262" indent="0">
               <a:buNone/>
-              <a:defRPr sz="450"/>
+              <a:defRPr sz="304"/>
             </a:lvl6pPr>
-            <a:lvl7pPr marL="1437197" indent="0">
+            <a:lvl7pPr marL="971114" indent="0">
               <a:buNone/>
-              <a:defRPr sz="450"/>
+              <a:defRPr sz="304"/>
             </a:lvl7pPr>
-            <a:lvl8pPr marL="1676731" indent="0">
+            <a:lvl8pPr marL="1132967" indent="0">
               <a:buNone/>
-              <a:defRPr sz="450"/>
+              <a:defRPr sz="304"/>
             </a:lvl8pPr>
-            <a:lvl9pPr marL="1916264" indent="0">
+            <a:lvl9pPr marL="1294820" indent="0">
               <a:buNone/>
-              <a:defRPr sz="450"/>
+              <a:defRPr sz="304"/>
             </a:lvl9pPr>
           </a:lstStyle>
           <a:p>
@@ -10095,7 +11651,7 @@
           <a:p>
             <a:fld id="{B1E60CEC-8CC6-8B48-9CD4-E19D93CC4CEE}" type="datetimeFigureOut">
               <a:rPr lang="en-US" smtClean="0"/>
-              <a:t>4/15/20</a:t>
+              <a:t>4/17/20</a:t>
             </a:fld>
             <a:endParaRPr lang="en-US"/>
           </a:p>
@@ -10190,8 +11746,8 @@
         </p:nvSpPr>
         <p:spPr>
           <a:xfrm>
-            <a:off x="338301" y="95245"/>
-            <a:ext cx="6089329" cy="396346"/>
+            <a:off x="301789" y="205052"/>
+            <a:ext cx="5432105" cy="853281"/>
           </a:xfrm>
           <a:prstGeom prst="rect">
             <a:avLst/>
@@ -10222,8 +11778,8 @@
         </p:nvSpPr>
         <p:spPr>
           <a:xfrm>
-            <a:off x="338301" y="554893"/>
-            <a:ext cx="6089329" cy="1569419"/>
+            <a:off x="301789" y="1194615"/>
+            <a:ext cx="5432105" cy="3378756"/>
           </a:xfrm>
           <a:prstGeom prst="rect">
             <a:avLst/>
@@ -10283,8 +11839,8 @@
         </p:nvSpPr>
         <p:spPr>
           <a:xfrm>
-            <a:off x="338296" y="2204140"/>
-            <a:ext cx="1578716" cy="126611"/>
+            <a:off x="301784" y="4745229"/>
+            <a:ext cx="1408324" cy="272578"/>
           </a:xfrm>
           <a:prstGeom prst="rect">
             <a:avLst/>
@@ -10294,7 +11850,7 @@
           <a:bodyPr vert="horz" lIns="53671" tIns="26836" rIns="53671" bIns="26836" rtlCol="0" anchor="ctr"/>
           <a:lstStyle>
             <a:lvl1pPr algn="l">
-              <a:defRPr sz="630">
+              <a:defRPr sz="426">
                 <a:solidFill>
                   <a:schemeClr val="tx1">
                     <a:tint val="75000"/>
@@ -10306,7 +11862,7 @@
           <a:p>
             <a:fld id="{B1E60CEC-8CC6-8B48-9CD4-E19D93CC4CEE}" type="datetimeFigureOut">
               <a:rPr lang="en-US" smtClean="0"/>
-              <a:t>4/15/20</a:t>
+              <a:t>4/17/20</a:t>
             </a:fld>
             <a:endParaRPr lang="en-US"/>
           </a:p>
@@ -10324,8 +11880,8 @@
         </p:nvSpPr>
         <p:spPr>
           <a:xfrm>
-            <a:off x="2311697" y="2204140"/>
-            <a:ext cx="2142543" cy="126611"/>
+            <a:off x="2062195" y="4745229"/>
+            <a:ext cx="1911297" cy="272578"/>
           </a:xfrm>
           <a:prstGeom prst="rect">
             <a:avLst/>
@@ -10335,7 +11891,7 @@
           <a:bodyPr vert="horz" lIns="53671" tIns="26836" rIns="53671" bIns="26836" rtlCol="0" anchor="ctr"/>
           <a:lstStyle>
             <a:lvl1pPr algn="ctr">
-              <a:defRPr sz="630">
+              <a:defRPr sz="426">
                 <a:solidFill>
                   <a:schemeClr val="tx1">
                     <a:tint val="75000"/>
@@ -10361,8 +11917,8 @@
         </p:nvSpPr>
         <p:spPr>
           <a:xfrm>
-            <a:off x="4848913" y="2204140"/>
-            <a:ext cx="1578716" cy="126611"/>
+            <a:off x="4325567" y="4745229"/>
+            <a:ext cx="1408324" cy="272578"/>
           </a:xfrm>
           <a:prstGeom prst="rect">
             <a:avLst/>
@@ -10372,7 +11928,7 @@
           <a:bodyPr vert="horz" lIns="53671" tIns="26836" rIns="53671" bIns="26836" rtlCol="0" anchor="ctr"/>
           <a:lstStyle>
             <a:lvl1pPr algn="r">
-              <a:defRPr sz="630">
+              <a:defRPr sz="426">
                 <a:solidFill>
                   <a:schemeClr val="tx1">
                     <a:tint val="75000"/>
@@ -10413,12 +11969,12 @@
   </p:sldLayoutIdLst>
   <p:txStyles>
     <p:titleStyle>
-      <a:lvl1pPr algn="ctr" defTabSz="239532" rtl="0" eaLnBrk="1" latinLnBrk="0" hangingPunct="1">
+      <a:lvl1pPr algn="ctr" defTabSz="161852" rtl="0" eaLnBrk="1" latinLnBrk="0" hangingPunct="1">
         <a:spcBef>
           <a:spcPct val="0"/>
         </a:spcBef>
         <a:buNone/>
-        <a:defRPr sz="2340" kern="1200">
+        <a:defRPr sz="1581" kern="1200">
           <a:solidFill>
             <a:schemeClr val="tx1"/>
           </a:solidFill>
@@ -10429,13 +11985,13 @@
       </a:lvl1pPr>
     </p:titleStyle>
     <p:bodyStyle>
-      <a:lvl1pPr marL="179650" indent="-179650" algn="l" defTabSz="239532" rtl="0" eaLnBrk="1" latinLnBrk="0" hangingPunct="1">
+      <a:lvl1pPr marL="121390" indent="-121390" algn="l" defTabSz="161852" rtl="0" eaLnBrk="1" latinLnBrk="0" hangingPunct="1">
         <a:spcBef>
           <a:spcPct val="20000"/>
         </a:spcBef>
         <a:buFont typeface="Arial"/>
         <a:buChar char="•"/>
-        <a:defRPr sz="1710" kern="1200">
+        <a:defRPr sz="1155" kern="1200">
           <a:solidFill>
             <a:schemeClr val="tx1"/>
           </a:solidFill>
@@ -10444,13 +12000,13 @@
           <a:cs typeface="+mn-cs"/>
         </a:defRPr>
       </a:lvl1pPr>
-      <a:lvl2pPr marL="389241" indent="-149708" algn="l" defTabSz="239532" rtl="0" eaLnBrk="1" latinLnBrk="0" hangingPunct="1">
+      <a:lvl2pPr marL="263010" indent="-101158" algn="l" defTabSz="161852" rtl="0" eaLnBrk="1" latinLnBrk="0" hangingPunct="1">
         <a:spcBef>
           <a:spcPct val="20000"/>
         </a:spcBef>
         <a:buFont typeface="Arial"/>
         <a:buChar char="–"/>
-        <a:defRPr sz="1440" kern="1200">
+        <a:defRPr sz="973" kern="1200">
           <a:solidFill>
             <a:schemeClr val="tx1"/>
           </a:solidFill>
@@ -10459,13 +12015,13 @@
           <a:cs typeface="+mn-cs"/>
         </a:defRPr>
       </a:lvl2pPr>
-      <a:lvl3pPr marL="598832" indent="-119767" algn="l" defTabSz="239532" rtl="0" eaLnBrk="1" latinLnBrk="0" hangingPunct="1">
+      <a:lvl3pPr marL="404631" indent="-80927" algn="l" defTabSz="161852" rtl="0" eaLnBrk="1" latinLnBrk="0" hangingPunct="1">
         <a:spcBef>
           <a:spcPct val="20000"/>
         </a:spcBef>
         <a:buFont typeface="Arial"/>
         <a:buChar char="•"/>
-        <a:defRPr sz="1260" kern="1200">
+        <a:defRPr sz="851" kern="1200">
           <a:solidFill>
             <a:schemeClr val="tx1"/>
           </a:solidFill>
@@ -10474,13 +12030,13 @@
           <a:cs typeface="+mn-cs"/>
         </a:defRPr>
       </a:lvl3pPr>
-      <a:lvl4pPr marL="838364" indent="-119767" algn="l" defTabSz="239532" rtl="0" eaLnBrk="1" latinLnBrk="0" hangingPunct="1">
+      <a:lvl4pPr marL="566483" indent="-80927" algn="l" defTabSz="161852" rtl="0" eaLnBrk="1" latinLnBrk="0" hangingPunct="1">
         <a:spcBef>
           <a:spcPct val="20000"/>
         </a:spcBef>
         <a:buFont typeface="Arial"/>
         <a:buChar char="–"/>
-        <a:defRPr sz="1080" kern="1200">
+        <a:defRPr sz="730" kern="1200">
           <a:solidFill>
             <a:schemeClr val="tx1"/>
           </a:solidFill>
@@ -10489,13 +12045,13 @@
           <a:cs typeface="+mn-cs"/>
         </a:defRPr>
       </a:lvl4pPr>
-      <a:lvl5pPr marL="1077899" indent="-119767" algn="l" defTabSz="239532" rtl="0" eaLnBrk="1" latinLnBrk="0" hangingPunct="1">
+      <a:lvl5pPr marL="728336" indent="-80927" algn="l" defTabSz="161852" rtl="0" eaLnBrk="1" latinLnBrk="0" hangingPunct="1">
         <a:spcBef>
           <a:spcPct val="20000"/>
         </a:spcBef>
         <a:buFont typeface="Arial"/>
         <a:buChar char="»"/>
-        <a:defRPr sz="1080" kern="1200">
+        <a:defRPr sz="730" kern="1200">
           <a:solidFill>
             <a:schemeClr val="tx1"/>
           </a:solidFill>
@@ -10504,13 +12060,13 @@
           <a:cs typeface="+mn-cs"/>
         </a:defRPr>
       </a:lvl5pPr>
-      <a:lvl6pPr marL="1317432" indent="-119767" algn="l" defTabSz="239532" rtl="0" eaLnBrk="1" latinLnBrk="0" hangingPunct="1">
+      <a:lvl6pPr marL="890189" indent="-80927" algn="l" defTabSz="161852" rtl="0" eaLnBrk="1" latinLnBrk="0" hangingPunct="1">
         <a:spcBef>
           <a:spcPct val="20000"/>
         </a:spcBef>
         <a:buFont typeface="Arial"/>
         <a:buChar char="•"/>
-        <a:defRPr sz="1080" kern="1200">
+        <a:defRPr sz="730" kern="1200">
           <a:solidFill>
             <a:schemeClr val="tx1"/>
           </a:solidFill>
@@ -10519,13 +12075,13 @@
           <a:cs typeface="+mn-cs"/>
         </a:defRPr>
       </a:lvl6pPr>
-      <a:lvl7pPr marL="1556964" indent="-119767" algn="l" defTabSz="239532" rtl="0" eaLnBrk="1" latinLnBrk="0" hangingPunct="1">
+      <a:lvl7pPr marL="1052041" indent="-80927" algn="l" defTabSz="161852" rtl="0" eaLnBrk="1" latinLnBrk="0" hangingPunct="1">
         <a:spcBef>
           <a:spcPct val="20000"/>
         </a:spcBef>
         <a:buFont typeface="Arial"/>
         <a:buChar char="•"/>
-        <a:defRPr sz="1080" kern="1200">
+        <a:defRPr sz="730" kern="1200">
           <a:solidFill>
             <a:schemeClr val="tx1"/>
           </a:solidFill>
@@ -10534,13 +12090,13 @@
           <a:cs typeface="+mn-cs"/>
         </a:defRPr>
       </a:lvl7pPr>
-      <a:lvl8pPr marL="1796497" indent="-119767" algn="l" defTabSz="239532" rtl="0" eaLnBrk="1" latinLnBrk="0" hangingPunct="1">
+      <a:lvl8pPr marL="1213893" indent="-80927" algn="l" defTabSz="161852" rtl="0" eaLnBrk="1" latinLnBrk="0" hangingPunct="1">
         <a:spcBef>
           <a:spcPct val="20000"/>
         </a:spcBef>
         <a:buFont typeface="Arial"/>
         <a:buChar char="•"/>
-        <a:defRPr sz="1080" kern="1200">
+        <a:defRPr sz="730" kern="1200">
           <a:solidFill>
             <a:schemeClr val="tx1"/>
           </a:solidFill>
@@ -10549,13 +12105,13 @@
           <a:cs typeface="+mn-cs"/>
         </a:defRPr>
       </a:lvl8pPr>
-      <a:lvl9pPr marL="2036030" indent="-119767" algn="l" defTabSz="239532" rtl="0" eaLnBrk="1" latinLnBrk="0" hangingPunct="1">
+      <a:lvl9pPr marL="1375745" indent="-80927" algn="l" defTabSz="161852" rtl="0" eaLnBrk="1" latinLnBrk="0" hangingPunct="1">
         <a:spcBef>
           <a:spcPct val="20000"/>
         </a:spcBef>
         <a:buFont typeface="Arial"/>
         <a:buChar char="•"/>
-        <a:defRPr sz="1080" kern="1200">
+        <a:defRPr sz="730" kern="1200">
           <a:solidFill>
             <a:schemeClr val="tx1"/>
           </a:solidFill>
@@ -10569,8 +12125,8 @@
       <a:defPPr>
         <a:defRPr lang="en-US"/>
       </a:defPPr>
-      <a:lvl1pPr marL="0" algn="l" defTabSz="239532" rtl="0" eaLnBrk="1" latinLnBrk="0" hangingPunct="1">
-        <a:defRPr sz="900" kern="1200">
+      <a:lvl1pPr marL="0" algn="l" defTabSz="161852" rtl="0" eaLnBrk="1" latinLnBrk="0" hangingPunct="1">
+        <a:defRPr sz="608" kern="1200">
           <a:solidFill>
             <a:schemeClr val="tx1"/>
           </a:solidFill>
@@ -10579,8 +12135,8 @@
           <a:cs typeface="+mn-cs"/>
         </a:defRPr>
       </a:lvl1pPr>
-      <a:lvl2pPr marL="239532" algn="l" defTabSz="239532" rtl="0" eaLnBrk="1" latinLnBrk="0" hangingPunct="1">
-        <a:defRPr sz="900" kern="1200">
+      <a:lvl2pPr marL="161852" algn="l" defTabSz="161852" rtl="0" eaLnBrk="1" latinLnBrk="0" hangingPunct="1">
+        <a:defRPr sz="608" kern="1200">
           <a:solidFill>
             <a:schemeClr val="tx1"/>
           </a:solidFill>
@@ -10589,8 +12145,8 @@
           <a:cs typeface="+mn-cs"/>
         </a:defRPr>
       </a:lvl2pPr>
-      <a:lvl3pPr marL="479066" algn="l" defTabSz="239532" rtl="0" eaLnBrk="1" latinLnBrk="0" hangingPunct="1">
-        <a:defRPr sz="900" kern="1200">
+      <a:lvl3pPr marL="323705" algn="l" defTabSz="161852" rtl="0" eaLnBrk="1" latinLnBrk="0" hangingPunct="1">
+        <a:defRPr sz="608" kern="1200">
           <a:solidFill>
             <a:schemeClr val="tx1"/>
           </a:solidFill>
@@ -10599,8 +12155,8 @@
           <a:cs typeface="+mn-cs"/>
         </a:defRPr>
       </a:lvl3pPr>
-      <a:lvl4pPr marL="718599" algn="l" defTabSz="239532" rtl="0" eaLnBrk="1" latinLnBrk="0" hangingPunct="1">
-        <a:defRPr sz="900" kern="1200">
+      <a:lvl4pPr marL="485557" algn="l" defTabSz="161852" rtl="0" eaLnBrk="1" latinLnBrk="0" hangingPunct="1">
+        <a:defRPr sz="608" kern="1200">
           <a:solidFill>
             <a:schemeClr val="tx1"/>
           </a:solidFill>
@@ -10609,8 +12165,8 @@
           <a:cs typeface="+mn-cs"/>
         </a:defRPr>
       </a:lvl4pPr>
-      <a:lvl5pPr marL="958132" algn="l" defTabSz="239532" rtl="0" eaLnBrk="1" latinLnBrk="0" hangingPunct="1">
-        <a:defRPr sz="900" kern="1200">
+      <a:lvl5pPr marL="647410" algn="l" defTabSz="161852" rtl="0" eaLnBrk="1" latinLnBrk="0" hangingPunct="1">
+        <a:defRPr sz="608" kern="1200">
           <a:solidFill>
             <a:schemeClr val="tx1"/>
           </a:solidFill>
@@ -10619,8 +12175,8 @@
           <a:cs typeface="+mn-cs"/>
         </a:defRPr>
       </a:lvl5pPr>
-      <a:lvl6pPr marL="1197665" algn="l" defTabSz="239532" rtl="0" eaLnBrk="1" latinLnBrk="0" hangingPunct="1">
-        <a:defRPr sz="900" kern="1200">
+      <a:lvl6pPr marL="809262" algn="l" defTabSz="161852" rtl="0" eaLnBrk="1" latinLnBrk="0" hangingPunct="1">
+        <a:defRPr sz="608" kern="1200">
           <a:solidFill>
             <a:schemeClr val="tx1"/>
           </a:solidFill>
@@ -10629,8 +12185,8 @@
           <a:cs typeface="+mn-cs"/>
         </a:defRPr>
       </a:lvl6pPr>
-      <a:lvl7pPr marL="1437197" algn="l" defTabSz="239532" rtl="0" eaLnBrk="1" latinLnBrk="0" hangingPunct="1">
-        <a:defRPr sz="900" kern="1200">
+      <a:lvl7pPr marL="971114" algn="l" defTabSz="161852" rtl="0" eaLnBrk="1" latinLnBrk="0" hangingPunct="1">
+        <a:defRPr sz="608" kern="1200">
           <a:solidFill>
             <a:schemeClr val="tx1"/>
           </a:solidFill>
@@ -10639,8 +12195,8 @@
           <a:cs typeface="+mn-cs"/>
         </a:defRPr>
       </a:lvl7pPr>
-      <a:lvl8pPr marL="1676731" algn="l" defTabSz="239532" rtl="0" eaLnBrk="1" latinLnBrk="0" hangingPunct="1">
-        <a:defRPr sz="900" kern="1200">
+      <a:lvl8pPr marL="1132967" algn="l" defTabSz="161852" rtl="0" eaLnBrk="1" latinLnBrk="0" hangingPunct="1">
+        <a:defRPr sz="608" kern="1200">
           <a:solidFill>
             <a:schemeClr val="tx1"/>
           </a:solidFill>
@@ -10649,8 +12205,8 @@
           <a:cs typeface="+mn-cs"/>
         </a:defRPr>
       </a:lvl8pPr>
-      <a:lvl9pPr marL="1916264" algn="l" defTabSz="239532" rtl="0" eaLnBrk="1" latinLnBrk="0" hangingPunct="1">
-        <a:defRPr sz="900" kern="1200">
+      <a:lvl9pPr marL="1294820" algn="l" defTabSz="161852" rtl="0" eaLnBrk="1" latinLnBrk="0" hangingPunct="1">
+        <a:defRPr sz="608" kern="1200">
           <a:solidFill>
             <a:schemeClr val="tx1"/>
           </a:solidFill>
@@ -10683,10 +12239,10 @@
       </p:grpSpPr>
       <p:sp>
         <p:nvSpPr>
-          <p:cNvPr id="893" name="Down Arrow 892">
+          <p:cNvPr id="881" name="Down Arrow 880">
             <a:extLst>
               <a:ext uri="{FF2B5EF4-FFF2-40B4-BE49-F238E27FC236}">
-                <a16:creationId xmlns:a16="http://schemas.microsoft.com/office/drawing/2014/main" id="{0CA95797-59C7-2147-B999-D5D6487A1FB6}"/>
+                <a16:creationId xmlns:a16="http://schemas.microsoft.com/office/drawing/2014/main" id="{32494B65-8B08-2046-A3B3-930ABFEB62BC}"/>
               </a:ext>
             </a:extLst>
           </p:cNvPr>
@@ -10695,7 +12251,7 @@
         </p:nvSpPr>
         <p:spPr>
           <a:xfrm rot="12309151">
-            <a:off x="1254183" y="1454289"/>
+            <a:off x="1646303" y="1314214"/>
             <a:ext cx="237744" cy="230459"/>
           </a:xfrm>
           <a:prstGeom prst="downArrow">
@@ -10738,10 +12294,10 @@
       </p:sp>
       <p:sp>
         <p:nvSpPr>
-          <p:cNvPr id="894" name="Oval 893">
+          <p:cNvPr id="882" name="Oval 881">
             <a:extLst>
               <a:ext uri="{FF2B5EF4-FFF2-40B4-BE49-F238E27FC236}">
-                <a16:creationId xmlns:a16="http://schemas.microsoft.com/office/drawing/2014/main" id="{D7E6BB94-B289-7948-A57F-3D29893E6473}"/>
+                <a16:creationId xmlns:a16="http://schemas.microsoft.com/office/drawing/2014/main" id="{51655B87-2354-6748-AC71-788E566A5025}"/>
               </a:ext>
             </a:extLst>
           </p:cNvPr>
@@ -10750,7 +12306,7 @@
         </p:nvSpPr>
         <p:spPr>
           <a:xfrm>
-            <a:off x="637857" y="1219589"/>
+            <a:off x="1029977" y="1079514"/>
             <a:ext cx="314354" cy="303043"/>
           </a:xfrm>
           <a:prstGeom prst="ellipse">
@@ -10810,10 +12366,10 @@
       </p:sp>
       <p:sp>
         <p:nvSpPr>
-          <p:cNvPr id="895" name="Block Arc 894">
+          <p:cNvPr id="883" name="Block Arc 882">
             <a:extLst>
               <a:ext uri="{FF2B5EF4-FFF2-40B4-BE49-F238E27FC236}">
-                <a16:creationId xmlns:a16="http://schemas.microsoft.com/office/drawing/2014/main" id="{B6F3F1F7-05A4-944E-AC91-3CD8558BDC1C}"/>
+                <a16:creationId xmlns:a16="http://schemas.microsoft.com/office/drawing/2014/main" id="{E8781F1E-01C0-EE42-A75D-9FC1F6E321C4}"/>
               </a:ext>
             </a:extLst>
           </p:cNvPr>
@@ -10822,7 +12378,7 @@
         </p:nvSpPr>
         <p:spPr>
           <a:xfrm rot="20639163">
-            <a:off x="627163" y="1191877"/>
+            <a:off x="1019283" y="1051802"/>
             <a:ext cx="328542" cy="277379"/>
           </a:xfrm>
           <a:prstGeom prst="blockArc">
@@ -10883,10 +12439,10 @@
       </p:sp>
       <p:sp>
         <p:nvSpPr>
-          <p:cNvPr id="896" name="TextBox 895">
+          <p:cNvPr id="884" name="TextBox 883">
             <a:extLst>
               <a:ext uri="{FF2B5EF4-FFF2-40B4-BE49-F238E27FC236}">
-                <a16:creationId xmlns:a16="http://schemas.microsoft.com/office/drawing/2014/main" id="{B2ED10D4-849B-AC48-A353-D171E5D2DE2E}"/>
+                <a16:creationId xmlns:a16="http://schemas.microsoft.com/office/drawing/2014/main" id="{EFAC0B36-AF95-FF4D-BC55-013F2D2DCA17}"/>
               </a:ext>
             </a:extLst>
           </p:cNvPr>
@@ -10895,7 +12451,7 @@
         </p:nvSpPr>
         <p:spPr>
           <a:xfrm>
-            <a:off x="558308" y="1261479"/>
+            <a:off x="950428" y="1121404"/>
             <a:ext cx="467896" cy="215444"/>
           </a:xfrm>
           <a:prstGeom prst="rect">
@@ -10922,10 +12478,10 @@
       </p:sp>
       <p:sp>
         <p:nvSpPr>
-          <p:cNvPr id="897" name="TextBox 896">
+          <p:cNvPr id="885" name="TextBox 884">
             <a:extLst>
               <a:ext uri="{FF2B5EF4-FFF2-40B4-BE49-F238E27FC236}">
-                <a16:creationId xmlns:a16="http://schemas.microsoft.com/office/drawing/2014/main" id="{B3B3C24E-55FF-5443-A8C9-00041CD9A0AE}"/>
+                <a16:creationId xmlns:a16="http://schemas.microsoft.com/office/drawing/2014/main" id="{DC05A1B2-C722-BF4D-84CE-8DF6C920A25D}"/>
               </a:ext>
             </a:extLst>
           </p:cNvPr>
@@ -10934,7 +12490,7 @@
         </p:nvSpPr>
         <p:spPr>
           <a:xfrm>
-            <a:off x="151424" y="1925202"/>
+            <a:off x="543544" y="1785127"/>
             <a:ext cx="1463674" cy="461665"/>
           </a:xfrm>
           <a:prstGeom prst="rect">
@@ -11015,10 +12571,10 @@
       </p:sp>
       <p:grpSp>
         <p:nvGrpSpPr>
-          <p:cNvPr id="898" name="Group 897">
+          <p:cNvPr id="886" name="Group 885">
             <a:extLst>
               <a:ext uri="{FF2B5EF4-FFF2-40B4-BE49-F238E27FC236}">
-                <a16:creationId xmlns:a16="http://schemas.microsoft.com/office/drawing/2014/main" id="{AF507018-2CAA-A44C-AD7E-FEE9DA2661FB}"/>
+                <a16:creationId xmlns:a16="http://schemas.microsoft.com/office/drawing/2014/main" id="{18CCFBDA-ABF6-6647-BE44-9D97CAE7BE94}"/>
               </a:ext>
             </a:extLst>
           </p:cNvPr>
@@ -11027,7 +12583,7 @@
         </p:nvGrpSpPr>
         <p:grpSpPr>
           <a:xfrm>
-            <a:off x="-93806" y="140075"/>
+            <a:off x="298314" y="0"/>
             <a:ext cx="1713259" cy="836743"/>
             <a:chOff x="-280264" y="-29286"/>
             <a:chExt cx="1713259" cy="836743"/>
@@ -11035,10 +12591,10 @@
         </p:grpSpPr>
         <p:grpSp>
           <p:nvGrpSpPr>
-            <p:cNvPr id="899" name="Group 898">
+            <p:cNvPr id="887" name="Group 886">
               <a:extLst>
                 <a:ext uri="{FF2B5EF4-FFF2-40B4-BE49-F238E27FC236}">
-                  <a16:creationId xmlns:a16="http://schemas.microsoft.com/office/drawing/2014/main" id="{6D9CF89A-53B3-5B42-B2E0-DB34A921CAA1}"/>
+                  <a16:creationId xmlns:a16="http://schemas.microsoft.com/office/drawing/2014/main" id="{02B97A7F-C3FC-A542-B982-C9CC44A59AC2}"/>
                 </a:ext>
               </a:extLst>
             </p:cNvPr>
@@ -11055,10 +12611,10 @@
           </p:grpSpPr>
           <p:grpSp>
             <p:nvGrpSpPr>
-              <p:cNvPr id="901" name="Group 900">
+              <p:cNvPr id="889" name="Group 888">
                 <a:extLst>
                   <a:ext uri="{FF2B5EF4-FFF2-40B4-BE49-F238E27FC236}">
-                    <a16:creationId xmlns:a16="http://schemas.microsoft.com/office/drawing/2014/main" id="{1E31DAFC-774F-1D4B-9394-AEEE83DB6C61}"/>
+                    <a16:creationId xmlns:a16="http://schemas.microsoft.com/office/drawing/2014/main" id="{6E3DD15B-3F42-954A-A325-452143C60676}"/>
                   </a:ext>
                 </a:extLst>
               </p:cNvPr>
@@ -11075,10 +12631,10 @@
             </p:grpSpPr>
             <p:sp>
               <p:nvSpPr>
-                <p:cNvPr id="903" name="Oval 902">
+                <p:cNvPr id="891" name="Oval 890">
                   <a:extLst>
                     <a:ext uri="{FF2B5EF4-FFF2-40B4-BE49-F238E27FC236}">
-                      <a16:creationId xmlns:a16="http://schemas.microsoft.com/office/drawing/2014/main" id="{3D5BCFA3-5AC9-A74F-A6CD-B8166E789A63}"/>
+                      <a16:creationId xmlns:a16="http://schemas.microsoft.com/office/drawing/2014/main" id="{2DF07FA2-5655-4C48-BC87-86E9AF9EA941}"/>
                     </a:ext>
                   </a:extLst>
                 </p:cNvPr>
@@ -11147,10 +12703,10 @@
             </p:sp>
             <p:sp>
               <p:nvSpPr>
-                <p:cNvPr id="904" name="Block Arc 903">
+                <p:cNvPr id="892" name="Block Arc 891">
                   <a:extLst>
                     <a:ext uri="{FF2B5EF4-FFF2-40B4-BE49-F238E27FC236}">
-                      <a16:creationId xmlns:a16="http://schemas.microsoft.com/office/drawing/2014/main" id="{BA5249BC-F2C8-E546-83CD-6846469100B2}"/>
+                      <a16:creationId xmlns:a16="http://schemas.microsoft.com/office/drawing/2014/main" id="{A1B995ED-B9E0-7E48-95F3-414747C5725A}"/>
                     </a:ext>
                   </a:extLst>
                 </p:cNvPr>
@@ -11224,10 +12780,10 @@
             </p:sp>
             <p:sp>
               <p:nvSpPr>
-                <p:cNvPr id="905" name="TextBox 904">
+                <p:cNvPr id="1110" name="TextBox 1109">
                   <a:extLst>
                     <a:ext uri="{FF2B5EF4-FFF2-40B4-BE49-F238E27FC236}">
-                      <a16:creationId xmlns:a16="http://schemas.microsoft.com/office/drawing/2014/main" id="{197908C0-6958-AD4F-8643-425068E1876F}"/>
+                      <a16:creationId xmlns:a16="http://schemas.microsoft.com/office/drawing/2014/main" id="{2ACD7688-AB5E-014D-BD0F-CB6106FED83B}"/>
                     </a:ext>
                   </a:extLst>
                 </p:cNvPr>
@@ -11271,10 +12827,10 @@
             </p:sp>
             <p:grpSp>
               <p:nvGrpSpPr>
-                <p:cNvPr id="906" name="Group 905">
+                <p:cNvPr id="1111" name="Group 1110">
                   <a:extLst>
                     <a:ext uri="{FF2B5EF4-FFF2-40B4-BE49-F238E27FC236}">
-                      <a16:creationId xmlns:a16="http://schemas.microsoft.com/office/drawing/2014/main" id="{8343A029-232C-0D47-9C5F-DB45CCBB991B}"/>
+                      <a16:creationId xmlns:a16="http://schemas.microsoft.com/office/drawing/2014/main" id="{F9DD4E8F-80A0-9C48-8740-1377A49B81D3}"/>
                     </a:ext>
                   </a:extLst>
                 </p:cNvPr>
@@ -11291,10 +12847,10 @@
               </p:grpSpPr>
               <p:sp>
                 <p:nvSpPr>
-                  <p:cNvPr id="911" name="Oval 910">
+                  <p:cNvPr id="1116" name="Oval 1115">
                     <a:extLst>
                       <a:ext uri="{FF2B5EF4-FFF2-40B4-BE49-F238E27FC236}">
-                        <a16:creationId xmlns:a16="http://schemas.microsoft.com/office/drawing/2014/main" id="{4189B2BA-C878-DD4F-84AD-9FDFD360F64A}"/>
+                        <a16:creationId xmlns:a16="http://schemas.microsoft.com/office/drawing/2014/main" id="{B38BDC5E-44E3-AC46-BC11-452DCF1DFC50}"/>
                       </a:ext>
                     </a:extLst>
                   </p:cNvPr>
@@ -11363,10 +12919,10 @@
               </p:sp>
               <p:sp>
                 <p:nvSpPr>
-                  <p:cNvPr id="912" name="Block Arc 911">
+                  <p:cNvPr id="1117" name="Block Arc 1116">
                     <a:extLst>
                       <a:ext uri="{FF2B5EF4-FFF2-40B4-BE49-F238E27FC236}">
-                        <a16:creationId xmlns:a16="http://schemas.microsoft.com/office/drawing/2014/main" id="{14870938-CB76-5642-9F05-8F97CC8ADA83}"/>
+                        <a16:creationId xmlns:a16="http://schemas.microsoft.com/office/drawing/2014/main" id="{50948252-886A-7845-9CA0-270514323470}"/>
                       </a:ext>
                     </a:extLst>
                   </p:cNvPr>
@@ -11440,10 +12996,10 @@
               </p:sp>
               <p:sp>
                 <p:nvSpPr>
-                  <p:cNvPr id="913" name="TextBox 912">
+                  <p:cNvPr id="1118" name="TextBox 1117">
                     <a:extLst>
                       <a:ext uri="{FF2B5EF4-FFF2-40B4-BE49-F238E27FC236}">
-                        <a16:creationId xmlns:a16="http://schemas.microsoft.com/office/drawing/2014/main" id="{6E313ED4-1699-C749-A2BC-17B4D81B0189}"/>
+                        <a16:creationId xmlns:a16="http://schemas.microsoft.com/office/drawing/2014/main" id="{26E2D0FC-7847-A842-9C97-3D8A8489E1FD}"/>
                       </a:ext>
                     </a:extLst>
                   </p:cNvPr>
@@ -11479,10 +13035,10 @@
             </p:grpSp>
             <p:grpSp>
               <p:nvGrpSpPr>
-                <p:cNvPr id="907" name="Group 906">
+                <p:cNvPr id="1112" name="Group 1111">
                   <a:extLst>
                     <a:ext uri="{FF2B5EF4-FFF2-40B4-BE49-F238E27FC236}">
-                      <a16:creationId xmlns:a16="http://schemas.microsoft.com/office/drawing/2014/main" id="{C2C26A94-5A93-3448-8901-11A538EEDD6D}"/>
+                      <a16:creationId xmlns:a16="http://schemas.microsoft.com/office/drawing/2014/main" id="{C68860AA-37BA-D847-93D5-BDEDD50E6675}"/>
                     </a:ext>
                   </a:extLst>
                 </p:cNvPr>
@@ -11499,10 +13055,10 @@
               </p:grpSpPr>
               <p:sp>
                 <p:nvSpPr>
-                  <p:cNvPr id="908" name="Oval 907">
+                  <p:cNvPr id="1113" name="Oval 1112">
                     <a:extLst>
                       <a:ext uri="{FF2B5EF4-FFF2-40B4-BE49-F238E27FC236}">
-                        <a16:creationId xmlns:a16="http://schemas.microsoft.com/office/drawing/2014/main" id="{0666E5A9-CC7A-504F-B2D1-211E2510E8F0}"/>
+                        <a16:creationId xmlns:a16="http://schemas.microsoft.com/office/drawing/2014/main" id="{4EE4C860-5423-484D-852E-B528EB43F605}"/>
                       </a:ext>
                     </a:extLst>
                   </p:cNvPr>
@@ -11571,10 +13127,10 @@
               </p:sp>
               <p:sp>
                 <p:nvSpPr>
-                  <p:cNvPr id="909" name="Block Arc 908">
+                  <p:cNvPr id="1114" name="Block Arc 1113">
                     <a:extLst>
                       <a:ext uri="{FF2B5EF4-FFF2-40B4-BE49-F238E27FC236}">
-                        <a16:creationId xmlns:a16="http://schemas.microsoft.com/office/drawing/2014/main" id="{F0601A68-255A-9748-A5E6-310B5899437C}"/>
+                        <a16:creationId xmlns:a16="http://schemas.microsoft.com/office/drawing/2014/main" id="{3C505C34-5C3F-5246-9760-240269D2998C}"/>
                       </a:ext>
                     </a:extLst>
                   </p:cNvPr>
@@ -11648,10 +13204,10 @@
               </p:sp>
               <p:sp>
                 <p:nvSpPr>
-                  <p:cNvPr id="910" name="TextBox 909">
+                  <p:cNvPr id="1115" name="TextBox 1114">
                     <a:extLst>
                       <a:ext uri="{FF2B5EF4-FFF2-40B4-BE49-F238E27FC236}">
-                        <a16:creationId xmlns:a16="http://schemas.microsoft.com/office/drawing/2014/main" id="{05D4D97C-B355-054D-8792-67008B2A2BF2}"/>
+                        <a16:creationId xmlns:a16="http://schemas.microsoft.com/office/drawing/2014/main" id="{3D48FF93-30B6-9145-B3D9-107B060780B9}"/>
                       </a:ext>
                     </a:extLst>
                   </p:cNvPr>
@@ -11688,10 +13244,10 @@
           </p:grpSp>
           <p:sp>
             <p:nvSpPr>
-              <p:cNvPr id="902" name="Left Brace 901">
+              <p:cNvPr id="890" name="Left Brace 889">
                 <a:extLst>
                   <a:ext uri="{FF2B5EF4-FFF2-40B4-BE49-F238E27FC236}">
-                    <a16:creationId xmlns:a16="http://schemas.microsoft.com/office/drawing/2014/main" id="{0D6F1B74-0511-7F40-9F4D-E9E517B8975C}"/>
+                    <a16:creationId xmlns:a16="http://schemas.microsoft.com/office/drawing/2014/main" id="{9A8BA8FE-A575-B846-9EB0-8875DF2F9651}"/>
                   </a:ext>
                 </a:extLst>
               </p:cNvPr>
@@ -11741,10 +13297,10 @@
         </p:grpSp>
         <p:sp>
           <p:nvSpPr>
-            <p:cNvPr id="900" name="TextBox 899">
+            <p:cNvPr id="888" name="TextBox 887">
               <a:extLst>
                 <a:ext uri="{FF2B5EF4-FFF2-40B4-BE49-F238E27FC236}">
-                  <a16:creationId xmlns:a16="http://schemas.microsoft.com/office/drawing/2014/main" id="{880625DD-546F-CB4A-8E89-FDA28B68DE4C}"/>
+                  <a16:creationId xmlns:a16="http://schemas.microsoft.com/office/drawing/2014/main" id="{6D76384F-0891-BC45-A83E-3A03479758F9}"/>
                 </a:ext>
               </a:extLst>
             </p:cNvPr>
@@ -11813,10 +13369,10 @@
       </p:grpSp>
       <p:sp>
         <p:nvSpPr>
-          <p:cNvPr id="914" name="TextBox 913">
+          <p:cNvPr id="1119" name="TextBox 1118">
             <a:extLst>
               <a:ext uri="{FF2B5EF4-FFF2-40B4-BE49-F238E27FC236}">
-                <a16:creationId xmlns:a16="http://schemas.microsoft.com/office/drawing/2014/main" id="{B87831C3-30F2-A144-87E8-365F5A813B16}"/>
+                <a16:creationId xmlns:a16="http://schemas.microsoft.com/office/drawing/2014/main" id="{EFC4F714-E283-964D-A653-0F83B6043AA1}"/>
               </a:ext>
             </a:extLst>
           </p:cNvPr>
@@ -11825,7 +13381,7 @@
         </p:nvSpPr>
         <p:spPr>
           <a:xfrm>
-            <a:off x="77766" y="1029247"/>
+            <a:off x="469886" y="889172"/>
             <a:ext cx="628415" cy="707886"/>
           </a:xfrm>
           <a:prstGeom prst="rect">
@@ -11857,10 +13413,10 @@
       </p:sp>
       <p:sp>
         <p:nvSpPr>
-          <p:cNvPr id="915" name="Down Arrow 914">
+          <p:cNvPr id="1120" name="Down Arrow 1119">
             <a:extLst>
               <a:ext uri="{FF2B5EF4-FFF2-40B4-BE49-F238E27FC236}">
-                <a16:creationId xmlns:a16="http://schemas.microsoft.com/office/drawing/2014/main" id="{2C6F11CB-2DDA-7047-B18F-9542C784051C}"/>
+                <a16:creationId xmlns:a16="http://schemas.microsoft.com/office/drawing/2014/main" id="{710E0D16-8F99-204B-97C7-D0A0CC1B7B1B}"/>
               </a:ext>
             </a:extLst>
           </p:cNvPr>
@@ -11869,7 +13425,7 @@
         </p:nvSpPr>
         <p:spPr>
           <a:xfrm rot="15451264">
-            <a:off x="965780" y="1232719"/>
+            <a:off x="1357900" y="1092644"/>
             <a:ext cx="237744" cy="182281"/>
           </a:xfrm>
           <a:prstGeom prst="downArrow">
@@ -12031,10 +13587,10 @@
       </p:sp>
       <p:sp>
         <p:nvSpPr>
-          <p:cNvPr id="916" name="Down Arrow 915">
+          <p:cNvPr id="1121" name="Down Arrow 1120">
             <a:extLst>
               <a:ext uri="{FF2B5EF4-FFF2-40B4-BE49-F238E27FC236}">
-                <a16:creationId xmlns:a16="http://schemas.microsoft.com/office/drawing/2014/main" id="{9DAAF228-D57A-9748-B1C2-3602DEBA7809}"/>
+                <a16:creationId xmlns:a16="http://schemas.microsoft.com/office/drawing/2014/main" id="{44C72C97-A937-954D-80EA-D94BCDA36223}"/>
               </a:ext>
             </a:extLst>
           </p:cNvPr>
@@ -12043,7 +13599,7 @@
         </p:nvSpPr>
         <p:spPr>
           <a:xfrm rot="17766186">
-            <a:off x="936453" y="787613"/>
+            <a:off x="1328573" y="647538"/>
             <a:ext cx="237744" cy="468508"/>
           </a:xfrm>
           <a:prstGeom prst="downArrow">
@@ -12205,10 +13761,10 @@
       </p:sp>
       <p:grpSp>
         <p:nvGrpSpPr>
-          <p:cNvPr id="917" name="Group 916">
+          <p:cNvPr id="1122" name="Group 1121">
             <a:extLst>
               <a:ext uri="{FF2B5EF4-FFF2-40B4-BE49-F238E27FC236}">
-                <a16:creationId xmlns:a16="http://schemas.microsoft.com/office/drawing/2014/main" id="{A180F65A-0F0E-3240-88CB-EA4BE703B302}"/>
+                <a16:creationId xmlns:a16="http://schemas.microsoft.com/office/drawing/2014/main" id="{0801F8E1-84B2-4845-983E-B151D25A4287}"/>
               </a:ext>
             </a:extLst>
           </p:cNvPr>
@@ -12217,7 +13773,7 @@
         </p:nvGrpSpPr>
         <p:grpSpPr>
           <a:xfrm>
-            <a:off x="2193239" y="1442888"/>
+            <a:off x="2585359" y="1302813"/>
             <a:ext cx="358340" cy="401447"/>
             <a:chOff x="2159169" y="1429497"/>
             <a:chExt cx="358340" cy="401447"/>
@@ -12225,10 +13781,10 @@
         </p:grpSpPr>
         <p:sp>
           <p:nvSpPr>
-            <p:cNvPr id="918" name="Oval 917">
+            <p:cNvPr id="1123" name="Oval 1122">
               <a:extLst>
                 <a:ext uri="{FF2B5EF4-FFF2-40B4-BE49-F238E27FC236}">
-                  <a16:creationId xmlns:a16="http://schemas.microsoft.com/office/drawing/2014/main" id="{BAF19A4A-D4AF-BD44-8EF1-438D74C61CF4}"/>
+                  <a16:creationId xmlns:a16="http://schemas.microsoft.com/office/drawing/2014/main" id="{36910BB8-80B8-864F-82FF-A235CFBE6EA5}"/>
                 </a:ext>
               </a:extLst>
             </p:cNvPr>
@@ -12280,10 +13836,10 @@
         </p:sp>
         <p:grpSp>
           <p:nvGrpSpPr>
-            <p:cNvPr id="919" name="Group 918">
+            <p:cNvPr id="1124" name="Group 1123">
               <a:extLst>
                 <a:ext uri="{FF2B5EF4-FFF2-40B4-BE49-F238E27FC236}">
-                  <a16:creationId xmlns:a16="http://schemas.microsoft.com/office/drawing/2014/main" id="{04535749-0189-9040-B3C5-BDE5701690E0}"/>
+                  <a16:creationId xmlns:a16="http://schemas.microsoft.com/office/drawing/2014/main" id="{79031317-D989-284B-A7CD-DE5D600BEDA5}"/>
                 </a:ext>
               </a:extLst>
             </p:cNvPr>
@@ -12303,10 +13859,10 @@
           </p:grpSpPr>
           <p:sp>
             <p:nvSpPr>
-              <p:cNvPr id="951" name="Rectangle 950">
+              <p:cNvPr id="1156" name="Rectangle 1155">
                 <a:extLst>
                   <a:ext uri="{FF2B5EF4-FFF2-40B4-BE49-F238E27FC236}">
-                    <a16:creationId xmlns:a16="http://schemas.microsoft.com/office/drawing/2014/main" id="{120980AD-8984-AE41-AA5E-043D5791805D}"/>
+                    <a16:creationId xmlns:a16="http://schemas.microsoft.com/office/drawing/2014/main" id="{0E0DF44D-5282-DB45-90CD-C04913C320A0}"/>
                   </a:ext>
                 </a:extLst>
               </p:cNvPr>
@@ -12360,10 +13916,10 @@
           </p:sp>
           <p:sp>
             <p:nvSpPr>
-              <p:cNvPr id="952" name="Oval 951">
+              <p:cNvPr id="1157" name="Oval 1156">
                 <a:extLst>
                   <a:ext uri="{FF2B5EF4-FFF2-40B4-BE49-F238E27FC236}">
-                    <a16:creationId xmlns:a16="http://schemas.microsoft.com/office/drawing/2014/main" id="{1D2291AE-9587-6640-AEE9-E58949B0C05F}"/>
+                    <a16:creationId xmlns:a16="http://schemas.microsoft.com/office/drawing/2014/main" id="{BC08C3E6-E680-CD44-969B-A6AEF8FB5473}"/>
                   </a:ext>
                 </a:extLst>
               </p:cNvPr>
@@ -12417,10 +13973,10 @@
           </p:sp>
           <p:sp>
             <p:nvSpPr>
-              <p:cNvPr id="953" name="Oval 952">
+              <p:cNvPr id="1158" name="Oval 1157">
                 <a:extLst>
                   <a:ext uri="{FF2B5EF4-FFF2-40B4-BE49-F238E27FC236}">
-                    <a16:creationId xmlns:a16="http://schemas.microsoft.com/office/drawing/2014/main" id="{17E23D88-E4E1-7E4D-AE37-F7B791DE04E0}"/>
+                    <a16:creationId xmlns:a16="http://schemas.microsoft.com/office/drawing/2014/main" id="{AE24D66E-C8A7-AF41-B36A-94E05F53A8EC}"/>
                   </a:ext>
                 </a:extLst>
               </p:cNvPr>
@@ -12474,10 +14030,10 @@
           </p:sp>
           <p:sp>
             <p:nvSpPr>
-              <p:cNvPr id="954" name="Oval 953">
+              <p:cNvPr id="1159" name="Oval 1158">
                 <a:extLst>
                   <a:ext uri="{FF2B5EF4-FFF2-40B4-BE49-F238E27FC236}">
-                    <a16:creationId xmlns:a16="http://schemas.microsoft.com/office/drawing/2014/main" id="{372C0FE8-25CF-2E45-A6D6-33D03EF665CC}"/>
+                    <a16:creationId xmlns:a16="http://schemas.microsoft.com/office/drawing/2014/main" id="{603C1382-6DFC-5D47-96E1-52182CB74DE3}"/>
                   </a:ext>
                 </a:extLst>
               </p:cNvPr>
@@ -12532,10 +14088,10 @@
         </p:grpSp>
         <p:grpSp>
           <p:nvGrpSpPr>
-            <p:cNvPr id="920" name="Group 919">
+            <p:cNvPr id="1125" name="Group 1124">
               <a:extLst>
                 <a:ext uri="{FF2B5EF4-FFF2-40B4-BE49-F238E27FC236}">
-                  <a16:creationId xmlns:a16="http://schemas.microsoft.com/office/drawing/2014/main" id="{6F96A052-A1C6-E740-A26C-A42F091EBD97}"/>
+                  <a16:creationId xmlns:a16="http://schemas.microsoft.com/office/drawing/2014/main" id="{B8C2D1CE-D7D5-7B4A-BBB7-80C1A2E98ACF}"/>
                 </a:ext>
               </a:extLst>
             </p:cNvPr>
@@ -12555,10 +14111,10 @@
           </p:grpSpPr>
           <p:sp>
             <p:nvSpPr>
-              <p:cNvPr id="947" name="Rectangle 946">
+              <p:cNvPr id="1152" name="Rectangle 1151">
                 <a:extLst>
                   <a:ext uri="{FF2B5EF4-FFF2-40B4-BE49-F238E27FC236}">
-                    <a16:creationId xmlns:a16="http://schemas.microsoft.com/office/drawing/2014/main" id="{13D744ED-E6D5-894C-9F10-B97AB3209DAF}"/>
+                    <a16:creationId xmlns:a16="http://schemas.microsoft.com/office/drawing/2014/main" id="{05CF3D2F-3262-EB4F-AADD-76EF06BEE815}"/>
                   </a:ext>
                 </a:extLst>
               </p:cNvPr>
@@ -12612,10 +14168,10 @@
           </p:sp>
           <p:sp>
             <p:nvSpPr>
-              <p:cNvPr id="948" name="Oval 947">
+              <p:cNvPr id="1153" name="Oval 1152">
                 <a:extLst>
                   <a:ext uri="{FF2B5EF4-FFF2-40B4-BE49-F238E27FC236}">
-                    <a16:creationId xmlns:a16="http://schemas.microsoft.com/office/drawing/2014/main" id="{EAF465CB-6236-9D41-B241-1BD1DCF79A8B}"/>
+                    <a16:creationId xmlns:a16="http://schemas.microsoft.com/office/drawing/2014/main" id="{57336CB7-F1C4-E64B-B486-1A62032B3DB5}"/>
                   </a:ext>
                 </a:extLst>
               </p:cNvPr>
@@ -12669,10 +14225,10 @@
           </p:sp>
           <p:sp>
             <p:nvSpPr>
-              <p:cNvPr id="949" name="Oval 948">
+              <p:cNvPr id="1154" name="Oval 1153">
                 <a:extLst>
                   <a:ext uri="{FF2B5EF4-FFF2-40B4-BE49-F238E27FC236}">
-                    <a16:creationId xmlns:a16="http://schemas.microsoft.com/office/drawing/2014/main" id="{7AE689BA-13B2-AD49-8786-894104BDE4C3}"/>
+                    <a16:creationId xmlns:a16="http://schemas.microsoft.com/office/drawing/2014/main" id="{261B7533-CA74-FB4C-A3E1-4831C9935C7B}"/>
                   </a:ext>
                 </a:extLst>
               </p:cNvPr>
@@ -12726,10 +14282,10 @@
           </p:sp>
           <p:sp>
             <p:nvSpPr>
-              <p:cNvPr id="950" name="Oval 949">
+              <p:cNvPr id="1155" name="Oval 1154">
                 <a:extLst>
                   <a:ext uri="{FF2B5EF4-FFF2-40B4-BE49-F238E27FC236}">
-                    <a16:creationId xmlns:a16="http://schemas.microsoft.com/office/drawing/2014/main" id="{4B9D943B-C80A-244B-978E-48AFEA091F22}"/>
+                    <a16:creationId xmlns:a16="http://schemas.microsoft.com/office/drawing/2014/main" id="{44F73D31-EBF8-A845-A533-CA0C47C1A040}"/>
                   </a:ext>
                 </a:extLst>
               </p:cNvPr>
@@ -12784,10 +14340,10 @@
         </p:grpSp>
         <p:grpSp>
           <p:nvGrpSpPr>
-            <p:cNvPr id="921" name="Group 920">
+            <p:cNvPr id="1126" name="Group 1125">
               <a:extLst>
                 <a:ext uri="{FF2B5EF4-FFF2-40B4-BE49-F238E27FC236}">
-                  <a16:creationId xmlns:a16="http://schemas.microsoft.com/office/drawing/2014/main" id="{F7920F82-2E52-8E49-85FD-115E7FC60AC9}"/>
+                  <a16:creationId xmlns:a16="http://schemas.microsoft.com/office/drawing/2014/main" id="{F42441D2-BC6F-764B-BEE5-78D1048470D0}"/>
                 </a:ext>
               </a:extLst>
             </p:cNvPr>
@@ -12807,10 +14363,10 @@
           </p:grpSpPr>
           <p:sp>
             <p:nvSpPr>
-              <p:cNvPr id="943" name="Rectangle 942">
+              <p:cNvPr id="1148" name="Rectangle 1147">
                 <a:extLst>
                   <a:ext uri="{FF2B5EF4-FFF2-40B4-BE49-F238E27FC236}">
-                    <a16:creationId xmlns:a16="http://schemas.microsoft.com/office/drawing/2014/main" id="{46BB1687-2FDC-7448-9676-777140D8E91B}"/>
+                    <a16:creationId xmlns:a16="http://schemas.microsoft.com/office/drawing/2014/main" id="{854A4C6E-53A0-A94D-BC42-339AF01D136B}"/>
                   </a:ext>
                 </a:extLst>
               </p:cNvPr>
@@ -12864,10 +14420,10 @@
           </p:sp>
           <p:sp>
             <p:nvSpPr>
-              <p:cNvPr id="944" name="Oval 943">
+              <p:cNvPr id="1149" name="Oval 1148">
                 <a:extLst>
                   <a:ext uri="{FF2B5EF4-FFF2-40B4-BE49-F238E27FC236}">
-                    <a16:creationId xmlns:a16="http://schemas.microsoft.com/office/drawing/2014/main" id="{37F35963-0B85-EF4C-AC16-8FAFF4EE57BF}"/>
+                    <a16:creationId xmlns:a16="http://schemas.microsoft.com/office/drawing/2014/main" id="{AAEA027E-7E1F-354C-9EE8-A1B11CC584C5}"/>
                   </a:ext>
                 </a:extLst>
               </p:cNvPr>
@@ -12921,10 +14477,10 @@
           </p:sp>
           <p:sp>
             <p:nvSpPr>
-              <p:cNvPr id="945" name="Oval 944">
+              <p:cNvPr id="1150" name="Oval 1149">
                 <a:extLst>
                   <a:ext uri="{FF2B5EF4-FFF2-40B4-BE49-F238E27FC236}">
-                    <a16:creationId xmlns:a16="http://schemas.microsoft.com/office/drawing/2014/main" id="{2FE77958-EFA5-CD4E-A0F9-2EEAB8148C7F}"/>
+                    <a16:creationId xmlns:a16="http://schemas.microsoft.com/office/drawing/2014/main" id="{290CA8B9-6D7A-9C48-B176-D1D50C1D583C}"/>
                   </a:ext>
                 </a:extLst>
               </p:cNvPr>
@@ -12978,10 +14534,10 @@
           </p:sp>
           <p:sp>
             <p:nvSpPr>
-              <p:cNvPr id="946" name="Oval 945">
+              <p:cNvPr id="1151" name="Oval 1150">
                 <a:extLst>
                   <a:ext uri="{FF2B5EF4-FFF2-40B4-BE49-F238E27FC236}">
-                    <a16:creationId xmlns:a16="http://schemas.microsoft.com/office/drawing/2014/main" id="{E91C8F72-9167-5947-BFD3-2D372B1D009E}"/>
+                    <a16:creationId xmlns:a16="http://schemas.microsoft.com/office/drawing/2014/main" id="{8413CA92-DEA3-E448-93A3-C677C6F2EC96}"/>
                   </a:ext>
                 </a:extLst>
               </p:cNvPr>
@@ -13036,10 +14592,10 @@
         </p:grpSp>
         <p:grpSp>
           <p:nvGrpSpPr>
-            <p:cNvPr id="922" name="Group 921">
+            <p:cNvPr id="1127" name="Group 1126">
               <a:extLst>
                 <a:ext uri="{FF2B5EF4-FFF2-40B4-BE49-F238E27FC236}">
-                  <a16:creationId xmlns:a16="http://schemas.microsoft.com/office/drawing/2014/main" id="{F1A380C3-77F0-4C43-BF1E-7BC858AC90CB}"/>
+                  <a16:creationId xmlns:a16="http://schemas.microsoft.com/office/drawing/2014/main" id="{CBD26C54-8D30-594F-B520-F07BCB915314}"/>
                 </a:ext>
               </a:extLst>
             </p:cNvPr>
@@ -13059,10 +14615,10 @@
           </p:grpSpPr>
           <p:sp>
             <p:nvSpPr>
-              <p:cNvPr id="939" name="Rectangle 938">
+              <p:cNvPr id="1144" name="Rectangle 1143">
                 <a:extLst>
                   <a:ext uri="{FF2B5EF4-FFF2-40B4-BE49-F238E27FC236}">
-                    <a16:creationId xmlns:a16="http://schemas.microsoft.com/office/drawing/2014/main" id="{0F921ABE-8A3C-FC4F-82A1-69C45C16DB0D}"/>
+                    <a16:creationId xmlns:a16="http://schemas.microsoft.com/office/drawing/2014/main" id="{46342600-E096-C543-8CE4-A49167FDCCD4}"/>
                   </a:ext>
                 </a:extLst>
               </p:cNvPr>
@@ -13116,10 +14672,10 @@
           </p:sp>
           <p:sp>
             <p:nvSpPr>
-              <p:cNvPr id="940" name="Oval 939">
+              <p:cNvPr id="1145" name="Oval 1144">
                 <a:extLst>
                   <a:ext uri="{FF2B5EF4-FFF2-40B4-BE49-F238E27FC236}">
-                    <a16:creationId xmlns:a16="http://schemas.microsoft.com/office/drawing/2014/main" id="{2981BC4C-3B49-624E-9837-81DF47A5172F}"/>
+                    <a16:creationId xmlns:a16="http://schemas.microsoft.com/office/drawing/2014/main" id="{5665FCA8-A4F8-A940-A1CD-AB62DD1FCCA0}"/>
                   </a:ext>
                 </a:extLst>
               </p:cNvPr>
@@ -13173,10 +14729,10 @@
           </p:sp>
           <p:sp>
             <p:nvSpPr>
-              <p:cNvPr id="941" name="Oval 940">
+              <p:cNvPr id="1146" name="Oval 1145">
                 <a:extLst>
                   <a:ext uri="{FF2B5EF4-FFF2-40B4-BE49-F238E27FC236}">
-                    <a16:creationId xmlns:a16="http://schemas.microsoft.com/office/drawing/2014/main" id="{A78A9AC0-073F-5F4C-8694-DAB9816D11C0}"/>
+                    <a16:creationId xmlns:a16="http://schemas.microsoft.com/office/drawing/2014/main" id="{DE544722-6136-D84B-84EA-13C39B196750}"/>
                   </a:ext>
                 </a:extLst>
               </p:cNvPr>
@@ -13230,10 +14786,10 @@
           </p:sp>
           <p:sp>
             <p:nvSpPr>
-              <p:cNvPr id="942" name="Oval 941">
+              <p:cNvPr id="1147" name="Oval 1146">
                 <a:extLst>
                   <a:ext uri="{FF2B5EF4-FFF2-40B4-BE49-F238E27FC236}">
-                    <a16:creationId xmlns:a16="http://schemas.microsoft.com/office/drawing/2014/main" id="{62546EF0-478B-384F-AF16-01EBD0867797}"/>
+                    <a16:creationId xmlns:a16="http://schemas.microsoft.com/office/drawing/2014/main" id="{C559731F-B644-CB4C-9792-98CF52018F23}"/>
                   </a:ext>
                 </a:extLst>
               </p:cNvPr>
@@ -13288,10 +14844,10 @@
         </p:grpSp>
         <p:grpSp>
           <p:nvGrpSpPr>
-            <p:cNvPr id="923" name="Group 922">
+            <p:cNvPr id="1128" name="Group 1127">
               <a:extLst>
                 <a:ext uri="{FF2B5EF4-FFF2-40B4-BE49-F238E27FC236}">
-                  <a16:creationId xmlns:a16="http://schemas.microsoft.com/office/drawing/2014/main" id="{DC0D34BC-59E8-004A-8E49-3F45902FDFF1}"/>
+                  <a16:creationId xmlns:a16="http://schemas.microsoft.com/office/drawing/2014/main" id="{E05274CF-88F5-774B-84C5-44165467BB23}"/>
                 </a:ext>
               </a:extLst>
             </p:cNvPr>
@@ -13311,10 +14867,10 @@
           </p:grpSpPr>
           <p:sp>
             <p:nvSpPr>
-              <p:cNvPr id="935" name="Rectangle 934">
+              <p:cNvPr id="1140" name="Rectangle 1139">
                 <a:extLst>
                   <a:ext uri="{FF2B5EF4-FFF2-40B4-BE49-F238E27FC236}">
-                    <a16:creationId xmlns:a16="http://schemas.microsoft.com/office/drawing/2014/main" id="{0D7AF669-4270-2945-BC4A-2EA9DA814FC9}"/>
+                    <a16:creationId xmlns:a16="http://schemas.microsoft.com/office/drawing/2014/main" id="{DB2499A1-F2CB-8246-B4B1-F65B7F0E5273}"/>
                   </a:ext>
                 </a:extLst>
               </p:cNvPr>
@@ -13368,10 +14924,10 @@
           </p:sp>
           <p:sp>
             <p:nvSpPr>
-              <p:cNvPr id="936" name="Oval 935">
+              <p:cNvPr id="1141" name="Oval 1140">
                 <a:extLst>
                   <a:ext uri="{FF2B5EF4-FFF2-40B4-BE49-F238E27FC236}">
-                    <a16:creationId xmlns:a16="http://schemas.microsoft.com/office/drawing/2014/main" id="{671B0D82-58C1-5043-87F4-4665485850CD}"/>
+                    <a16:creationId xmlns:a16="http://schemas.microsoft.com/office/drawing/2014/main" id="{88AF9E02-0E37-6B48-AAD7-0DAF5BDE61D7}"/>
                   </a:ext>
                 </a:extLst>
               </p:cNvPr>
@@ -13425,10 +14981,10 @@
           </p:sp>
           <p:sp>
             <p:nvSpPr>
-              <p:cNvPr id="937" name="Oval 936">
+              <p:cNvPr id="1142" name="Oval 1141">
                 <a:extLst>
                   <a:ext uri="{FF2B5EF4-FFF2-40B4-BE49-F238E27FC236}">
-                    <a16:creationId xmlns:a16="http://schemas.microsoft.com/office/drawing/2014/main" id="{9EECACAA-D866-B04D-8F6E-5B3F36525B6F}"/>
+                    <a16:creationId xmlns:a16="http://schemas.microsoft.com/office/drawing/2014/main" id="{A35F9544-EA5F-6F42-BDED-C7818666D914}"/>
                   </a:ext>
                 </a:extLst>
               </p:cNvPr>
@@ -13482,10 +15038,10 @@
           </p:sp>
           <p:sp>
             <p:nvSpPr>
-              <p:cNvPr id="938" name="Oval 937">
+              <p:cNvPr id="1143" name="Oval 1142">
                 <a:extLst>
                   <a:ext uri="{FF2B5EF4-FFF2-40B4-BE49-F238E27FC236}">
-                    <a16:creationId xmlns:a16="http://schemas.microsoft.com/office/drawing/2014/main" id="{67904F95-1669-D747-9F0E-179D3520C0A0}"/>
+                    <a16:creationId xmlns:a16="http://schemas.microsoft.com/office/drawing/2014/main" id="{5787D217-3790-1B4D-B527-354A20899C0A}"/>
                   </a:ext>
                 </a:extLst>
               </p:cNvPr>
@@ -13540,10 +15096,10 @@
         </p:grpSp>
         <p:grpSp>
           <p:nvGrpSpPr>
-            <p:cNvPr id="924" name="Group 923">
+            <p:cNvPr id="1129" name="Group 1128">
               <a:extLst>
                 <a:ext uri="{FF2B5EF4-FFF2-40B4-BE49-F238E27FC236}">
-                  <a16:creationId xmlns:a16="http://schemas.microsoft.com/office/drawing/2014/main" id="{E17BC4F3-8739-574A-9169-926F0A8FB3C3}"/>
+                  <a16:creationId xmlns:a16="http://schemas.microsoft.com/office/drawing/2014/main" id="{82558811-B883-9E48-88DE-B090821D6D80}"/>
                 </a:ext>
               </a:extLst>
             </p:cNvPr>
@@ -13563,10 +15119,10 @@
           </p:grpSpPr>
           <p:sp>
             <p:nvSpPr>
-              <p:cNvPr id="931" name="Rectangle 930">
+              <p:cNvPr id="1136" name="Rectangle 1135">
                 <a:extLst>
                   <a:ext uri="{FF2B5EF4-FFF2-40B4-BE49-F238E27FC236}">
-                    <a16:creationId xmlns:a16="http://schemas.microsoft.com/office/drawing/2014/main" id="{FC84D302-C048-8B4B-9644-1AF98ABEC856}"/>
+                    <a16:creationId xmlns:a16="http://schemas.microsoft.com/office/drawing/2014/main" id="{D623B5A0-58BC-9841-BFA8-ED4831606FC4}"/>
                   </a:ext>
                 </a:extLst>
               </p:cNvPr>
@@ -13620,10 +15176,10 @@
           </p:sp>
           <p:sp>
             <p:nvSpPr>
-              <p:cNvPr id="932" name="Oval 931">
+              <p:cNvPr id="1137" name="Oval 1136">
                 <a:extLst>
                   <a:ext uri="{FF2B5EF4-FFF2-40B4-BE49-F238E27FC236}">
-                    <a16:creationId xmlns:a16="http://schemas.microsoft.com/office/drawing/2014/main" id="{97313A4C-2667-2E45-BC51-7B661B8DE517}"/>
+                    <a16:creationId xmlns:a16="http://schemas.microsoft.com/office/drawing/2014/main" id="{47A81696-EAC0-4D4E-B567-B12E959397C8}"/>
                   </a:ext>
                 </a:extLst>
               </p:cNvPr>
@@ -13677,10 +15233,10 @@
           </p:sp>
           <p:sp>
             <p:nvSpPr>
-              <p:cNvPr id="933" name="Oval 932">
+              <p:cNvPr id="1138" name="Oval 1137">
                 <a:extLst>
                   <a:ext uri="{FF2B5EF4-FFF2-40B4-BE49-F238E27FC236}">
-                    <a16:creationId xmlns:a16="http://schemas.microsoft.com/office/drawing/2014/main" id="{CADE1D9C-D1EA-3C44-AB17-E9C48F763ED4}"/>
+                    <a16:creationId xmlns:a16="http://schemas.microsoft.com/office/drawing/2014/main" id="{1B1CCF86-1863-D649-AD84-FD9E3FBADD99}"/>
                   </a:ext>
                 </a:extLst>
               </p:cNvPr>
@@ -13734,10 +15290,10 @@
           </p:sp>
           <p:sp>
             <p:nvSpPr>
-              <p:cNvPr id="934" name="Oval 933">
+              <p:cNvPr id="1139" name="Oval 1138">
                 <a:extLst>
                   <a:ext uri="{FF2B5EF4-FFF2-40B4-BE49-F238E27FC236}">
-                    <a16:creationId xmlns:a16="http://schemas.microsoft.com/office/drawing/2014/main" id="{64BB3769-DB2E-4042-A183-64365E2E76BA}"/>
+                    <a16:creationId xmlns:a16="http://schemas.microsoft.com/office/drawing/2014/main" id="{C708A600-F9EA-CF45-AA1D-81109278BD47}"/>
                   </a:ext>
                 </a:extLst>
               </p:cNvPr>
@@ -13792,10 +15348,10 @@
         </p:grpSp>
         <p:sp>
           <p:nvSpPr>
-            <p:cNvPr id="925" name="Freeform 924">
+            <p:cNvPr id="1130" name="Freeform 1129">
               <a:extLst>
                 <a:ext uri="{FF2B5EF4-FFF2-40B4-BE49-F238E27FC236}">
-                  <a16:creationId xmlns:a16="http://schemas.microsoft.com/office/drawing/2014/main" id="{3B584104-115C-594F-9A5A-39089BFC24F8}"/>
+                  <a16:creationId xmlns:a16="http://schemas.microsoft.com/office/drawing/2014/main" id="{EDFDD856-AB9B-704B-B179-7116C525A724}"/>
                 </a:ext>
               </a:extLst>
             </p:cNvPr>
@@ -14042,10 +15598,10 @@
         </p:sp>
         <p:cxnSp>
           <p:nvCxnSpPr>
-            <p:cNvPr id="926" name="Straight Connector 925">
+            <p:cNvPr id="1131" name="Straight Connector 1130">
               <a:extLst>
                 <a:ext uri="{FF2B5EF4-FFF2-40B4-BE49-F238E27FC236}">
-                  <a16:creationId xmlns:a16="http://schemas.microsoft.com/office/drawing/2014/main" id="{3C8145C1-2365-E341-ABFA-1C4BF0CA84F0}"/>
+                  <a16:creationId xmlns:a16="http://schemas.microsoft.com/office/drawing/2014/main" id="{9206369E-AD64-CD44-B987-C66D68C240C6}"/>
                 </a:ext>
               </a:extLst>
             </p:cNvPr>
@@ -14086,10 +15642,10 @@
         </p:cxnSp>
         <p:sp>
           <p:nvSpPr>
-            <p:cNvPr id="927" name="Freeform 926">
+            <p:cNvPr id="1132" name="Freeform 1131">
               <a:extLst>
                 <a:ext uri="{FF2B5EF4-FFF2-40B4-BE49-F238E27FC236}">
-                  <a16:creationId xmlns:a16="http://schemas.microsoft.com/office/drawing/2014/main" id="{C246FDCC-619F-EB49-8238-C1763365E742}"/>
+                  <a16:creationId xmlns:a16="http://schemas.microsoft.com/office/drawing/2014/main" id="{1F3A5748-9047-8F4B-A4F9-2BD0F69489FF}"/>
                 </a:ext>
               </a:extLst>
             </p:cNvPr>
@@ -14336,10 +15892,10 @@
         </p:sp>
         <p:cxnSp>
           <p:nvCxnSpPr>
-            <p:cNvPr id="928" name="Straight Connector 927">
+            <p:cNvPr id="1133" name="Straight Connector 1132">
               <a:extLst>
                 <a:ext uri="{FF2B5EF4-FFF2-40B4-BE49-F238E27FC236}">
-                  <a16:creationId xmlns:a16="http://schemas.microsoft.com/office/drawing/2014/main" id="{28728BEC-8B42-DB43-BFA5-37C903A005DA}"/>
+                  <a16:creationId xmlns:a16="http://schemas.microsoft.com/office/drawing/2014/main" id="{43E26B98-59D5-8142-BF55-58732635B7EB}"/>
                 </a:ext>
               </a:extLst>
             </p:cNvPr>
@@ -14380,10 +15936,10 @@
         </p:cxnSp>
         <p:cxnSp>
           <p:nvCxnSpPr>
-            <p:cNvPr id="929" name="Straight Connector 928">
+            <p:cNvPr id="1134" name="Straight Connector 1133">
               <a:extLst>
                 <a:ext uri="{FF2B5EF4-FFF2-40B4-BE49-F238E27FC236}">
-                  <a16:creationId xmlns:a16="http://schemas.microsoft.com/office/drawing/2014/main" id="{9D3FEAF5-B916-474E-920D-7D00429642CA}"/>
+                  <a16:creationId xmlns:a16="http://schemas.microsoft.com/office/drawing/2014/main" id="{2B8A8411-A9FF-A74C-B55C-6BE60E528D02}"/>
                 </a:ext>
               </a:extLst>
             </p:cNvPr>
@@ -14429,10 +15985,10 @@
         </p:cxnSp>
         <p:cxnSp>
           <p:nvCxnSpPr>
-            <p:cNvPr id="930" name="Straight Connector 929">
+            <p:cNvPr id="1135" name="Straight Connector 1134">
               <a:extLst>
                 <a:ext uri="{FF2B5EF4-FFF2-40B4-BE49-F238E27FC236}">
-                  <a16:creationId xmlns:a16="http://schemas.microsoft.com/office/drawing/2014/main" id="{D777388C-514E-3C46-A368-FE8F836E5A1F}"/>
+                  <a16:creationId xmlns:a16="http://schemas.microsoft.com/office/drawing/2014/main" id="{CE604B7E-41C4-3B48-AB1B-1979C2ACDFF7}"/>
                 </a:ext>
               </a:extLst>
             </p:cNvPr>
@@ -14479,10 +16035,10 @@
       </p:grpSp>
       <p:sp>
         <p:nvSpPr>
-          <p:cNvPr id="955" name="Down Arrow 954">
+          <p:cNvPr id="1160" name="Down Arrow 1159">
             <a:extLst>
               <a:ext uri="{FF2B5EF4-FFF2-40B4-BE49-F238E27FC236}">
-                <a16:creationId xmlns:a16="http://schemas.microsoft.com/office/drawing/2014/main" id="{3BB2D817-3EE6-D94F-B4C7-140784E74F3D}"/>
+                <a16:creationId xmlns:a16="http://schemas.microsoft.com/office/drawing/2014/main" id="{D3FCA04B-DF1C-A544-A783-E6A8E35CB67B}"/>
               </a:ext>
             </a:extLst>
           </p:cNvPr>
@@ -14491,7 +16047,7 @@
         </p:nvSpPr>
         <p:spPr>
           <a:xfrm rot="16200000">
-            <a:off x="1957657" y="1121697"/>
+            <a:off x="2349777" y="981622"/>
             <a:ext cx="237744" cy="272533"/>
           </a:xfrm>
           <a:prstGeom prst="downArrow">
@@ -14653,10 +16209,10 @@
       </p:sp>
       <p:sp>
         <p:nvSpPr>
-          <p:cNvPr id="956" name="Down Arrow 955">
+          <p:cNvPr id="1161" name="Down Arrow 1160">
             <a:extLst>
               <a:ext uri="{FF2B5EF4-FFF2-40B4-BE49-F238E27FC236}">
-                <a16:creationId xmlns:a16="http://schemas.microsoft.com/office/drawing/2014/main" id="{7D3DF374-0E2A-9443-ABA1-C04FC1A07442}"/>
+                <a16:creationId xmlns:a16="http://schemas.microsoft.com/office/drawing/2014/main" id="{605688E0-5435-3444-966C-98A3A6750EDC}"/>
               </a:ext>
             </a:extLst>
           </p:cNvPr>
@@ -14665,7 +16221,7 @@
         </p:nvSpPr>
         <p:spPr>
           <a:xfrm rot="16200000">
-            <a:off x="2706998" y="1089331"/>
+            <a:off x="3099118" y="949256"/>
             <a:ext cx="237744" cy="330395"/>
           </a:xfrm>
           <a:prstGeom prst="downArrow">
@@ -14827,10 +16383,10 @@
       </p:sp>
       <p:pic>
         <p:nvPicPr>
-          <p:cNvPr id="957" name="Picture 956">
+          <p:cNvPr id="1162" name="Picture 1161">
             <a:extLst>
               <a:ext uri="{FF2B5EF4-FFF2-40B4-BE49-F238E27FC236}">
-                <a16:creationId xmlns:a16="http://schemas.microsoft.com/office/drawing/2014/main" id="{D8DADCA9-33E1-0747-8332-A21DD848E5D2}"/>
+                <a16:creationId xmlns:a16="http://schemas.microsoft.com/office/drawing/2014/main" id="{D865E49E-C6A3-9243-BC30-310BA7E0CAD0}"/>
               </a:ext>
             </a:extLst>
           </p:cNvPr>
@@ -14847,7 +16403,7 @@
         </p:blipFill>
         <p:spPr>
           <a:xfrm>
-            <a:off x="1191158" y="1119871"/>
+            <a:off x="1583278" y="979796"/>
             <a:ext cx="726486" cy="323017"/>
           </a:xfrm>
           <a:prstGeom prst="rect">
@@ -14857,10 +16413,10 @@
       </p:pic>
       <p:sp>
         <p:nvSpPr>
-          <p:cNvPr id="958" name="TextBox 957">
+          <p:cNvPr id="1163" name="TextBox 1162">
             <a:extLst>
               <a:ext uri="{FF2B5EF4-FFF2-40B4-BE49-F238E27FC236}">
-                <a16:creationId xmlns:a16="http://schemas.microsoft.com/office/drawing/2014/main" id="{4D31FFB3-C225-3E4C-A7FD-7C62076F543F}"/>
+                <a16:creationId xmlns:a16="http://schemas.microsoft.com/office/drawing/2014/main" id="{732E6700-C3FC-C14C-AEBD-31C03B013A07}"/>
               </a:ext>
             </a:extLst>
           </p:cNvPr>
@@ -14869,7 +16425,7 @@
         </p:nvSpPr>
         <p:spPr>
           <a:xfrm>
-            <a:off x="2890148" y="1709376"/>
+            <a:off x="4013232" y="865866"/>
             <a:ext cx="1151757" cy="707886"/>
           </a:xfrm>
           <a:prstGeom prst="rect">
@@ -14924,10 +16480,10 @@
       </p:sp>
       <p:grpSp>
         <p:nvGrpSpPr>
-          <p:cNvPr id="959" name="Group 958">
+          <p:cNvPr id="1164" name="Group 1163">
             <a:extLst>
               <a:ext uri="{FF2B5EF4-FFF2-40B4-BE49-F238E27FC236}">
-                <a16:creationId xmlns:a16="http://schemas.microsoft.com/office/drawing/2014/main" id="{0A716ED0-3493-1446-BA15-5BF45AB41269}"/>
+                <a16:creationId xmlns:a16="http://schemas.microsoft.com/office/drawing/2014/main" id="{47436A44-5FA1-944B-9492-DC2D2E602DAF}"/>
               </a:ext>
             </a:extLst>
           </p:cNvPr>
@@ -14936,7 +16492,7 @@
         </p:nvGrpSpPr>
         <p:grpSpPr>
           <a:xfrm>
-            <a:off x="1098001" y="1703615"/>
+            <a:off x="1490121" y="1563540"/>
             <a:ext cx="275054" cy="263403"/>
             <a:chOff x="1157220" y="1806258"/>
             <a:chExt cx="275054" cy="263403"/>
@@ -14944,10 +16500,10 @@
         </p:grpSpPr>
         <p:grpSp>
           <p:nvGrpSpPr>
-            <p:cNvPr id="960" name="Group 959">
+            <p:cNvPr id="1165" name="Group 1164">
               <a:extLst>
                 <a:ext uri="{FF2B5EF4-FFF2-40B4-BE49-F238E27FC236}">
-                  <a16:creationId xmlns:a16="http://schemas.microsoft.com/office/drawing/2014/main" id="{AACDBC4C-68CE-5447-B08C-96BC86EEB112}"/>
+                  <a16:creationId xmlns:a16="http://schemas.microsoft.com/office/drawing/2014/main" id="{9000D62B-964D-F74F-A02B-D107EE316D38}"/>
                 </a:ext>
               </a:extLst>
             </p:cNvPr>
@@ -14964,10 +16520,10 @@
           </p:grpSpPr>
           <p:sp>
             <p:nvSpPr>
-              <p:cNvPr id="963" name="Oval 962">
+              <p:cNvPr id="1168" name="Oval 1167">
                 <a:extLst>
                   <a:ext uri="{FF2B5EF4-FFF2-40B4-BE49-F238E27FC236}">
-                    <a16:creationId xmlns:a16="http://schemas.microsoft.com/office/drawing/2014/main" id="{426393A9-1FF5-E741-9B13-63BAC3CF652E}"/>
+                    <a16:creationId xmlns:a16="http://schemas.microsoft.com/office/drawing/2014/main" id="{26BBBD26-67B7-0F4B-8158-BD128179F784}"/>
                   </a:ext>
                 </a:extLst>
               </p:cNvPr>
@@ -15036,10 +16592,10 @@
           </p:sp>
           <p:sp>
             <p:nvSpPr>
-              <p:cNvPr id="964" name="Block Arc 963">
+              <p:cNvPr id="1169" name="Block Arc 1168">
                 <a:extLst>
                   <a:ext uri="{FF2B5EF4-FFF2-40B4-BE49-F238E27FC236}">
-                    <a16:creationId xmlns:a16="http://schemas.microsoft.com/office/drawing/2014/main" id="{68136224-EB93-DE43-ACA2-E76BE6E4660F}"/>
+                    <a16:creationId xmlns:a16="http://schemas.microsoft.com/office/drawing/2014/main" id="{B9E4AEDE-084E-8049-86A0-431F6FA91025}"/>
                   </a:ext>
                 </a:extLst>
               </p:cNvPr>
@@ -15114,10 +16670,10 @@
         </p:grpSp>
         <p:sp>
           <p:nvSpPr>
-            <p:cNvPr id="961" name="Block Arc 960">
+            <p:cNvPr id="1166" name="Block Arc 1165">
               <a:extLst>
                 <a:ext uri="{FF2B5EF4-FFF2-40B4-BE49-F238E27FC236}">
-                  <a16:creationId xmlns:a16="http://schemas.microsoft.com/office/drawing/2014/main" id="{1D2F32A3-528D-5647-B756-27BA05FA7B7B}"/>
+                  <a16:creationId xmlns:a16="http://schemas.microsoft.com/office/drawing/2014/main" id="{A099BFF7-5314-6C4D-B6C0-9D22CFA32B1C}"/>
                 </a:ext>
               </a:extLst>
             </p:cNvPr>
@@ -15191,10 +16747,10 @@
         </p:sp>
         <p:sp>
           <p:nvSpPr>
-            <p:cNvPr id="962" name="Block Arc 961">
+            <p:cNvPr id="1167" name="Block Arc 1166">
               <a:extLst>
                 <a:ext uri="{FF2B5EF4-FFF2-40B4-BE49-F238E27FC236}">
-                  <a16:creationId xmlns:a16="http://schemas.microsoft.com/office/drawing/2014/main" id="{4523A8EC-1240-4B4A-A359-15FE0A28E1DA}"/>
+                  <a16:creationId xmlns:a16="http://schemas.microsoft.com/office/drawing/2014/main" id="{FF076463-0646-8E4A-A5B8-EF8B0399341C}"/>
                 </a:ext>
               </a:extLst>
             </p:cNvPr>
@@ -15265,10 +16821,10 @@
       </p:grpSp>
       <p:sp>
         <p:nvSpPr>
-          <p:cNvPr id="965" name="TextBox 964">
+          <p:cNvPr id="1170" name="TextBox 1169">
             <a:extLst>
               <a:ext uri="{FF2B5EF4-FFF2-40B4-BE49-F238E27FC236}">
-                <a16:creationId xmlns:a16="http://schemas.microsoft.com/office/drawing/2014/main" id="{586CF032-0F0B-B24B-8ADB-1CE2725180C9}"/>
+                <a16:creationId xmlns:a16="http://schemas.microsoft.com/office/drawing/2014/main" id="{AFBDC852-658D-FF46-89DC-583E292FD260}"/>
               </a:ext>
             </a:extLst>
           </p:cNvPr>
@@ -15277,7 +16833,7 @@
         </p:nvSpPr>
         <p:spPr>
           <a:xfrm>
-            <a:off x="1280392" y="938521"/>
+            <a:off x="1672512" y="798446"/>
             <a:ext cx="679331" cy="215444"/>
           </a:xfrm>
           <a:prstGeom prst="rect">
@@ -15309,10 +16865,10 @@
       </p:sp>
       <p:grpSp>
         <p:nvGrpSpPr>
-          <p:cNvPr id="966" name="Group 965">
+          <p:cNvPr id="1171" name="Group 1170">
             <a:extLst>
               <a:ext uri="{FF2B5EF4-FFF2-40B4-BE49-F238E27FC236}">
-                <a16:creationId xmlns:a16="http://schemas.microsoft.com/office/drawing/2014/main" id="{661589E0-7023-C94A-97BB-E4532511D564}"/>
+                <a16:creationId xmlns:a16="http://schemas.microsoft.com/office/drawing/2014/main" id="{496898D5-E412-B540-A4E6-1E11F9E10C31}"/>
               </a:ext>
             </a:extLst>
           </p:cNvPr>
@@ -15321,7 +16877,7 @@
         </p:nvGrpSpPr>
         <p:grpSpPr>
           <a:xfrm>
-            <a:off x="2197532" y="553644"/>
+            <a:off x="2589652" y="413569"/>
             <a:ext cx="358340" cy="401447"/>
             <a:chOff x="2159169" y="1429497"/>
             <a:chExt cx="358340" cy="401447"/>
@@ -15329,10 +16885,10 @@
         </p:grpSpPr>
         <p:sp>
           <p:nvSpPr>
-            <p:cNvPr id="967" name="Oval 966">
+            <p:cNvPr id="1172" name="Oval 1171">
               <a:extLst>
                 <a:ext uri="{FF2B5EF4-FFF2-40B4-BE49-F238E27FC236}">
-                  <a16:creationId xmlns:a16="http://schemas.microsoft.com/office/drawing/2014/main" id="{6EE39258-136E-1341-98F1-2AA0FF675BB7}"/>
+                  <a16:creationId xmlns:a16="http://schemas.microsoft.com/office/drawing/2014/main" id="{A108D96D-1202-3D4E-A486-4B29BF5F8B45}"/>
                 </a:ext>
               </a:extLst>
             </p:cNvPr>
@@ -15384,10 +16940,10 @@
         </p:sp>
         <p:grpSp>
           <p:nvGrpSpPr>
-            <p:cNvPr id="968" name="Group 967">
+            <p:cNvPr id="1173" name="Group 1172">
               <a:extLst>
                 <a:ext uri="{FF2B5EF4-FFF2-40B4-BE49-F238E27FC236}">
-                  <a16:creationId xmlns:a16="http://schemas.microsoft.com/office/drawing/2014/main" id="{BA70FA30-B85C-F74A-9292-A002C89DB313}"/>
+                  <a16:creationId xmlns:a16="http://schemas.microsoft.com/office/drawing/2014/main" id="{5FA2BBEF-C552-8E41-81EC-72585BB54350}"/>
                 </a:ext>
               </a:extLst>
             </p:cNvPr>
@@ -15407,10 +16963,10 @@
           </p:grpSpPr>
           <p:sp>
             <p:nvSpPr>
-              <p:cNvPr id="1000" name="Rectangle 999">
+              <p:cNvPr id="1205" name="Rectangle 1204">
                 <a:extLst>
                   <a:ext uri="{FF2B5EF4-FFF2-40B4-BE49-F238E27FC236}">
-                    <a16:creationId xmlns:a16="http://schemas.microsoft.com/office/drawing/2014/main" id="{2AD1725D-39F6-DB4C-80EA-E66767A2DC97}"/>
+                    <a16:creationId xmlns:a16="http://schemas.microsoft.com/office/drawing/2014/main" id="{48167A56-8801-9947-86F9-2AA719928F48}"/>
                   </a:ext>
                 </a:extLst>
               </p:cNvPr>
@@ -15464,10 +17020,10 @@
           </p:sp>
           <p:sp>
             <p:nvSpPr>
-              <p:cNvPr id="1001" name="Oval 1000">
+              <p:cNvPr id="1206" name="Oval 1205">
                 <a:extLst>
                   <a:ext uri="{FF2B5EF4-FFF2-40B4-BE49-F238E27FC236}">
-                    <a16:creationId xmlns:a16="http://schemas.microsoft.com/office/drawing/2014/main" id="{B92C2498-E40A-9747-88A8-D448F017D842}"/>
+                    <a16:creationId xmlns:a16="http://schemas.microsoft.com/office/drawing/2014/main" id="{1BB28F45-98C1-1F49-A5E7-1EE3767CFD5F}"/>
                   </a:ext>
                 </a:extLst>
               </p:cNvPr>
@@ -15521,10 +17077,10 @@
           </p:sp>
           <p:sp>
             <p:nvSpPr>
-              <p:cNvPr id="1002" name="Oval 1001">
+              <p:cNvPr id="1207" name="Oval 1206">
                 <a:extLst>
                   <a:ext uri="{FF2B5EF4-FFF2-40B4-BE49-F238E27FC236}">
-                    <a16:creationId xmlns:a16="http://schemas.microsoft.com/office/drawing/2014/main" id="{015E140C-13BF-AE4D-A0E0-4A3F3B019BD1}"/>
+                    <a16:creationId xmlns:a16="http://schemas.microsoft.com/office/drawing/2014/main" id="{223BBE59-68B5-F748-B0CF-5EB5A994BBD8}"/>
                   </a:ext>
                 </a:extLst>
               </p:cNvPr>
@@ -15578,10 +17134,10 @@
           </p:sp>
           <p:sp>
             <p:nvSpPr>
-              <p:cNvPr id="1003" name="Oval 1002">
+              <p:cNvPr id="1208" name="Oval 1207">
                 <a:extLst>
                   <a:ext uri="{FF2B5EF4-FFF2-40B4-BE49-F238E27FC236}">
-                    <a16:creationId xmlns:a16="http://schemas.microsoft.com/office/drawing/2014/main" id="{0805B087-1989-C541-A6DF-2CCE9DA60B3E}"/>
+                    <a16:creationId xmlns:a16="http://schemas.microsoft.com/office/drawing/2014/main" id="{BF42E700-1DD5-3141-85BB-B26ACA6510C9}"/>
                   </a:ext>
                 </a:extLst>
               </p:cNvPr>
@@ -15636,10 +17192,10 @@
         </p:grpSp>
         <p:grpSp>
           <p:nvGrpSpPr>
-            <p:cNvPr id="969" name="Group 968">
+            <p:cNvPr id="1174" name="Group 1173">
               <a:extLst>
                 <a:ext uri="{FF2B5EF4-FFF2-40B4-BE49-F238E27FC236}">
-                  <a16:creationId xmlns:a16="http://schemas.microsoft.com/office/drawing/2014/main" id="{3953002B-260E-184C-B2F0-441321212F0A}"/>
+                  <a16:creationId xmlns:a16="http://schemas.microsoft.com/office/drawing/2014/main" id="{C443AFAF-AAC3-E849-9429-456D4762ADD4}"/>
                 </a:ext>
               </a:extLst>
             </p:cNvPr>
@@ -15659,10 +17215,10 @@
           </p:grpSpPr>
           <p:sp>
             <p:nvSpPr>
-              <p:cNvPr id="996" name="Rectangle 995">
+              <p:cNvPr id="1201" name="Rectangle 1200">
                 <a:extLst>
                   <a:ext uri="{FF2B5EF4-FFF2-40B4-BE49-F238E27FC236}">
-                    <a16:creationId xmlns:a16="http://schemas.microsoft.com/office/drawing/2014/main" id="{9B2FE018-7717-3D4D-A2C6-475698DA52B5}"/>
+                    <a16:creationId xmlns:a16="http://schemas.microsoft.com/office/drawing/2014/main" id="{9F3E9E1A-86DA-274A-A280-C03B9C311CDD}"/>
                   </a:ext>
                 </a:extLst>
               </p:cNvPr>
@@ -15716,10 +17272,10 @@
           </p:sp>
           <p:sp>
             <p:nvSpPr>
-              <p:cNvPr id="997" name="Oval 996">
+              <p:cNvPr id="1202" name="Oval 1201">
                 <a:extLst>
                   <a:ext uri="{FF2B5EF4-FFF2-40B4-BE49-F238E27FC236}">
-                    <a16:creationId xmlns:a16="http://schemas.microsoft.com/office/drawing/2014/main" id="{E0FBBBEB-33E9-5249-B8FF-556F7473250F}"/>
+                    <a16:creationId xmlns:a16="http://schemas.microsoft.com/office/drawing/2014/main" id="{E3110389-4F0F-6C49-B9D5-68813208ED93}"/>
                   </a:ext>
                 </a:extLst>
               </p:cNvPr>
@@ -15773,10 +17329,10 @@
           </p:sp>
           <p:sp>
             <p:nvSpPr>
-              <p:cNvPr id="998" name="Oval 997">
+              <p:cNvPr id="1203" name="Oval 1202">
                 <a:extLst>
                   <a:ext uri="{FF2B5EF4-FFF2-40B4-BE49-F238E27FC236}">
-                    <a16:creationId xmlns:a16="http://schemas.microsoft.com/office/drawing/2014/main" id="{79FB4CCF-DCA4-8B41-BEDA-8BC8A468905A}"/>
+                    <a16:creationId xmlns:a16="http://schemas.microsoft.com/office/drawing/2014/main" id="{3B5ABD04-C439-D64F-882E-98892E030738}"/>
                   </a:ext>
                 </a:extLst>
               </p:cNvPr>
@@ -15830,10 +17386,10 @@
           </p:sp>
           <p:sp>
             <p:nvSpPr>
-              <p:cNvPr id="999" name="Oval 998">
+              <p:cNvPr id="1204" name="Oval 1203">
                 <a:extLst>
                   <a:ext uri="{FF2B5EF4-FFF2-40B4-BE49-F238E27FC236}">
-                    <a16:creationId xmlns:a16="http://schemas.microsoft.com/office/drawing/2014/main" id="{9C588DC0-E344-664A-97CD-2E5251672E50}"/>
+                    <a16:creationId xmlns:a16="http://schemas.microsoft.com/office/drawing/2014/main" id="{1DD01B81-C5AE-B74E-8221-7340F9CA63CF}"/>
                   </a:ext>
                 </a:extLst>
               </p:cNvPr>
@@ -15888,10 +17444,10 @@
         </p:grpSp>
         <p:grpSp>
           <p:nvGrpSpPr>
-            <p:cNvPr id="970" name="Group 969">
+            <p:cNvPr id="1175" name="Group 1174">
               <a:extLst>
                 <a:ext uri="{FF2B5EF4-FFF2-40B4-BE49-F238E27FC236}">
-                  <a16:creationId xmlns:a16="http://schemas.microsoft.com/office/drawing/2014/main" id="{4A342B2C-27FF-4040-93B3-230BF58B440F}"/>
+                  <a16:creationId xmlns:a16="http://schemas.microsoft.com/office/drawing/2014/main" id="{F51AEDA8-7842-A24F-ABFF-60BC822FC00C}"/>
                 </a:ext>
               </a:extLst>
             </p:cNvPr>
@@ -15911,10 +17467,10 @@
           </p:grpSpPr>
           <p:sp>
             <p:nvSpPr>
-              <p:cNvPr id="992" name="Rectangle 991">
+              <p:cNvPr id="1197" name="Rectangle 1196">
                 <a:extLst>
                   <a:ext uri="{FF2B5EF4-FFF2-40B4-BE49-F238E27FC236}">
-                    <a16:creationId xmlns:a16="http://schemas.microsoft.com/office/drawing/2014/main" id="{742A45CA-4682-1A4E-A42C-9D52F9CFD17B}"/>
+                    <a16:creationId xmlns:a16="http://schemas.microsoft.com/office/drawing/2014/main" id="{EE94A696-23F0-FA4A-B310-310E976AADC6}"/>
                   </a:ext>
                 </a:extLst>
               </p:cNvPr>
@@ -15968,10 +17524,10 @@
           </p:sp>
           <p:sp>
             <p:nvSpPr>
-              <p:cNvPr id="993" name="Oval 992">
+              <p:cNvPr id="1198" name="Oval 1197">
                 <a:extLst>
                   <a:ext uri="{FF2B5EF4-FFF2-40B4-BE49-F238E27FC236}">
-                    <a16:creationId xmlns:a16="http://schemas.microsoft.com/office/drawing/2014/main" id="{8476308F-EB20-7D47-81CB-525695603642}"/>
+                    <a16:creationId xmlns:a16="http://schemas.microsoft.com/office/drawing/2014/main" id="{56E995C2-287B-1A4A-BB8E-FC7051D6A457}"/>
                   </a:ext>
                 </a:extLst>
               </p:cNvPr>
@@ -16025,10 +17581,10 @@
           </p:sp>
           <p:sp>
             <p:nvSpPr>
-              <p:cNvPr id="994" name="Oval 993">
+              <p:cNvPr id="1199" name="Oval 1198">
                 <a:extLst>
                   <a:ext uri="{FF2B5EF4-FFF2-40B4-BE49-F238E27FC236}">
-                    <a16:creationId xmlns:a16="http://schemas.microsoft.com/office/drawing/2014/main" id="{4BE0EFA1-D933-C84D-A7AE-4EE58C9E2B91}"/>
+                    <a16:creationId xmlns:a16="http://schemas.microsoft.com/office/drawing/2014/main" id="{B8B0411A-5712-7C4E-A8A2-D0EAFA14BAC4}"/>
                   </a:ext>
                 </a:extLst>
               </p:cNvPr>
@@ -16082,10 +17638,10 @@
           </p:sp>
           <p:sp>
             <p:nvSpPr>
-              <p:cNvPr id="995" name="Oval 994">
+              <p:cNvPr id="1200" name="Oval 1199">
                 <a:extLst>
                   <a:ext uri="{FF2B5EF4-FFF2-40B4-BE49-F238E27FC236}">
-                    <a16:creationId xmlns:a16="http://schemas.microsoft.com/office/drawing/2014/main" id="{AE0529B9-E081-C040-A05E-2E4B8FE3DBAA}"/>
+                    <a16:creationId xmlns:a16="http://schemas.microsoft.com/office/drawing/2014/main" id="{B47F0A11-82BA-E34F-9B2E-89006F8B21CA}"/>
                   </a:ext>
                 </a:extLst>
               </p:cNvPr>
@@ -16140,10 +17696,10 @@
         </p:grpSp>
         <p:grpSp>
           <p:nvGrpSpPr>
-            <p:cNvPr id="971" name="Group 970">
+            <p:cNvPr id="1176" name="Group 1175">
               <a:extLst>
                 <a:ext uri="{FF2B5EF4-FFF2-40B4-BE49-F238E27FC236}">
-                  <a16:creationId xmlns:a16="http://schemas.microsoft.com/office/drawing/2014/main" id="{5D60D781-D85F-D64C-9876-26C2DCA9AAB4}"/>
+                  <a16:creationId xmlns:a16="http://schemas.microsoft.com/office/drawing/2014/main" id="{F27161D4-085A-6F4E-918C-43EA7A7BEC8E}"/>
                 </a:ext>
               </a:extLst>
             </p:cNvPr>
@@ -16163,10 +17719,10 @@
           </p:grpSpPr>
           <p:sp>
             <p:nvSpPr>
-              <p:cNvPr id="988" name="Rectangle 987">
+              <p:cNvPr id="1193" name="Rectangle 1192">
                 <a:extLst>
                   <a:ext uri="{FF2B5EF4-FFF2-40B4-BE49-F238E27FC236}">
-                    <a16:creationId xmlns:a16="http://schemas.microsoft.com/office/drawing/2014/main" id="{5439B119-56BE-CF40-8D5B-031A828925A6}"/>
+                    <a16:creationId xmlns:a16="http://schemas.microsoft.com/office/drawing/2014/main" id="{0FD637F9-B23D-B24F-BAD0-F4FF47C60F54}"/>
                   </a:ext>
                 </a:extLst>
               </p:cNvPr>
@@ -16220,10 +17776,10 @@
           </p:sp>
           <p:sp>
             <p:nvSpPr>
-              <p:cNvPr id="989" name="Oval 988">
+              <p:cNvPr id="1194" name="Oval 1193">
                 <a:extLst>
                   <a:ext uri="{FF2B5EF4-FFF2-40B4-BE49-F238E27FC236}">
-                    <a16:creationId xmlns:a16="http://schemas.microsoft.com/office/drawing/2014/main" id="{02B20289-B3B9-1E4A-A3DA-94F9D7FEA81C}"/>
+                    <a16:creationId xmlns:a16="http://schemas.microsoft.com/office/drawing/2014/main" id="{D1937E8E-2274-FC49-BC01-B3D3B7BA0DE2}"/>
                   </a:ext>
                 </a:extLst>
               </p:cNvPr>
@@ -16277,10 +17833,10 @@
           </p:sp>
           <p:sp>
             <p:nvSpPr>
-              <p:cNvPr id="990" name="Oval 989">
+              <p:cNvPr id="1195" name="Oval 1194">
                 <a:extLst>
                   <a:ext uri="{FF2B5EF4-FFF2-40B4-BE49-F238E27FC236}">
-                    <a16:creationId xmlns:a16="http://schemas.microsoft.com/office/drawing/2014/main" id="{5FA7DBB1-D1EE-8C41-ACD3-4747290B23A3}"/>
+                    <a16:creationId xmlns:a16="http://schemas.microsoft.com/office/drawing/2014/main" id="{ED34637C-2844-3B41-B101-BFC434DDDECF}"/>
                   </a:ext>
                 </a:extLst>
               </p:cNvPr>
@@ -16334,10 +17890,10 @@
           </p:sp>
           <p:sp>
             <p:nvSpPr>
-              <p:cNvPr id="991" name="Oval 990">
+              <p:cNvPr id="1196" name="Oval 1195">
                 <a:extLst>
                   <a:ext uri="{FF2B5EF4-FFF2-40B4-BE49-F238E27FC236}">
-                    <a16:creationId xmlns:a16="http://schemas.microsoft.com/office/drawing/2014/main" id="{8F7CEB9A-1163-EC4F-A039-A8BC2CC538D1}"/>
+                    <a16:creationId xmlns:a16="http://schemas.microsoft.com/office/drawing/2014/main" id="{AC9EAE5D-D8F6-2647-970E-1D0C54F1A13B}"/>
                   </a:ext>
                 </a:extLst>
               </p:cNvPr>
@@ -16392,10 +17948,10 @@
         </p:grpSp>
         <p:grpSp>
           <p:nvGrpSpPr>
-            <p:cNvPr id="972" name="Group 971">
+            <p:cNvPr id="1177" name="Group 1176">
               <a:extLst>
                 <a:ext uri="{FF2B5EF4-FFF2-40B4-BE49-F238E27FC236}">
-                  <a16:creationId xmlns:a16="http://schemas.microsoft.com/office/drawing/2014/main" id="{89870FE9-68FA-0E44-8058-D4E16EBED990}"/>
+                  <a16:creationId xmlns:a16="http://schemas.microsoft.com/office/drawing/2014/main" id="{BD69375A-5B43-9A4B-A39C-37B686E4ED05}"/>
                 </a:ext>
               </a:extLst>
             </p:cNvPr>
@@ -16415,10 +17971,10 @@
           </p:grpSpPr>
           <p:sp>
             <p:nvSpPr>
-              <p:cNvPr id="984" name="Rectangle 983">
+              <p:cNvPr id="1189" name="Rectangle 1188">
                 <a:extLst>
                   <a:ext uri="{FF2B5EF4-FFF2-40B4-BE49-F238E27FC236}">
-                    <a16:creationId xmlns:a16="http://schemas.microsoft.com/office/drawing/2014/main" id="{B814898C-51A0-3942-AE48-257324EB1988}"/>
+                    <a16:creationId xmlns:a16="http://schemas.microsoft.com/office/drawing/2014/main" id="{C57CEC78-B502-8E42-BBBE-47BC2C3E4DA4}"/>
                   </a:ext>
                 </a:extLst>
               </p:cNvPr>
@@ -16472,10 +18028,10 @@
           </p:sp>
           <p:sp>
             <p:nvSpPr>
-              <p:cNvPr id="985" name="Oval 984">
+              <p:cNvPr id="1190" name="Oval 1189">
                 <a:extLst>
                   <a:ext uri="{FF2B5EF4-FFF2-40B4-BE49-F238E27FC236}">
-                    <a16:creationId xmlns:a16="http://schemas.microsoft.com/office/drawing/2014/main" id="{CC7CEF9F-0EAA-C44D-BD1D-6A5F5B65BFA6}"/>
+                    <a16:creationId xmlns:a16="http://schemas.microsoft.com/office/drawing/2014/main" id="{2D58880D-FF27-1840-BB25-A893C9E52F59}"/>
                   </a:ext>
                 </a:extLst>
               </p:cNvPr>
@@ -16529,10 +18085,10 @@
           </p:sp>
           <p:sp>
             <p:nvSpPr>
-              <p:cNvPr id="986" name="Oval 985">
+              <p:cNvPr id="1191" name="Oval 1190">
                 <a:extLst>
                   <a:ext uri="{FF2B5EF4-FFF2-40B4-BE49-F238E27FC236}">
-                    <a16:creationId xmlns:a16="http://schemas.microsoft.com/office/drawing/2014/main" id="{AE2A4F69-2D27-184C-973F-C7A0EABB3B2F}"/>
+                    <a16:creationId xmlns:a16="http://schemas.microsoft.com/office/drawing/2014/main" id="{226BC339-FB18-4F40-BAA4-78C4EE66171C}"/>
                   </a:ext>
                 </a:extLst>
               </p:cNvPr>
@@ -16586,10 +18142,10 @@
           </p:sp>
           <p:sp>
             <p:nvSpPr>
-              <p:cNvPr id="987" name="Oval 986">
+              <p:cNvPr id="1192" name="Oval 1191">
                 <a:extLst>
                   <a:ext uri="{FF2B5EF4-FFF2-40B4-BE49-F238E27FC236}">
-                    <a16:creationId xmlns:a16="http://schemas.microsoft.com/office/drawing/2014/main" id="{9093BF1F-F4DC-3749-87B0-657A5250B4EF}"/>
+                    <a16:creationId xmlns:a16="http://schemas.microsoft.com/office/drawing/2014/main" id="{ED73D202-0D4B-044D-B5ED-952B888037E6}"/>
                   </a:ext>
                 </a:extLst>
               </p:cNvPr>
@@ -16644,10 +18200,10 @@
         </p:grpSp>
         <p:grpSp>
           <p:nvGrpSpPr>
-            <p:cNvPr id="973" name="Group 972">
+            <p:cNvPr id="1178" name="Group 1177">
               <a:extLst>
                 <a:ext uri="{FF2B5EF4-FFF2-40B4-BE49-F238E27FC236}">
-                  <a16:creationId xmlns:a16="http://schemas.microsoft.com/office/drawing/2014/main" id="{633FFB13-5777-5245-80C0-216CD1F68424}"/>
+                  <a16:creationId xmlns:a16="http://schemas.microsoft.com/office/drawing/2014/main" id="{228C4D7B-A8C0-DD4D-A3F5-1F5C2DDD475B}"/>
                 </a:ext>
               </a:extLst>
             </p:cNvPr>
@@ -16667,10 +18223,10 @@
           </p:grpSpPr>
           <p:sp>
             <p:nvSpPr>
-              <p:cNvPr id="980" name="Rectangle 979">
+              <p:cNvPr id="1185" name="Rectangle 1184">
                 <a:extLst>
                   <a:ext uri="{FF2B5EF4-FFF2-40B4-BE49-F238E27FC236}">
-                    <a16:creationId xmlns:a16="http://schemas.microsoft.com/office/drawing/2014/main" id="{4632E51C-F68B-AF43-A8ED-4F44BAE84773}"/>
+                    <a16:creationId xmlns:a16="http://schemas.microsoft.com/office/drawing/2014/main" id="{60A75F19-FE8B-4649-8BBD-C203A8EAC3B5}"/>
                   </a:ext>
                 </a:extLst>
               </p:cNvPr>
@@ -16724,10 +18280,10 @@
           </p:sp>
           <p:sp>
             <p:nvSpPr>
-              <p:cNvPr id="981" name="Oval 980">
+              <p:cNvPr id="1186" name="Oval 1185">
                 <a:extLst>
                   <a:ext uri="{FF2B5EF4-FFF2-40B4-BE49-F238E27FC236}">
-                    <a16:creationId xmlns:a16="http://schemas.microsoft.com/office/drawing/2014/main" id="{0CAC8367-6104-D044-9A54-8FABB26FE826}"/>
+                    <a16:creationId xmlns:a16="http://schemas.microsoft.com/office/drawing/2014/main" id="{2BA38824-D7BA-574F-A864-C7FB3C788911}"/>
                   </a:ext>
                 </a:extLst>
               </p:cNvPr>
@@ -16781,10 +18337,10 @@
           </p:sp>
           <p:sp>
             <p:nvSpPr>
-              <p:cNvPr id="982" name="Oval 981">
+              <p:cNvPr id="1187" name="Oval 1186">
                 <a:extLst>
                   <a:ext uri="{FF2B5EF4-FFF2-40B4-BE49-F238E27FC236}">
-                    <a16:creationId xmlns:a16="http://schemas.microsoft.com/office/drawing/2014/main" id="{A66490E2-6B53-C44D-A32A-41384A4B706C}"/>
+                    <a16:creationId xmlns:a16="http://schemas.microsoft.com/office/drawing/2014/main" id="{6508ADFF-96DF-B945-8F3F-DAB1F09489B0}"/>
                   </a:ext>
                 </a:extLst>
               </p:cNvPr>
@@ -16838,10 +18394,10 @@
           </p:sp>
           <p:sp>
             <p:nvSpPr>
-              <p:cNvPr id="983" name="Oval 982">
+              <p:cNvPr id="1188" name="Oval 1187">
                 <a:extLst>
                   <a:ext uri="{FF2B5EF4-FFF2-40B4-BE49-F238E27FC236}">
-                    <a16:creationId xmlns:a16="http://schemas.microsoft.com/office/drawing/2014/main" id="{6CCB025B-590F-6D4B-B549-296944FCFD50}"/>
+                    <a16:creationId xmlns:a16="http://schemas.microsoft.com/office/drawing/2014/main" id="{A7CAB933-C29A-8A41-81A1-A5BCD47AA805}"/>
                   </a:ext>
                 </a:extLst>
               </p:cNvPr>
@@ -16896,10 +18452,10 @@
         </p:grpSp>
         <p:sp>
           <p:nvSpPr>
-            <p:cNvPr id="974" name="Freeform 973">
+            <p:cNvPr id="1179" name="Freeform 1178">
               <a:extLst>
                 <a:ext uri="{FF2B5EF4-FFF2-40B4-BE49-F238E27FC236}">
-                  <a16:creationId xmlns:a16="http://schemas.microsoft.com/office/drawing/2014/main" id="{8F211384-A43F-5844-BAE1-C25B1C354FAD}"/>
+                  <a16:creationId xmlns:a16="http://schemas.microsoft.com/office/drawing/2014/main" id="{C339BA12-F65B-1241-A2FD-75CFF66ABAC8}"/>
                 </a:ext>
               </a:extLst>
             </p:cNvPr>
@@ -17146,10 +18702,10 @@
         </p:sp>
         <p:cxnSp>
           <p:nvCxnSpPr>
-            <p:cNvPr id="975" name="Straight Connector 974">
+            <p:cNvPr id="1180" name="Straight Connector 1179">
               <a:extLst>
                 <a:ext uri="{FF2B5EF4-FFF2-40B4-BE49-F238E27FC236}">
-                  <a16:creationId xmlns:a16="http://schemas.microsoft.com/office/drawing/2014/main" id="{C2E6C1E8-E891-DA4F-9DAB-DBA8FD6EEA91}"/>
+                  <a16:creationId xmlns:a16="http://schemas.microsoft.com/office/drawing/2014/main" id="{2E1D9450-EE9A-6E45-832C-EEAEED86E43E}"/>
                 </a:ext>
               </a:extLst>
             </p:cNvPr>
@@ -17190,10 +18746,10 @@
         </p:cxnSp>
         <p:sp>
           <p:nvSpPr>
-            <p:cNvPr id="976" name="Freeform 975">
+            <p:cNvPr id="1181" name="Freeform 1180">
               <a:extLst>
                 <a:ext uri="{FF2B5EF4-FFF2-40B4-BE49-F238E27FC236}">
-                  <a16:creationId xmlns:a16="http://schemas.microsoft.com/office/drawing/2014/main" id="{960C0DCF-EC5A-124B-9F10-8132FB83C264}"/>
+                  <a16:creationId xmlns:a16="http://schemas.microsoft.com/office/drawing/2014/main" id="{AAFBD638-29F1-7942-9B56-DA77FDCE6297}"/>
                 </a:ext>
               </a:extLst>
             </p:cNvPr>
@@ -17440,10 +18996,10 @@
         </p:sp>
         <p:cxnSp>
           <p:nvCxnSpPr>
-            <p:cNvPr id="977" name="Straight Connector 976">
+            <p:cNvPr id="1182" name="Straight Connector 1181">
               <a:extLst>
                 <a:ext uri="{FF2B5EF4-FFF2-40B4-BE49-F238E27FC236}">
-                  <a16:creationId xmlns:a16="http://schemas.microsoft.com/office/drawing/2014/main" id="{24EECCDD-B61D-7D49-9FFC-895E273E91A1}"/>
+                  <a16:creationId xmlns:a16="http://schemas.microsoft.com/office/drawing/2014/main" id="{29A8587F-76B0-6E45-A5FA-43B338B696D3}"/>
                 </a:ext>
               </a:extLst>
             </p:cNvPr>
@@ -17484,10 +19040,10 @@
         </p:cxnSp>
         <p:cxnSp>
           <p:nvCxnSpPr>
-            <p:cNvPr id="978" name="Straight Connector 977">
+            <p:cNvPr id="1183" name="Straight Connector 1182">
               <a:extLst>
                 <a:ext uri="{FF2B5EF4-FFF2-40B4-BE49-F238E27FC236}">
-                  <a16:creationId xmlns:a16="http://schemas.microsoft.com/office/drawing/2014/main" id="{96C53FD5-0F93-AD4E-85EE-EB37D33D8324}"/>
+                  <a16:creationId xmlns:a16="http://schemas.microsoft.com/office/drawing/2014/main" id="{92EB2805-96B5-234A-AF46-FEBFBB5A1CA9}"/>
                 </a:ext>
               </a:extLst>
             </p:cNvPr>
@@ -17533,10 +19089,10 @@
         </p:cxnSp>
         <p:cxnSp>
           <p:nvCxnSpPr>
-            <p:cNvPr id="979" name="Straight Connector 978">
+            <p:cNvPr id="1184" name="Straight Connector 1183">
               <a:extLst>
                 <a:ext uri="{FF2B5EF4-FFF2-40B4-BE49-F238E27FC236}">
-                  <a16:creationId xmlns:a16="http://schemas.microsoft.com/office/drawing/2014/main" id="{B7812901-8471-D041-84D1-C52E734FD315}"/>
+                  <a16:creationId xmlns:a16="http://schemas.microsoft.com/office/drawing/2014/main" id="{7237DAC1-1707-2248-978F-504FB66314DB}"/>
                 </a:ext>
               </a:extLst>
             </p:cNvPr>
@@ -17583,10 +19139,10 @@
       </p:grpSp>
       <p:grpSp>
         <p:nvGrpSpPr>
-          <p:cNvPr id="1004" name="Group 1003">
+          <p:cNvPr id="1209" name="Group 1208">
             <a:extLst>
               <a:ext uri="{FF2B5EF4-FFF2-40B4-BE49-F238E27FC236}">
-                <a16:creationId xmlns:a16="http://schemas.microsoft.com/office/drawing/2014/main" id="{F178E4C5-CBDA-844D-AEC6-CC5ABE1E9A24}"/>
+                <a16:creationId xmlns:a16="http://schemas.microsoft.com/office/drawing/2014/main" id="{5483A850-73DC-7B41-9544-4F737F6C4BEB}"/>
               </a:ext>
             </a:extLst>
           </p:cNvPr>
@@ -17595,7 +19151,7 @@
         </p:nvGrpSpPr>
         <p:grpSpPr>
           <a:xfrm>
-            <a:off x="2255525" y="1017262"/>
+            <a:off x="2647645" y="877187"/>
             <a:ext cx="358340" cy="401447"/>
             <a:chOff x="2159169" y="1429497"/>
             <a:chExt cx="358340" cy="401447"/>
@@ -17603,10 +19159,10 @@
         </p:grpSpPr>
         <p:sp>
           <p:nvSpPr>
-            <p:cNvPr id="1005" name="Oval 1004">
+            <p:cNvPr id="1210" name="Oval 1209">
               <a:extLst>
                 <a:ext uri="{FF2B5EF4-FFF2-40B4-BE49-F238E27FC236}">
-                  <a16:creationId xmlns:a16="http://schemas.microsoft.com/office/drawing/2014/main" id="{D5D121D9-D926-4142-A7EB-6BA502D205C4}"/>
+                  <a16:creationId xmlns:a16="http://schemas.microsoft.com/office/drawing/2014/main" id="{B80FEE6E-1DCE-C649-B246-931718469F35}"/>
                 </a:ext>
               </a:extLst>
             </p:cNvPr>
@@ -17658,10 +19214,10 @@
         </p:sp>
         <p:grpSp>
           <p:nvGrpSpPr>
-            <p:cNvPr id="1006" name="Group 1005">
+            <p:cNvPr id="1211" name="Group 1210">
               <a:extLst>
                 <a:ext uri="{FF2B5EF4-FFF2-40B4-BE49-F238E27FC236}">
-                  <a16:creationId xmlns:a16="http://schemas.microsoft.com/office/drawing/2014/main" id="{55956C53-0FF7-184D-B3CC-3A901B7C1E01}"/>
+                  <a16:creationId xmlns:a16="http://schemas.microsoft.com/office/drawing/2014/main" id="{1A821B4C-0627-9F4C-92F8-12725076E140}"/>
                 </a:ext>
               </a:extLst>
             </p:cNvPr>
@@ -17681,10 +19237,10 @@
           </p:grpSpPr>
           <p:sp>
             <p:nvSpPr>
-              <p:cNvPr id="1038" name="Rectangle 1037">
+              <p:cNvPr id="1243" name="Rectangle 1242">
                 <a:extLst>
                   <a:ext uri="{FF2B5EF4-FFF2-40B4-BE49-F238E27FC236}">
-                    <a16:creationId xmlns:a16="http://schemas.microsoft.com/office/drawing/2014/main" id="{52C5BD4A-E2E1-AE47-8D02-D68D0BE38576}"/>
+                    <a16:creationId xmlns:a16="http://schemas.microsoft.com/office/drawing/2014/main" id="{96E56AB0-01BD-2A47-B940-3C072CD8A847}"/>
                   </a:ext>
                 </a:extLst>
               </p:cNvPr>
@@ -17738,10 +19294,10 @@
           </p:sp>
           <p:sp>
             <p:nvSpPr>
-              <p:cNvPr id="1039" name="Oval 1038">
+              <p:cNvPr id="1244" name="Oval 1243">
                 <a:extLst>
                   <a:ext uri="{FF2B5EF4-FFF2-40B4-BE49-F238E27FC236}">
-                    <a16:creationId xmlns:a16="http://schemas.microsoft.com/office/drawing/2014/main" id="{46A556BA-B054-BA49-88F2-44612D81645C}"/>
+                    <a16:creationId xmlns:a16="http://schemas.microsoft.com/office/drawing/2014/main" id="{7EEF3780-1E02-C74E-AA22-0302D7CF2321}"/>
                   </a:ext>
                 </a:extLst>
               </p:cNvPr>
@@ -17795,10 +19351,10 @@
           </p:sp>
           <p:sp>
             <p:nvSpPr>
-              <p:cNvPr id="1040" name="Oval 1039">
+              <p:cNvPr id="1245" name="Oval 1244">
                 <a:extLst>
                   <a:ext uri="{FF2B5EF4-FFF2-40B4-BE49-F238E27FC236}">
-                    <a16:creationId xmlns:a16="http://schemas.microsoft.com/office/drawing/2014/main" id="{00EDEB84-54B0-154A-B108-169DA576F163}"/>
+                    <a16:creationId xmlns:a16="http://schemas.microsoft.com/office/drawing/2014/main" id="{81B337F4-5B16-504B-BB85-CEEB4D5D6F5B}"/>
                   </a:ext>
                 </a:extLst>
               </p:cNvPr>
@@ -17852,10 +19408,10 @@
           </p:sp>
           <p:sp>
             <p:nvSpPr>
-              <p:cNvPr id="1041" name="Oval 1040">
+              <p:cNvPr id="1246" name="Oval 1245">
                 <a:extLst>
                   <a:ext uri="{FF2B5EF4-FFF2-40B4-BE49-F238E27FC236}">
-                    <a16:creationId xmlns:a16="http://schemas.microsoft.com/office/drawing/2014/main" id="{2BD60E91-8437-0448-B485-3BB44926F7E1}"/>
+                    <a16:creationId xmlns:a16="http://schemas.microsoft.com/office/drawing/2014/main" id="{AB043106-B9F0-F64A-B72C-2C1830EB065F}"/>
                   </a:ext>
                 </a:extLst>
               </p:cNvPr>
@@ -17910,10 +19466,10 @@
         </p:grpSp>
         <p:grpSp>
           <p:nvGrpSpPr>
-            <p:cNvPr id="1007" name="Group 1006">
+            <p:cNvPr id="1212" name="Group 1211">
               <a:extLst>
                 <a:ext uri="{FF2B5EF4-FFF2-40B4-BE49-F238E27FC236}">
-                  <a16:creationId xmlns:a16="http://schemas.microsoft.com/office/drawing/2014/main" id="{8A77B20D-6DA4-8745-AAA3-C3F721C639B0}"/>
+                  <a16:creationId xmlns:a16="http://schemas.microsoft.com/office/drawing/2014/main" id="{0D12A666-4308-2D41-834C-C7322658CAA9}"/>
                 </a:ext>
               </a:extLst>
             </p:cNvPr>
@@ -17933,10 +19489,10 @@
           </p:grpSpPr>
           <p:sp>
             <p:nvSpPr>
-              <p:cNvPr id="1034" name="Rectangle 1033">
+              <p:cNvPr id="1239" name="Rectangle 1238">
                 <a:extLst>
                   <a:ext uri="{FF2B5EF4-FFF2-40B4-BE49-F238E27FC236}">
-                    <a16:creationId xmlns:a16="http://schemas.microsoft.com/office/drawing/2014/main" id="{B1F991E8-3802-4A44-8BDC-DA8DDC867A49}"/>
+                    <a16:creationId xmlns:a16="http://schemas.microsoft.com/office/drawing/2014/main" id="{367B0DFA-5CD1-2844-BAE6-9214BC0C1D14}"/>
                   </a:ext>
                 </a:extLst>
               </p:cNvPr>
@@ -17990,10 +19546,10 @@
           </p:sp>
           <p:sp>
             <p:nvSpPr>
-              <p:cNvPr id="1035" name="Oval 1034">
+              <p:cNvPr id="1240" name="Oval 1239">
                 <a:extLst>
                   <a:ext uri="{FF2B5EF4-FFF2-40B4-BE49-F238E27FC236}">
-                    <a16:creationId xmlns:a16="http://schemas.microsoft.com/office/drawing/2014/main" id="{E0327BE5-87F0-FF43-A82C-F8AF10AAFF01}"/>
+                    <a16:creationId xmlns:a16="http://schemas.microsoft.com/office/drawing/2014/main" id="{B90BE8CE-106D-5643-A651-8995D36ACE37}"/>
                   </a:ext>
                 </a:extLst>
               </p:cNvPr>
@@ -18047,10 +19603,10 @@
           </p:sp>
           <p:sp>
             <p:nvSpPr>
-              <p:cNvPr id="1036" name="Oval 1035">
+              <p:cNvPr id="1241" name="Oval 1240">
                 <a:extLst>
                   <a:ext uri="{FF2B5EF4-FFF2-40B4-BE49-F238E27FC236}">
-                    <a16:creationId xmlns:a16="http://schemas.microsoft.com/office/drawing/2014/main" id="{53A994E9-805A-5E4E-BC25-16773254A66B}"/>
+                    <a16:creationId xmlns:a16="http://schemas.microsoft.com/office/drawing/2014/main" id="{F3510D51-45F2-B042-87BD-AEB102C93140}"/>
                   </a:ext>
                 </a:extLst>
               </p:cNvPr>
@@ -18104,10 +19660,10 @@
           </p:sp>
           <p:sp>
             <p:nvSpPr>
-              <p:cNvPr id="1037" name="Oval 1036">
+              <p:cNvPr id="1242" name="Oval 1241">
                 <a:extLst>
                   <a:ext uri="{FF2B5EF4-FFF2-40B4-BE49-F238E27FC236}">
-                    <a16:creationId xmlns:a16="http://schemas.microsoft.com/office/drawing/2014/main" id="{102B6F15-734E-2643-81F7-8036A0BEB5A5}"/>
+                    <a16:creationId xmlns:a16="http://schemas.microsoft.com/office/drawing/2014/main" id="{58E0E84A-B43B-A54B-AC3E-7215E275285B}"/>
                   </a:ext>
                 </a:extLst>
               </p:cNvPr>
@@ -18162,10 +19718,10 @@
         </p:grpSp>
         <p:grpSp>
           <p:nvGrpSpPr>
-            <p:cNvPr id="1008" name="Group 1007">
+            <p:cNvPr id="1213" name="Group 1212">
               <a:extLst>
                 <a:ext uri="{FF2B5EF4-FFF2-40B4-BE49-F238E27FC236}">
-                  <a16:creationId xmlns:a16="http://schemas.microsoft.com/office/drawing/2014/main" id="{68F0424E-A899-6444-8DF5-11C57EFF4B7A}"/>
+                  <a16:creationId xmlns:a16="http://schemas.microsoft.com/office/drawing/2014/main" id="{0E21944A-7333-BE49-959F-F7679FD2DC02}"/>
                 </a:ext>
               </a:extLst>
             </p:cNvPr>
@@ -18185,10 +19741,10 @@
           </p:grpSpPr>
           <p:sp>
             <p:nvSpPr>
-              <p:cNvPr id="1030" name="Rectangle 1029">
+              <p:cNvPr id="1235" name="Rectangle 1234">
                 <a:extLst>
                   <a:ext uri="{FF2B5EF4-FFF2-40B4-BE49-F238E27FC236}">
-                    <a16:creationId xmlns:a16="http://schemas.microsoft.com/office/drawing/2014/main" id="{F13C0568-EEC0-C742-8172-EEC13DE5D4FE}"/>
+                    <a16:creationId xmlns:a16="http://schemas.microsoft.com/office/drawing/2014/main" id="{A9B8244B-C67E-E74B-9B9F-AEC8FBDE4D28}"/>
                   </a:ext>
                 </a:extLst>
               </p:cNvPr>
@@ -18242,10 +19798,10 @@
           </p:sp>
           <p:sp>
             <p:nvSpPr>
-              <p:cNvPr id="1031" name="Oval 1030">
+              <p:cNvPr id="1236" name="Oval 1235">
                 <a:extLst>
                   <a:ext uri="{FF2B5EF4-FFF2-40B4-BE49-F238E27FC236}">
-                    <a16:creationId xmlns:a16="http://schemas.microsoft.com/office/drawing/2014/main" id="{B27BED87-EB5C-DC4E-BFD9-FADDA5956142}"/>
+                    <a16:creationId xmlns:a16="http://schemas.microsoft.com/office/drawing/2014/main" id="{9420D48B-8C3A-834C-BE08-32BF825DEBFC}"/>
                   </a:ext>
                 </a:extLst>
               </p:cNvPr>
@@ -18299,10 +19855,10 @@
           </p:sp>
           <p:sp>
             <p:nvSpPr>
-              <p:cNvPr id="1032" name="Oval 1031">
+              <p:cNvPr id="1237" name="Oval 1236">
                 <a:extLst>
                   <a:ext uri="{FF2B5EF4-FFF2-40B4-BE49-F238E27FC236}">
-                    <a16:creationId xmlns:a16="http://schemas.microsoft.com/office/drawing/2014/main" id="{DB50ACAF-AA69-F04E-981E-7B40936880D3}"/>
+                    <a16:creationId xmlns:a16="http://schemas.microsoft.com/office/drawing/2014/main" id="{DEC5A637-146E-8F4C-8BE4-A53041ED69C2}"/>
                   </a:ext>
                 </a:extLst>
               </p:cNvPr>
@@ -18356,10 +19912,10 @@
           </p:sp>
           <p:sp>
             <p:nvSpPr>
-              <p:cNvPr id="1033" name="Oval 1032">
+              <p:cNvPr id="1238" name="Oval 1237">
                 <a:extLst>
                   <a:ext uri="{FF2B5EF4-FFF2-40B4-BE49-F238E27FC236}">
-                    <a16:creationId xmlns:a16="http://schemas.microsoft.com/office/drawing/2014/main" id="{4BDF834E-43DC-3741-BEA3-115087080869}"/>
+                    <a16:creationId xmlns:a16="http://schemas.microsoft.com/office/drawing/2014/main" id="{F03F191D-CECB-5B45-96B7-A350B798F1A2}"/>
                   </a:ext>
                 </a:extLst>
               </p:cNvPr>
@@ -18414,10 +19970,10 @@
         </p:grpSp>
         <p:grpSp>
           <p:nvGrpSpPr>
-            <p:cNvPr id="1009" name="Group 1008">
+            <p:cNvPr id="1214" name="Group 1213">
               <a:extLst>
                 <a:ext uri="{FF2B5EF4-FFF2-40B4-BE49-F238E27FC236}">
-                  <a16:creationId xmlns:a16="http://schemas.microsoft.com/office/drawing/2014/main" id="{90F27BE9-5D75-A445-A2D6-595665FDE5E3}"/>
+                  <a16:creationId xmlns:a16="http://schemas.microsoft.com/office/drawing/2014/main" id="{0AFB6DAF-A1BB-A148-909E-61828239C745}"/>
                 </a:ext>
               </a:extLst>
             </p:cNvPr>
@@ -18437,10 +19993,10 @@
           </p:grpSpPr>
           <p:sp>
             <p:nvSpPr>
-              <p:cNvPr id="1026" name="Rectangle 1025">
+              <p:cNvPr id="1231" name="Rectangle 1230">
                 <a:extLst>
                   <a:ext uri="{FF2B5EF4-FFF2-40B4-BE49-F238E27FC236}">
-                    <a16:creationId xmlns:a16="http://schemas.microsoft.com/office/drawing/2014/main" id="{71003AB1-E9D6-A643-9D6B-2C158A10496C}"/>
+                    <a16:creationId xmlns:a16="http://schemas.microsoft.com/office/drawing/2014/main" id="{70EB7284-550B-C34D-865C-BDAC796CC37C}"/>
                   </a:ext>
                 </a:extLst>
               </p:cNvPr>
@@ -18494,10 +20050,10 @@
           </p:sp>
           <p:sp>
             <p:nvSpPr>
-              <p:cNvPr id="1027" name="Oval 1026">
+              <p:cNvPr id="1232" name="Oval 1231">
                 <a:extLst>
                   <a:ext uri="{FF2B5EF4-FFF2-40B4-BE49-F238E27FC236}">
-                    <a16:creationId xmlns:a16="http://schemas.microsoft.com/office/drawing/2014/main" id="{AE9E4520-D9B2-5C4B-90D4-7B0049C8328C}"/>
+                    <a16:creationId xmlns:a16="http://schemas.microsoft.com/office/drawing/2014/main" id="{0A8DB4F1-5C62-0342-A48D-620046038DF8}"/>
                   </a:ext>
                 </a:extLst>
               </p:cNvPr>
@@ -18551,10 +20107,10 @@
           </p:sp>
           <p:sp>
             <p:nvSpPr>
-              <p:cNvPr id="1028" name="Oval 1027">
+              <p:cNvPr id="1233" name="Oval 1232">
                 <a:extLst>
                   <a:ext uri="{FF2B5EF4-FFF2-40B4-BE49-F238E27FC236}">
-                    <a16:creationId xmlns:a16="http://schemas.microsoft.com/office/drawing/2014/main" id="{7D022EB8-F140-3E4C-BD6C-7F1BFE4970D5}"/>
+                    <a16:creationId xmlns:a16="http://schemas.microsoft.com/office/drawing/2014/main" id="{557662BA-F36F-4140-A1A3-A650C79C62D7}"/>
                   </a:ext>
                 </a:extLst>
               </p:cNvPr>
@@ -18608,10 +20164,10 @@
           </p:sp>
           <p:sp>
             <p:nvSpPr>
-              <p:cNvPr id="1029" name="Oval 1028">
+              <p:cNvPr id="1234" name="Oval 1233">
                 <a:extLst>
                   <a:ext uri="{FF2B5EF4-FFF2-40B4-BE49-F238E27FC236}">
-                    <a16:creationId xmlns:a16="http://schemas.microsoft.com/office/drawing/2014/main" id="{1028E08D-96C0-FB4A-8BF8-0BF8B511BDEE}"/>
+                    <a16:creationId xmlns:a16="http://schemas.microsoft.com/office/drawing/2014/main" id="{0CFFCECC-43E9-8841-A385-85DACFAF230A}"/>
                   </a:ext>
                 </a:extLst>
               </p:cNvPr>
@@ -18666,10 +20222,10 @@
         </p:grpSp>
         <p:grpSp>
           <p:nvGrpSpPr>
-            <p:cNvPr id="1010" name="Group 1009">
+            <p:cNvPr id="1215" name="Group 1214">
               <a:extLst>
                 <a:ext uri="{FF2B5EF4-FFF2-40B4-BE49-F238E27FC236}">
-                  <a16:creationId xmlns:a16="http://schemas.microsoft.com/office/drawing/2014/main" id="{E5E92DCF-09E2-554D-86AF-428B5B34C4BE}"/>
+                  <a16:creationId xmlns:a16="http://schemas.microsoft.com/office/drawing/2014/main" id="{A40D723B-5C21-8D49-8367-456B840A77A9}"/>
                 </a:ext>
               </a:extLst>
             </p:cNvPr>
@@ -18689,10 +20245,10 @@
           </p:grpSpPr>
           <p:sp>
             <p:nvSpPr>
-              <p:cNvPr id="1022" name="Rectangle 1021">
+              <p:cNvPr id="1227" name="Rectangle 1226">
                 <a:extLst>
                   <a:ext uri="{FF2B5EF4-FFF2-40B4-BE49-F238E27FC236}">
-                    <a16:creationId xmlns:a16="http://schemas.microsoft.com/office/drawing/2014/main" id="{7A0ECB05-1ECC-BA4F-B6DF-44573428CE6E}"/>
+                    <a16:creationId xmlns:a16="http://schemas.microsoft.com/office/drawing/2014/main" id="{7300EBCE-DEFD-A14B-95D3-7ECDA8192B65}"/>
                   </a:ext>
                 </a:extLst>
               </p:cNvPr>
@@ -18746,10 +20302,10 @@
           </p:sp>
           <p:sp>
             <p:nvSpPr>
-              <p:cNvPr id="1023" name="Oval 1022">
+              <p:cNvPr id="1228" name="Oval 1227">
                 <a:extLst>
                   <a:ext uri="{FF2B5EF4-FFF2-40B4-BE49-F238E27FC236}">
-                    <a16:creationId xmlns:a16="http://schemas.microsoft.com/office/drawing/2014/main" id="{3B889629-5841-9D4D-881D-E431BB65C8F8}"/>
+                    <a16:creationId xmlns:a16="http://schemas.microsoft.com/office/drawing/2014/main" id="{9F9B3E06-99FE-1846-9C34-43DE46CA0B02}"/>
                   </a:ext>
                 </a:extLst>
               </p:cNvPr>
@@ -18803,10 +20359,10 @@
           </p:sp>
           <p:sp>
             <p:nvSpPr>
-              <p:cNvPr id="1024" name="Oval 1023">
+              <p:cNvPr id="1229" name="Oval 1228">
                 <a:extLst>
                   <a:ext uri="{FF2B5EF4-FFF2-40B4-BE49-F238E27FC236}">
-                    <a16:creationId xmlns:a16="http://schemas.microsoft.com/office/drawing/2014/main" id="{5F9E9458-8F77-6E40-BEE2-A6731DF23C9A}"/>
+                    <a16:creationId xmlns:a16="http://schemas.microsoft.com/office/drawing/2014/main" id="{19775184-14A0-FB4A-8516-7D3C8D9998A1}"/>
                   </a:ext>
                 </a:extLst>
               </p:cNvPr>
@@ -18860,10 +20416,10 @@
           </p:sp>
           <p:sp>
             <p:nvSpPr>
-              <p:cNvPr id="1025" name="Oval 1024">
+              <p:cNvPr id="1230" name="Oval 1229">
                 <a:extLst>
                   <a:ext uri="{FF2B5EF4-FFF2-40B4-BE49-F238E27FC236}">
-                    <a16:creationId xmlns:a16="http://schemas.microsoft.com/office/drawing/2014/main" id="{AD9A3941-249F-9C47-B189-B95FCA3F6B5D}"/>
+                    <a16:creationId xmlns:a16="http://schemas.microsoft.com/office/drawing/2014/main" id="{404DC211-B21F-974E-90C7-0EA95496779B}"/>
                   </a:ext>
                 </a:extLst>
               </p:cNvPr>
@@ -18918,10 +20474,10 @@
         </p:grpSp>
         <p:grpSp>
           <p:nvGrpSpPr>
-            <p:cNvPr id="1011" name="Group 1010">
+            <p:cNvPr id="1216" name="Group 1215">
               <a:extLst>
                 <a:ext uri="{FF2B5EF4-FFF2-40B4-BE49-F238E27FC236}">
-                  <a16:creationId xmlns:a16="http://schemas.microsoft.com/office/drawing/2014/main" id="{BD326A84-C66E-AA40-A372-2F4D6811746B}"/>
+                  <a16:creationId xmlns:a16="http://schemas.microsoft.com/office/drawing/2014/main" id="{E5EA3B84-0BD7-9844-B46E-21F3D6007DD8}"/>
                 </a:ext>
               </a:extLst>
             </p:cNvPr>
@@ -18941,10 +20497,10 @@
           </p:grpSpPr>
           <p:sp>
             <p:nvSpPr>
-              <p:cNvPr id="1018" name="Rectangle 1017">
+              <p:cNvPr id="1223" name="Rectangle 1222">
                 <a:extLst>
                   <a:ext uri="{FF2B5EF4-FFF2-40B4-BE49-F238E27FC236}">
-                    <a16:creationId xmlns:a16="http://schemas.microsoft.com/office/drawing/2014/main" id="{E05551A1-1EC5-F049-B236-57486F164B6A}"/>
+                    <a16:creationId xmlns:a16="http://schemas.microsoft.com/office/drawing/2014/main" id="{FDC93AF2-4A45-0045-BF25-E3E64ABC52EC}"/>
                   </a:ext>
                 </a:extLst>
               </p:cNvPr>
@@ -18998,10 +20554,10 @@
           </p:sp>
           <p:sp>
             <p:nvSpPr>
-              <p:cNvPr id="1019" name="Oval 1018">
+              <p:cNvPr id="1224" name="Oval 1223">
                 <a:extLst>
                   <a:ext uri="{FF2B5EF4-FFF2-40B4-BE49-F238E27FC236}">
-                    <a16:creationId xmlns:a16="http://schemas.microsoft.com/office/drawing/2014/main" id="{E8725174-CC15-9043-BCE7-AB2FAAE4B00C}"/>
+                    <a16:creationId xmlns:a16="http://schemas.microsoft.com/office/drawing/2014/main" id="{5BA63A96-C63A-474D-AC10-2A56E615AC3E}"/>
                   </a:ext>
                 </a:extLst>
               </p:cNvPr>
@@ -19055,10 +20611,10 @@
           </p:sp>
           <p:sp>
             <p:nvSpPr>
-              <p:cNvPr id="1020" name="Oval 1019">
+              <p:cNvPr id="1225" name="Oval 1224">
                 <a:extLst>
                   <a:ext uri="{FF2B5EF4-FFF2-40B4-BE49-F238E27FC236}">
-                    <a16:creationId xmlns:a16="http://schemas.microsoft.com/office/drawing/2014/main" id="{1FC7CC83-8094-F44D-9CCF-89FEFBB0EAC7}"/>
+                    <a16:creationId xmlns:a16="http://schemas.microsoft.com/office/drawing/2014/main" id="{38A17356-0388-624F-A06F-690DB0273C56}"/>
                   </a:ext>
                 </a:extLst>
               </p:cNvPr>
@@ -19112,10 +20668,10 @@
           </p:sp>
           <p:sp>
             <p:nvSpPr>
-              <p:cNvPr id="1021" name="Oval 1020">
+              <p:cNvPr id="1226" name="Oval 1225">
                 <a:extLst>
                   <a:ext uri="{FF2B5EF4-FFF2-40B4-BE49-F238E27FC236}">
-                    <a16:creationId xmlns:a16="http://schemas.microsoft.com/office/drawing/2014/main" id="{7214F76B-36B8-0541-92B3-CED7300EE83F}"/>
+                    <a16:creationId xmlns:a16="http://schemas.microsoft.com/office/drawing/2014/main" id="{FBA7B4CE-5C28-634C-8AEC-350C67314562}"/>
                   </a:ext>
                 </a:extLst>
               </p:cNvPr>
@@ -19170,10 +20726,10 @@
         </p:grpSp>
         <p:sp>
           <p:nvSpPr>
-            <p:cNvPr id="1012" name="Freeform 1011">
+            <p:cNvPr id="1217" name="Freeform 1216">
               <a:extLst>
                 <a:ext uri="{FF2B5EF4-FFF2-40B4-BE49-F238E27FC236}">
-                  <a16:creationId xmlns:a16="http://schemas.microsoft.com/office/drawing/2014/main" id="{BC85773D-2EF1-0041-9F79-5971ABC01321}"/>
+                  <a16:creationId xmlns:a16="http://schemas.microsoft.com/office/drawing/2014/main" id="{02F56D9E-A474-DC44-BF01-6C3D102981BE}"/>
                 </a:ext>
               </a:extLst>
             </p:cNvPr>
@@ -19420,10 +20976,10 @@
         </p:sp>
         <p:cxnSp>
           <p:nvCxnSpPr>
-            <p:cNvPr id="1013" name="Straight Connector 1012">
+            <p:cNvPr id="1218" name="Straight Connector 1217">
               <a:extLst>
                 <a:ext uri="{FF2B5EF4-FFF2-40B4-BE49-F238E27FC236}">
-                  <a16:creationId xmlns:a16="http://schemas.microsoft.com/office/drawing/2014/main" id="{1952D07E-2F3D-6647-B883-0E3B6109B5A9}"/>
+                  <a16:creationId xmlns:a16="http://schemas.microsoft.com/office/drawing/2014/main" id="{98A07D4D-F996-1645-A34C-C9DC9BCEABD0}"/>
                 </a:ext>
               </a:extLst>
             </p:cNvPr>
@@ -19464,10 +21020,10 @@
         </p:cxnSp>
         <p:sp>
           <p:nvSpPr>
-            <p:cNvPr id="1014" name="Freeform 1013">
+            <p:cNvPr id="1219" name="Freeform 1218">
               <a:extLst>
                 <a:ext uri="{FF2B5EF4-FFF2-40B4-BE49-F238E27FC236}">
-                  <a16:creationId xmlns:a16="http://schemas.microsoft.com/office/drawing/2014/main" id="{4983D5EC-1345-6342-A93E-425971C1AE0E}"/>
+                  <a16:creationId xmlns:a16="http://schemas.microsoft.com/office/drawing/2014/main" id="{EDD2CFC4-E8A8-3042-B735-73C6DEBD1B6D}"/>
                 </a:ext>
               </a:extLst>
             </p:cNvPr>
@@ -19714,10 +21270,10 @@
         </p:sp>
         <p:cxnSp>
           <p:nvCxnSpPr>
-            <p:cNvPr id="1015" name="Straight Connector 1014">
+            <p:cNvPr id="1220" name="Straight Connector 1219">
               <a:extLst>
                 <a:ext uri="{FF2B5EF4-FFF2-40B4-BE49-F238E27FC236}">
-                  <a16:creationId xmlns:a16="http://schemas.microsoft.com/office/drawing/2014/main" id="{4291DA1A-ABF8-A543-A693-27FC45719F68}"/>
+                  <a16:creationId xmlns:a16="http://schemas.microsoft.com/office/drawing/2014/main" id="{229DC7EA-BE46-0147-8D52-0D60EF332AEA}"/>
                 </a:ext>
               </a:extLst>
             </p:cNvPr>
@@ -19758,10 +21314,10 @@
         </p:cxnSp>
         <p:cxnSp>
           <p:nvCxnSpPr>
-            <p:cNvPr id="1016" name="Straight Connector 1015">
+            <p:cNvPr id="1221" name="Straight Connector 1220">
               <a:extLst>
                 <a:ext uri="{FF2B5EF4-FFF2-40B4-BE49-F238E27FC236}">
-                  <a16:creationId xmlns:a16="http://schemas.microsoft.com/office/drawing/2014/main" id="{69E86943-256A-BB43-8714-D8D3E28A1AC9}"/>
+                  <a16:creationId xmlns:a16="http://schemas.microsoft.com/office/drawing/2014/main" id="{BACCF2AF-CF1C-2D44-B555-EDDD9A878828}"/>
                 </a:ext>
               </a:extLst>
             </p:cNvPr>
@@ -19807,10 +21363,10 @@
         </p:cxnSp>
         <p:cxnSp>
           <p:nvCxnSpPr>
-            <p:cNvPr id="1017" name="Straight Connector 1016">
+            <p:cNvPr id="1222" name="Straight Connector 1221">
               <a:extLst>
                 <a:ext uri="{FF2B5EF4-FFF2-40B4-BE49-F238E27FC236}">
-                  <a16:creationId xmlns:a16="http://schemas.microsoft.com/office/drawing/2014/main" id="{88603C62-5228-C245-9FBD-08E6022C1F0A}"/>
+                  <a16:creationId xmlns:a16="http://schemas.microsoft.com/office/drawing/2014/main" id="{740F5A2A-5345-2247-9668-D87C05E5FE7E}"/>
                 </a:ext>
               </a:extLst>
             </p:cNvPr>
@@ -19857,10 +21413,10 @@
       </p:grpSp>
       <p:sp>
         <p:nvSpPr>
-          <p:cNvPr id="1042" name="TextBox 1041">
+          <p:cNvPr id="1247" name="TextBox 1246">
             <a:extLst>
               <a:ext uri="{FF2B5EF4-FFF2-40B4-BE49-F238E27FC236}">
-                <a16:creationId xmlns:a16="http://schemas.microsoft.com/office/drawing/2014/main" id="{68F4B8EB-DCAD-A248-8D8E-AC6C3C28BC2C}"/>
+                <a16:creationId xmlns:a16="http://schemas.microsoft.com/office/drawing/2014/main" id="{0A8F7FAA-E54B-7F40-80D8-3EED891C7530}"/>
               </a:ext>
             </a:extLst>
           </p:cNvPr>
@@ -19869,7 +21425,7 @@
         </p:nvSpPr>
         <p:spPr>
           <a:xfrm>
-            <a:off x="1805872" y="1857141"/>
+            <a:off x="2197992" y="1717066"/>
             <a:ext cx="1100956" cy="338554"/>
           </a:xfrm>
           <a:prstGeom prst="rect">
@@ -19927,10 +21483,10 @@
       </p:sp>
       <p:grpSp>
         <p:nvGrpSpPr>
-          <p:cNvPr id="1043" name="Group 1042">
+          <p:cNvPr id="1248" name="Group 1247">
             <a:extLst>
               <a:ext uri="{FF2B5EF4-FFF2-40B4-BE49-F238E27FC236}">
-                <a16:creationId xmlns:a16="http://schemas.microsoft.com/office/drawing/2014/main" id="{389DF4C2-EF7B-184C-8C7B-9233BB4FA1E2}"/>
+                <a16:creationId xmlns:a16="http://schemas.microsoft.com/office/drawing/2014/main" id="{D425BF15-8539-444F-9E41-304A229F49D3}"/>
               </a:ext>
             </a:extLst>
           </p:cNvPr>
@@ -19939,7 +21495,7 @@
         </p:nvGrpSpPr>
         <p:grpSpPr>
           <a:xfrm>
-            <a:off x="2984340" y="521208"/>
+            <a:off x="3384569" y="622553"/>
             <a:ext cx="587904" cy="452375"/>
             <a:chOff x="3321738" y="530844"/>
             <a:chExt cx="587904" cy="452375"/>
@@ -19947,10 +21503,10 @@
         </p:grpSpPr>
         <p:grpSp>
           <p:nvGrpSpPr>
-            <p:cNvPr id="1044" name="Group 1043">
+            <p:cNvPr id="1249" name="Group 1248">
               <a:extLst>
                 <a:ext uri="{FF2B5EF4-FFF2-40B4-BE49-F238E27FC236}">
-                  <a16:creationId xmlns:a16="http://schemas.microsoft.com/office/drawing/2014/main" id="{1A5722FA-7706-774C-A464-988C02820340}"/>
+                  <a16:creationId xmlns:a16="http://schemas.microsoft.com/office/drawing/2014/main" id="{B91AA51C-0D2C-AD42-9929-B6F54C6FF8F2}"/>
                 </a:ext>
               </a:extLst>
             </p:cNvPr>
@@ -19967,10 +21523,10 @@
           </p:grpSpPr>
           <p:sp>
             <p:nvSpPr>
-              <p:cNvPr id="1057" name="Freeform 748">
+              <p:cNvPr id="1262" name="Freeform 748">
                 <a:extLst>
                   <a:ext uri="{FF2B5EF4-FFF2-40B4-BE49-F238E27FC236}">
-                    <a16:creationId xmlns:a16="http://schemas.microsoft.com/office/drawing/2014/main" id="{0B8DAE07-D534-2D47-8D5D-A3C53C4A0F94}"/>
+                    <a16:creationId xmlns:a16="http://schemas.microsoft.com/office/drawing/2014/main" id="{51B706A4-6B00-4448-A427-D12C34635D3C}"/>
                   </a:ext>
                 </a:extLst>
               </p:cNvPr>
@@ -20253,10 +21809,10 @@
           </p:sp>
           <p:sp>
             <p:nvSpPr>
-              <p:cNvPr id="1058" name="Freeform 1057">
+              <p:cNvPr id="1263" name="Freeform 1262">
                 <a:extLst>
                   <a:ext uri="{FF2B5EF4-FFF2-40B4-BE49-F238E27FC236}">
-                    <a16:creationId xmlns:a16="http://schemas.microsoft.com/office/drawing/2014/main" id="{619E7F1B-0436-B14F-84AA-54ABB0C5A289}"/>
+                    <a16:creationId xmlns:a16="http://schemas.microsoft.com/office/drawing/2014/main" id="{50410E76-2146-9741-8B8F-EAF96A119A5A}"/>
                   </a:ext>
                 </a:extLst>
               </p:cNvPr>
@@ -20511,10 +22067,10 @@
         </p:grpSp>
         <p:grpSp>
           <p:nvGrpSpPr>
-            <p:cNvPr id="1045" name="Group 1044">
+            <p:cNvPr id="1250" name="Group 1249">
               <a:extLst>
                 <a:ext uri="{FF2B5EF4-FFF2-40B4-BE49-F238E27FC236}">
-                  <a16:creationId xmlns:a16="http://schemas.microsoft.com/office/drawing/2014/main" id="{1CAECA76-58A0-564B-A93E-E5AA5817C7F9}"/>
+                  <a16:creationId xmlns:a16="http://schemas.microsoft.com/office/drawing/2014/main" id="{006D9E5A-0E87-BC49-A174-6E3073098BF8}"/>
                 </a:ext>
               </a:extLst>
             </p:cNvPr>
@@ -20531,10 +22087,10 @@
           </p:grpSpPr>
           <p:sp>
             <p:nvSpPr>
-              <p:cNvPr id="1055" name="Block Arc 1054">
+              <p:cNvPr id="1260" name="Block Arc 1259">
                 <a:extLst>
                   <a:ext uri="{FF2B5EF4-FFF2-40B4-BE49-F238E27FC236}">
-                    <a16:creationId xmlns:a16="http://schemas.microsoft.com/office/drawing/2014/main" id="{FBF60FD4-7EDA-2F4F-98B7-96F6AAE79C2F}"/>
+                    <a16:creationId xmlns:a16="http://schemas.microsoft.com/office/drawing/2014/main" id="{45EB543A-55B5-E846-B992-8FB64A1FF063}"/>
                   </a:ext>
                 </a:extLst>
               </p:cNvPr>
@@ -20590,10 +22146,10 @@
           </p:sp>
           <p:cxnSp>
             <p:nvCxnSpPr>
-              <p:cNvPr id="1056" name="Straight Connector 1055">
+              <p:cNvPr id="1261" name="Straight Connector 1260">
                 <a:extLst>
                   <a:ext uri="{FF2B5EF4-FFF2-40B4-BE49-F238E27FC236}">
-                    <a16:creationId xmlns:a16="http://schemas.microsoft.com/office/drawing/2014/main" id="{E8AF153F-3F3D-6941-8987-B4D124B6EC1E}"/>
+                    <a16:creationId xmlns:a16="http://schemas.microsoft.com/office/drawing/2014/main" id="{FFE22421-0393-9C4D-ACA8-CB5AFB0EA154}"/>
                   </a:ext>
                 </a:extLst>
               </p:cNvPr>
@@ -20637,10 +22193,10 @@
         </p:grpSp>
         <p:grpSp>
           <p:nvGrpSpPr>
-            <p:cNvPr id="1046" name="Group 1045">
+            <p:cNvPr id="1251" name="Group 1250">
               <a:extLst>
                 <a:ext uri="{FF2B5EF4-FFF2-40B4-BE49-F238E27FC236}">
-                  <a16:creationId xmlns:a16="http://schemas.microsoft.com/office/drawing/2014/main" id="{30AA54FA-86AA-A64E-B835-DD8800C3B080}"/>
+                  <a16:creationId xmlns:a16="http://schemas.microsoft.com/office/drawing/2014/main" id="{B5E122EE-C9AC-4745-A937-A3EC1CDCA345}"/>
                 </a:ext>
               </a:extLst>
             </p:cNvPr>
@@ -20657,10 +22213,10 @@
           </p:grpSpPr>
           <p:sp>
             <p:nvSpPr>
-              <p:cNvPr id="1053" name="Block Arc 1052">
+              <p:cNvPr id="1258" name="Block Arc 1257">
                 <a:extLst>
                   <a:ext uri="{FF2B5EF4-FFF2-40B4-BE49-F238E27FC236}">
-                    <a16:creationId xmlns:a16="http://schemas.microsoft.com/office/drawing/2014/main" id="{382D66A6-5065-614F-9A2A-A07D7451D8CE}"/>
+                    <a16:creationId xmlns:a16="http://schemas.microsoft.com/office/drawing/2014/main" id="{2190DE69-6DCC-8445-8BD2-8CFA1C7AF39D}"/>
                   </a:ext>
                 </a:extLst>
               </p:cNvPr>
@@ -20716,10 +22272,10 @@
           </p:sp>
           <p:cxnSp>
             <p:nvCxnSpPr>
-              <p:cNvPr id="1054" name="Straight Connector 1053">
+              <p:cNvPr id="1259" name="Straight Connector 1258">
                 <a:extLst>
                   <a:ext uri="{FF2B5EF4-FFF2-40B4-BE49-F238E27FC236}">
-                    <a16:creationId xmlns:a16="http://schemas.microsoft.com/office/drawing/2014/main" id="{8F7348E4-9F01-D442-901A-B8B15AB14517}"/>
+                    <a16:creationId xmlns:a16="http://schemas.microsoft.com/office/drawing/2014/main" id="{E71E3F92-E374-2945-B6DD-4E400BF6F812}"/>
                   </a:ext>
                 </a:extLst>
               </p:cNvPr>
@@ -20763,10 +22319,10 @@
         </p:grpSp>
         <p:grpSp>
           <p:nvGrpSpPr>
-            <p:cNvPr id="1047" name="Group 1046">
+            <p:cNvPr id="1252" name="Group 1251">
               <a:extLst>
                 <a:ext uri="{FF2B5EF4-FFF2-40B4-BE49-F238E27FC236}">
-                  <a16:creationId xmlns:a16="http://schemas.microsoft.com/office/drawing/2014/main" id="{402AFA4A-284A-ED4C-9479-56B3B18E2DCB}"/>
+                  <a16:creationId xmlns:a16="http://schemas.microsoft.com/office/drawing/2014/main" id="{DA66DDBF-F0C9-4949-84A3-7FFB08F26356}"/>
                 </a:ext>
               </a:extLst>
             </p:cNvPr>
@@ -20783,10 +22339,10 @@
           </p:grpSpPr>
           <p:sp>
             <p:nvSpPr>
-              <p:cNvPr id="1051" name="Block Arc 1050">
+              <p:cNvPr id="1256" name="Block Arc 1255">
                 <a:extLst>
                   <a:ext uri="{FF2B5EF4-FFF2-40B4-BE49-F238E27FC236}">
-                    <a16:creationId xmlns:a16="http://schemas.microsoft.com/office/drawing/2014/main" id="{961400C3-2C7A-1940-82E6-B3162954BD80}"/>
+                    <a16:creationId xmlns:a16="http://schemas.microsoft.com/office/drawing/2014/main" id="{4836F6D6-63B7-9D4F-A3EF-CD9FFE7EE56D}"/>
                   </a:ext>
                 </a:extLst>
               </p:cNvPr>
@@ -20842,10 +22398,10 @@
           </p:sp>
           <p:cxnSp>
             <p:nvCxnSpPr>
-              <p:cNvPr id="1052" name="Straight Connector 1051">
+              <p:cNvPr id="1257" name="Straight Connector 1256">
                 <a:extLst>
                   <a:ext uri="{FF2B5EF4-FFF2-40B4-BE49-F238E27FC236}">
-                    <a16:creationId xmlns:a16="http://schemas.microsoft.com/office/drawing/2014/main" id="{3AEBDEA1-4F77-0044-826E-7F9EF894FE74}"/>
+                    <a16:creationId xmlns:a16="http://schemas.microsoft.com/office/drawing/2014/main" id="{AC8F0E44-B6AB-3E49-A407-1AD8E687BD1E}"/>
                   </a:ext>
                 </a:extLst>
               </p:cNvPr>
@@ -20889,10 +22445,10 @@
         </p:grpSp>
         <p:grpSp>
           <p:nvGrpSpPr>
-            <p:cNvPr id="1048" name="Group 1047">
+            <p:cNvPr id="1253" name="Group 1252">
               <a:extLst>
                 <a:ext uri="{FF2B5EF4-FFF2-40B4-BE49-F238E27FC236}">
-                  <a16:creationId xmlns:a16="http://schemas.microsoft.com/office/drawing/2014/main" id="{7190B6CA-1573-0F41-88D1-00771339A11A}"/>
+                  <a16:creationId xmlns:a16="http://schemas.microsoft.com/office/drawing/2014/main" id="{E1CFB0AD-CA56-8440-803A-180E4A071017}"/>
                 </a:ext>
               </a:extLst>
             </p:cNvPr>
@@ -20909,10 +22465,10 @@
           </p:grpSpPr>
           <p:sp>
             <p:nvSpPr>
-              <p:cNvPr id="1049" name="Block Arc 1048">
+              <p:cNvPr id="1254" name="Block Arc 1253">
                 <a:extLst>
                   <a:ext uri="{FF2B5EF4-FFF2-40B4-BE49-F238E27FC236}">
-                    <a16:creationId xmlns:a16="http://schemas.microsoft.com/office/drawing/2014/main" id="{B41A016B-08C7-1741-9851-E314941A15A7}"/>
+                    <a16:creationId xmlns:a16="http://schemas.microsoft.com/office/drawing/2014/main" id="{55066DA1-85A9-FE47-9921-154CD7A1B07A}"/>
                   </a:ext>
                 </a:extLst>
               </p:cNvPr>
@@ -20968,10 +22524,10 @@
           </p:sp>
           <p:cxnSp>
             <p:nvCxnSpPr>
-              <p:cNvPr id="1050" name="Straight Connector 1049">
+              <p:cNvPr id="1255" name="Straight Connector 1254">
                 <a:extLst>
                   <a:ext uri="{FF2B5EF4-FFF2-40B4-BE49-F238E27FC236}">
-                    <a16:creationId xmlns:a16="http://schemas.microsoft.com/office/drawing/2014/main" id="{8E06875B-C2A8-504F-80AB-EDAAB31461B7}"/>
+                    <a16:creationId xmlns:a16="http://schemas.microsoft.com/office/drawing/2014/main" id="{DB0C6334-7DFE-EE4F-8B2E-7371750E9955}"/>
                   </a:ext>
                 </a:extLst>
               </p:cNvPr>
@@ -21016,10 +22572,10 @@
       </p:grpSp>
       <p:grpSp>
         <p:nvGrpSpPr>
-          <p:cNvPr id="1059" name="Group 1058">
+          <p:cNvPr id="1264" name="Group 1263">
             <a:extLst>
               <a:ext uri="{FF2B5EF4-FFF2-40B4-BE49-F238E27FC236}">
-                <a16:creationId xmlns:a16="http://schemas.microsoft.com/office/drawing/2014/main" id="{3F1E5851-D611-3946-ADAB-6D61ACDC2744}"/>
+                <a16:creationId xmlns:a16="http://schemas.microsoft.com/office/drawing/2014/main" id="{D6EBE3CE-7FB7-FB4B-9796-38C25B6BFEE1}"/>
               </a:ext>
             </a:extLst>
           </p:cNvPr>
@@ -21028,7 +22584,7 @@
         </p:nvGrpSpPr>
         <p:grpSpPr>
           <a:xfrm>
-            <a:off x="3010537" y="954319"/>
+            <a:off x="3410766" y="1055664"/>
             <a:ext cx="587904" cy="452375"/>
             <a:chOff x="3321738" y="530844"/>
             <a:chExt cx="587904" cy="452375"/>
@@ -21036,10 +22592,10 @@
         </p:grpSpPr>
         <p:grpSp>
           <p:nvGrpSpPr>
-            <p:cNvPr id="1060" name="Group 1059">
+            <p:cNvPr id="1265" name="Group 1264">
               <a:extLst>
                 <a:ext uri="{FF2B5EF4-FFF2-40B4-BE49-F238E27FC236}">
-                  <a16:creationId xmlns:a16="http://schemas.microsoft.com/office/drawing/2014/main" id="{326BD6A2-A757-DD41-902A-BA638B1A8FD6}"/>
+                  <a16:creationId xmlns:a16="http://schemas.microsoft.com/office/drawing/2014/main" id="{D7F6BAF3-3585-EF42-BE64-13F7F5F06AC2}"/>
                 </a:ext>
               </a:extLst>
             </p:cNvPr>
@@ -21056,10 +22612,10 @@
           </p:grpSpPr>
           <p:sp>
             <p:nvSpPr>
-              <p:cNvPr id="1073" name="Freeform 748">
+              <p:cNvPr id="1278" name="Freeform 748">
                 <a:extLst>
                   <a:ext uri="{FF2B5EF4-FFF2-40B4-BE49-F238E27FC236}">
-                    <a16:creationId xmlns:a16="http://schemas.microsoft.com/office/drawing/2014/main" id="{60AD9AE8-35DA-BE4C-BB3A-D5C531D1306A}"/>
+                    <a16:creationId xmlns:a16="http://schemas.microsoft.com/office/drawing/2014/main" id="{867CA029-57B7-6B4F-8E2E-9E71A246DFF3}"/>
                   </a:ext>
                 </a:extLst>
               </p:cNvPr>
@@ -21342,10 +22898,10 @@
           </p:sp>
           <p:sp>
             <p:nvSpPr>
-              <p:cNvPr id="1074" name="Freeform 1073">
+              <p:cNvPr id="1279" name="Freeform 1278">
                 <a:extLst>
                   <a:ext uri="{FF2B5EF4-FFF2-40B4-BE49-F238E27FC236}">
-                    <a16:creationId xmlns:a16="http://schemas.microsoft.com/office/drawing/2014/main" id="{D30BBCFB-6C07-7A45-97D1-966331C629C2}"/>
+                    <a16:creationId xmlns:a16="http://schemas.microsoft.com/office/drawing/2014/main" id="{35E78F17-2187-F94C-AE13-6422F74A3FF8}"/>
                   </a:ext>
                 </a:extLst>
               </p:cNvPr>
@@ -21600,10 +23156,10 @@
         </p:grpSp>
         <p:grpSp>
           <p:nvGrpSpPr>
-            <p:cNvPr id="1061" name="Group 1060">
+            <p:cNvPr id="1266" name="Group 1265">
               <a:extLst>
                 <a:ext uri="{FF2B5EF4-FFF2-40B4-BE49-F238E27FC236}">
-                  <a16:creationId xmlns:a16="http://schemas.microsoft.com/office/drawing/2014/main" id="{3FB7E15F-F821-1B44-92F3-310EFFCCE2E0}"/>
+                  <a16:creationId xmlns:a16="http://schemas.microsoft.com/office/drawing/2014/main" id="{3DFB93F7-C151-CE4A-BEFF-145B63BDDAAF}"/>
                 </a:ext>
               </a:extLst>
             </p:cNvPr>
@@ -21620,10 +23176,10 @@
           </p:grpSpPr>
           <p:sp>
             <p:nvSpPr>
-              <p:cNvPr id="1071" name="Block Arc 1070">
+              <p:cNvPr id="1276" name="Block Arc 1275">
                 <a:extLst>
                   <a:ext uri="{FF2B5EF4-FFF2-40B4-BE49-F238E27FC236}">
-                    <a16:creationId xmlns:a16="http://schemas.microsoft.com/office/drawing/2014/main" id="{B29722F0-459F-9845-8B2A-CA340A244DB7}"/>
+                    <a16:creationId xmlns:a16="http://schemas.microsoft.com/office/drawing/2014/main" id="{81D2AED4-5BD9-BF44-B995-B38D1734E207}"/>
                   </a:ext>
                 </a:extLst>
               </p:cNvPr>
@@ -21679,10 +23235,10 @@
           </p:sp>
           <p:cxnSp>
             <p:nvCxnSpPr>
-              <p:cNvPr id="1072" name="Straight Connector 1071">
+              <p:cNvPr id="1277" name="Straight Connector 1276">
                 <a:extLst>
                   <a:ext uri="{FF2B5EF4-FFF2-40B4-BE49-F238E27FC236}">
-                    <a16:creationId xmlns:a16="http://schemas.microsoft.com/office/drawing/2014/main" id="{9652F7CB-B16D-C047-8477-DB3E6D9E7371}"/>
+                    <a16:creationId xmlns:a16="http://schemas.microsoft.com/office/drawing/2014/main" id="{63906E76-C774-A549-B70C-97BFAC5A3EDC}"/>
                   </a:ext>
                 </a:extLst>
               </p:cNvPr>
@@ -21726,10 +23282,10 @@
         </p:grpSp>
         <p:grpSp>
           <p:nvGrpSpPr>
-            <p:cNvPr id="1062" name="Group 1061">
+            <p:cNvPr id="1267" name="Group 1266">
               <a:extLst>
                 <a:ext uri="{FF2B5EF4-FFF2-40B4-BE49-F238E27FC236}">
-                  <a16:creationId xmlns:a16="http://schemas.microsoft.com/office/drawing/2014/main" id="{C78AB8F5-54FF-2D4A-B7E8-3B2ABE7AFBA7}"/>
+                  <a16:creationId xmlns:a16="http://schemas.microsoft.com/office/drawing/2014/main" id="{FA71A62A-3E41-8446-9605-09996C09837A}"/>
                 </a:ext>
               </a:extLst>
             </p:cNvPr>
@@ -21746,10 +23302,10 @@
           </p:grpSpPr>
           <p:sp>
             <p:nvSpPr>
-              <p:cNvPr id="1069" name="Block Arc 1068">
+              <p:cNvPr id="1274" name="Block Arc 1273">
                 <a:extLst>
                   <a:ext uri="{FF2B5EF4-FFF2-40B4-BE49-F238E27FC236}">
-                    <a16:creationId xmlns:a16="http://schemas.microsoft.com/office/drawing/2014/main" id="{D2707DF0-AAC4-4147-9478-0FA72E79430B}"/>
+                    <a16:creationId xmlns:a16="http://schemas.microsoft.com/office/drawing/2014/main" id="{B08D7482-73E5-114C-B2C3-3E4FA61022D4}"/>
                   </a:ext>
                 </a:extLst>
               </p:cNvPr>
@@ -21805,10 +23361,10 @@
           </p:sp>
           <p:cxnSp>
             <p:nvCxnSpPr>
-              <p:cNvPr id="1070" name="Straight Connector 1069">
+              <p:cNvPr id="1275" name="Straight Connector 1274">
                 <a:extLst>
                   <a:ext uri="{FF2B5EF4-FFF2-40B4-BE49-F238E27FC236}">
-                    <a16:creationId xmlns:a16="http://schemas.microsoft.com/office/drawing/2014/main" id="{BA01677F-A493-1E43-9665-81DE65A44316}"/>
+                    <a16:creationId xmlns:a16="http://schemas.microsoft.com/office/drawing/2014/main" id="{FA2CAD32-A695-EB4A-9BEC-205F1FD98649}"/>
                   </a:ext>
                 </a:extLst>
               </p:cNvPr>
@@ -21852,10 +23408,10 @@
         </p:grpSp>
         <p:grpSp>
           <p:nvGrpSpPr>
-            <p:cNvPr id="1063" name="Group 1062">
+            <p:cNvPr id="1268" name="Group 1267">
               <a:extLst>
                 <a:ext uri="{FF2B5EF4-FFF2-40B4-BE49-F238E27FC236}">
-                  <a16:creationId xmlns:a16="http://schemas.microsoft.com/office/drawing/2014/main" id="{219870C3-390E-0F4D-8A7F-49A7A6B58D99}"/>
+                  <a16:creationId xmlns:a16="http://schemas.microsoft.com/office/drawing/2014/main" id="{7A97A5E9-9FD5-5045-9A8D-CE565086D3FD}"/>
                 </a:ext>
               </a:extLst>
             </p:cNvPr>
@@ -21872,10 +23428,10 @@
           </p:grpSpPr>
           <p:sp>
             <p:nvSpPr>
-              <p:cNvPr id="1067" name="Block Arc 1066">
+              <p:cNvPr id="1272" name="Block Arc 1271">
                 <a:extLst>
                   <a:ext uri="{FF2B5EF4-FFF2-40B4-BE49-F238E27FC236}">
-                    <a16:creationId xmlns:a16="http://schemas.microsoft.com/office/drawing/2014/main" id="{18BECA66-9153-684A-BF39-0ACACFBAB8CB}"/>
+                    <a16:creationId xmlns:a16="http://schemas.microsoft.com/office/drawing/2014/main" id="{27B0B792-86C5-AE4C-9397-B7DA13DAA921}"/>
                   </a:ext>
                 </a:extLst>
               </p:cNvPr>
@@ -21931,10 +23487,10 @@
           </p:sp>
           <p:cxnSp>
             <p:nvCxnSpPr>
-              <p:cNvPr id="1068" name="Straight Connector 1067">
+              <p:cNvPr id="1273" name="Straight Connector 1272">
                 <a:extLst>
                   <a:ext uri="{FF2B5EF4-FFF2-40B4-BE49-F238E27FC236}">
-                    <a16:creationId xmlns:a16="http://schemas.microsoft.com/office/drawing/2014/main" id="{71E7C6F6-73AD-214D-91E7-A00F99B2441E}"/>
+                    <a16:creationId xmlns:a16="http://schemas.microsoft.com/office/drawing/2014/main" id="{F1BBA1D7-57B9-E245-9B79-1AC28DA9229F}"/>
                   </a:ext>
                 </a:extLst>
               </p:cNvPr>
@@ -21978,10 +23534,10 @@
         </p:grpSp>
         <p:grpSp>
           <p:nvGrpSpPr>
-            <p:cNvPr id="1064" name="Group 1063">
+            <p:cNvPr id="1269" name="Group 1268">
               <a:extLst>
                 <a:ext uri="{FF2B5EF4-FFF2-40B4-BE49-F238E27FC236}">
-                  <a16:creationId xmlns:a16="http://schemas.microsoft.com/office/drawing/2014/main" id="{BE95A241-C2B8-574E-99EC-CBFE4A63D576}"/>
+                  <a16:creationId xmlns:a16="http://schemas.microsoft.com/office/drawing/2014/main" id="{54968AFC-E7DE-4D4B-AA63-D39BCC4A1552}"/>
                 </a:ext>
               </a:extLst>
             </p:cNvPr>
@@ -21998,10 +23554,10 @@
           </p:grpSpPr>
           <p:sp>
             <p:nvSpPr>
-              <p:cNvPr id="1065" name="Block Arc 1064">
+              <p:cNvPr id="1270" name="Block Arc 1269">
                 <a:extLst>
                   <a:ext uri="{FF2B5EF4-FFF2-40B4-BE49-F238E27FC236}">
-                    <a16:creationId xmlns:a16="http://schemas.microsoft.com/office/drawing/2014/main" id="{B8C28AE3-9FD7-8241-AA62-2F1BC547F1F8}"/>
+                    <a16:creationId xmlns:a16="http://schemas.microsoft.com/office/drawing/2014/main" id="{2CEA0CC6-7AA7-AF45-B08A-F75753678403}"/>
                   </a:ext>
                 </a:extLst>
               </p:cNvPr>
@@ -22057,10 +23613,10 @@
           </p:sp>
           <p:cxnSp>
             <p:nvCxnSpPr>
-              <p:cNvPr id="1066" name="Straight Connector 1065">
+              <p:cNvPr id="1271" name="Straight Connector 1270">
                 <a:extLst>
                   <a:ext uri="{FF2B5EF4-FFF2-40B4-BE49-F238E27FC236}">
-                    <a16:creationId xmlns:a16="http://schemas.microsoft.com/office/drawing/2014/main" id="{2A5EA018-3A41-4448-A42D-D8D53E297835}"/>
+                    <a16:creationId xmlns:a16="http://schemas.microsoft.com/office/drawing/2014/main" id="{2486457E-CEF3-574D-BFBD-757131106D8A}"/>
                   </a:ext>
                 </a:extLst>
               </p:cNvPr>
@@ -22105,10 +23661,10 @@
       </p:grpSp>
       <p:grpSp>
         <p:nvGrpSpPr>
-          <p:cNvPr id="1075" name="Group 1074">
+          <p:cNvPr id="1280" name="Group 1279">
             <a:extLst>
               <a:ext uri="{FF2B5EF4-FFF2-40B4-BE49-F238E27FC236}">
-                <a16:creationId xmlns:a16="http://schemas.microsoft.com/office/drawing/2014/main" id="{6390E60C-CF25-2740-9CC7-24E22DF8ADD6}"/>
+                <a16:creationId xmlns:a16="http://schemas.microsoft.com/office/drawing/2014/main" id="{034CA7F6-6F30-4246-BD8F-AB467C1EA5B4}"/>
               </a:ext>
             </a:extLst>
           </p:cNvPr>
@@ -22117,7 +23673,7 @@
         </p:nvGrpSpPr>
         <p:grpSpPr>
           <a:xfrm>
-            <a:off x="3056909" y="1314633"/>
+            <a:off x="3457138" y="1415978"/>
             <a:ext cx="587904" cy="452375"/>
             <a:chOff x="3321738" y="530844"/>
             <a:chExt cx="587904" cy="452375"/>
@@ -22125,10 +23681,10 @@
         </p:grpSpPr>
         <p:grpSp>
           <p:nvGrpSpPr>
-            <p:cNvPr id="1076" name="Group 1075">
+            <p:cNvPr id="1281" name="Group 1280">
               <a:extLst>
                 <a:ext uri="{FF2B5EF4-FFF2-40B4-BE49-F238E27FC236}">
-                  <a16:creationId xmlns:a16="http://schemas.microsoft.com/office/drawing/2014/main" id="{C822FE73-1CEA-044B-B48B-1A4F949311F8}"/>
+                  <a16:creationId xmlns:a16="http://schemas.microsoft.com/office/drawing/2014/main" id="{8EFD2133-678B-D54D-81C9-313F6615D65F}"/>
                 </a:ext>
               </a:extLst>
             </p:cNvPr>
@@ -22145,10 +23701,10 @@
           </p:grpSpPr>
           <p:sp>
             <p:nvSpPr>
-              <p:cNvPr id="1089" name="Freeform 748">
+              <p:cNvPr id="1294" name="Freeform 748">
                 <a:extLst>
                   <a:ext uri="{FF2B5EF4-FFF2-40B4-BE49-F238E27FC236}">
-                    <a16:creationId xmlns:a16="http://schemas.microsoft.com/office/drawing/2014/main" id="{18991928-2B81-6B46-ADD2-4ECAF21A4634}"/>
+                    <a16:creationId xmlns:a16="http://schemas.microsoft.com/office/drawing/2014/main" id="{BBE76879-3F28-BA42-98C0-ED52596B2839}"/>
                   </a:ext>
                 </a:extLst>
               </p:cNvPr>
@@ -22431,10 +23987,10 @@
           </p:sp>
           <p:sp>
             <p:nvSpPr>
-              <p:cNvPr id="1090" name="Freeform 1089">
+              <p:cNvPr id="1295" name="Freeform 1294">
                 <a:extLst>
                   <a:ext uri="{FF2B5EF4-FFF2-40B4-BE49-F238E27FC236}">
-                    <a16:creationId xmlns:a16="http://schemas.microsoft.com/office/drawing/2014/main" id="{4B5E3EF7-8D17-364C-97E0-2D0FC5780047}"/>
+                    <a16:creationId xmlns:a16="http://schemas.microsoft.com/office/drawing/2014/main" id="{9D41C089-D553-8342-94F3-BE0C8911C60E}"/>
                   </a:ext>
                 </a:extLst>
               </p:cNvPr>
@@ -22689,10 +24245,10 @@
         </p:grpSp>
         <p:grpSp>
           <p:nvGrpSpPr>
-            <p:cNvPr id="1077" name="Group 1076">
+            <p:cNvPr id="1282" name="Group 1281">
               <a:extLst>
                 <a:ext uri="{FF2B5EF4-FFF2-40B4-BE49-F238E27FC236}">
-                  <a16:creationId xmlns:a16="http://schemas.microsoft.com/office/drawing/2014/main" id="{D15930B3-3130-F048-BD13-627EE7FC33D0}"/>
+                  <a16:creationId xmlns:a16="http://schemas.microsoft.com/office/drawing/2014/main" id="{6770DFF6-F267-AB4E-A936-C0C36E90DAF2}"/>
                 </a:ext>
               </a:extLst>
             </p:cNvPr>
@@ -22709,10 +24265,10 @@
           </p:grpSpPr>
           <p:sp>
             <p:nvSpPr>
-              <p:cNvPr id="1087" name="Block Arc 1086">
+              <p:cNvPr id="1292" name="Block Arc 1291">
                 <a:extLst>
                   <a:ext uri="{FF2B5EF4-FFF2-40B4-BE49-F238E27FC236}">
-                    <a16:creationId xmlns:a16="http://schemas.microsoft.com/office/drawing/2014/main" id="{738A64C8-0FCA-C84C-9435-99279D01F51E}"/>
+                    <a16:creationId xmlns:a16="http://schemas.microsoft.com/office/drawing/2014/main" id="{48131439-1889-D84C-B234-375345866276}"/>
                   </a:ext>
                 </a:extLst>
               </p:cNvPr>
@@ -22768,10 +24324,10 @@
           </p:sp>
           <p:cxnSp>
             <p:nvCxnSpPr>
-              <p:cNvPr id="1088" name="Straight Connector 1087">
+              <p:cNvPr id="1293" name="Straight Connector 1292">
                 <a:extLst>
                   <a:ext uri="{FF2B5EF4-FFF2-40B4-BE49-F238E27FC236}">
-                    <a16:creationId xmlns:a16="http://schemas.microsoft.com/office/drawing/2014/main" id="{AAB4A1CD-24F3-F142-8DE1-103B74C2FAB3}"/>
+                    <a16:creationId xmlns:a16="http://schemas.microsoft.com/office/drawing/2014/main" id="{79E593F8-A573-8C4A-9D6B-31C141F10DE2}"/>
                   </a:ext>
                 </a:extLst>
               </p:cNvPr>
@@ -22815,10 +24371,10 @@
         </p:grpSp>
         <p:grpSp>
           <p:nvGrpSpPr>
-            <p:cNvPr id="1078" name="Group 1077">
+            <p:cNvPr id="1283" name="Group 1282">
               <a:extLst>
                 <a:ext uri="{FF2B5EF4-FFF2-40B4-BE49-F238E27FC236}">
-                  <a16:creationId xmlns:a16="http://schemas.microsoft.com/office/drawing/2014/main" id="{6ABB1722-F73C-6A4F-AB44-1C9E8C03AEB9}"/>
+                  <a16:creationId xmlns:a16="http://schemas.microsoft.com/office/drawing/2014/main" id="{B514DB2C-7E76-B645-9119-F545E133B882}"/>
                 </a:ext>
               </a:extLst>
             </p:cNvPr>
@@ -22835,10 +24391,10 @@
           </p:grpSpPr>
           <p:sp>
             <p:nvSpPr>
-              <p:cNvPr id="1085" name="Block Arc 1084">
+              <p:cNvPr id="1290" name="Block Arc 1289">
                 <a:extLst>
                   <a:ext uri="{FF2B5EF4-FFF2-40B4-BE49-F238E27FC236}">
-                    <a16:creationId xmlns:a16="http://schemas.microsoft.com/office/drawing/2014/main" id="{254B4EDF-E6EB-6640-ABD2-FAAB325601A4}"/>
+                    <a16:creationId xmlns:a16="http://schemas.microsoft.com/office/drawing/2014/main" id="{AD035079-8FA7-9943-8637-8A53F7D6F8D4}"/>
                   </a:ext>
                 </a:extLst>
               </p:cNvPr>
@@ -22894,10 +24450,10 @@
           </p:sp>
           <p:cxnSp>
             <p:nvCxnSpPr>
-              <p:cNvPr id="1086" name="Straight Connector 1085">
+              <p:cNvPr id="1291" name="Straight Connector 1290">
                 <a:extLst>
                   <a:ext uri="{FF2B5EF4-FFF2-40B4-BE49-F238E27FC236}">
-                    <a16:creationId xmlns:a16="http://schemas.microsoft.com/office/drawing/2014/main" id="{C016F733-DE56-354C-9D22-C5BE2901D7B8}"/>
+                    <a16:creationId xmlns:a16="http://schemas.microsoft.com/office/drawing/2014/main" id="{1CB4E36D-147C-DB48-8F43-AC3E2897FB92}"/>
                   </a:ext>
                 </a:extLst>
               </p:cNvPr>
@@ -22941,10 +24497,10 @@
         </p:grpSp>
         <p:grpSp>
           <p:nvGrpSpPr>
-            <p:cNvPr id="1079" name="Group 1078">
+            <p:cNvPr id="1284" name="Group 1283">
               <a:extLst>
                 <a:ext uri="{FF2B5EF4-FFF2-40B4-BE49-F238E27FC236}">
-                  <a16:creationId xmlns:a16="http://schemas.microsoft.com/office/drawing/2014/main" id="{ED6BB487-AE05-B844-93BD-853E1BDE65B9}"/>
+                  <a16:creationId xmlns:a16="http://schemas.microsoft.com/office/drawing/2014/main" id="{1B48CC11-F514-E442-9D3C-9C90ABFD052D}"/>
                 </a:ext>
               </a:extLst>
             </p:cNvPr>
@@ -22961,10 +24517,10 @@
           </p:grpSpPr>
           <p:sp>
             <p:nvSpPr>
-              <p:cNvPr id="1083" name="Block Arc 1082">
+              <p:cNvPr id="1288" name="Block Arc 1287">
                 <a:extLst>
                   <a:ext uri="{FF2B5EF4-FFF2-40B4-BE49-F238E27FC236}">
-                    <a16:creationId xmlns:a16="http://schemas.microsoft.com/office/drawing/2014/main" id="{263D87FF-CDB7-064A-8AA2-A13397BE03B7}"/>
+                    <a16:creationId xmlns:a16="http://schemas.microsoft.com/office/drawing/2014/main" id="{7E2161F4-DBCC-A440-A03E-59309BE3AFA3}"/>
                   </a:ext>
                 </a:extLst>
               </p:cNvPr>
@@ -23020,10 +24576,10 @@
           </p:sp>
           <p:cxnSp>
             <p:nvCxnSpPr>
-              <p:cNvPr id="1084" name="Straight Connector 1083">
+              <p:cNvPr id="1289" name="Straight Connector 1288">
                 <a:extLst>
                   <a:ext uri="{FF2B5EF4-FFF2-40B4-BE49-F238E27FC236}">
-                    <a16:creationId xmlns:a16="http://schemas.microsoft.com/office/drawing/2014/main" id="{20C72667-3E56-B040-9E85-3F8170051880}"/>
+                    <a16:creationId xmlns:a16="http://schemas.microsoft.com/office/drawing/2014/main" id="{2D9E5336-E5F1-B64D-A6D5-38D6E1D04DA7}"/>
                   </a:ext>
                 </a:extLst>
               </p:cNvPr>
@@ -23067,10 +24623,10 @@
         </p:grpSp>
         <p:grpSp>
           <p:nvGrpSpPr>
-            <p:cNvPr id="1080" name="Group 1079">
+            <p:cNvPr id="1285" name="Group 1284">
               <a:extLst>
                 <a:ext uri="{FF2B5EF4-FFF2-40B4-BE49-F238E27FC236}">
-                  <a16:creationId xmlns:a16="http://schemas.microsoft.com/office/drawing/2014/main" id="{E53C5945-7DCF-D441-AC20-61B036AD6A43}"/>
+                  <a16:creationId xmlns:a16="http://schemas.microsoft.com/office/drawing/2014/main" id="{340BFE15-FA92-134B-A10A-BF22ED11325E}"/>
                 </a:ext>
               </a:extLst>
             </p:cNvPr>
@@ -23087,10 +24643,10 @@
           </p:grpSpPr>
           <p:sp>
             <p:nvSpPr>
-              <p:cNvPr id="1081" name="Block Arc 1080">
+              <p:cNvPr id="1286" name="Block Arc 1285">
                 <a:extLst>
                   <a:ext uri="{FF2B5EF4-FFF2-40B4-BE49-F238E27FC236}">
-                    <a16:creationId xmlns:a16="http://schemas.microsoft.com/office/drawing/2014/main" id="{0479A789-A3B9-7F47-B844-D0C8BBAAB94E}"/>
+                    <a16:creationId xmlns:a16="http://schemas.microsoft.com/office/drawing/2014/main" id="{9D9DF785-ACD9-5E4C-85D1-6B81A03A8A90}"/>
                   </a:ext>
                 </a:extLst>
               </p:cNvPr>
@@ -23146,10 +24702,10 @@
           </p:sp>
           <p:cxnSp>
             <p:nvCxnSpPr>
-              <p:cNvPr id="1082" name="Straight Connector 1081">
+              <p:cNvPr id="1287" name="Straight Connector 1286">
                 <a:extLst>
                   <a:ext uri="{FF2B5EF4-FFF2-40B4-BE49-F238E27FC236}">
-                    <a16:creationId xmlns:a16="http://schemas.microsoft.com/office/drawing/2014/main" id="{5263BF84-D2D0-7043-8287-D2C638E4712B}"/>
+                    <a16:creationId xmlns:a16="http://schemas.microsoft.com/office/drawing/2014/main" id="{AF5520D2-2305-B945-BB35-8BAC70847C4B}"/>
                   </a:ext>
                 </a:extLst>
               </p:cNvPr>
@@ -23194,10 +24750,10 @@
       </p:grpSp>
       <p:grpSp>
         <p:nvGrpSpPr>
-          <p:cNvPr id="1091" name="Group 1090">
+          <p:cNvPr id="1296" name="Group 1295">
             <a:extLst>
               <a:ext uri="{FF2B5EF4-FFF2-40B4-BE49-F238E27FC236}">
-                <a16:creationId xmlns:a16="http://schemas.microsoft.com/office/drawing/2014/main" id="{98CDDB72-9DF0-1C49-89E2-5FC45B82AF32}"/>
+                <a16:creationId xmlns:a16="http://schemas.microsoft.com/office/drawing/2014/main" id="{6FF70618-8E76-9A41-A9CC-7D4EF7099686}"/>
               </a:ext>
             </a:extLst>
           </p:cNvPr>
@@ -23206,7 +24762,7 @@
         </p:nvGrpSpPr>
         <p:grpSpPr>
           <a:xfrm>
-            <a:off x="2987267" y="65982"/>
+            <a:off x="3387496" y="167327"/>
             <a:ext cx="587904" cy="452375"/>
             <a:chOff x="3321738" y="530844"/>
             <a:chExt cx="587904" cy="452375"/>
@@ -23214,10 +24770,10 @@
         </p:grpSpPr>
         <p:sp>
           <p:nvSpPr>
-            <p:cNvPr id="1092" name="Freeform 748">
+            <p:cNvPr id="1297" name="Freeform 748">
               <a:extLst>
                 <a:ext uri="{FF2B5EF4-FFF2-40B4-BE49-F238E27FC236}">
-                  <a16:creationId xmlns:a16="http://schemas.microsoft.com/office/drawing/2014/main" id="{0E1CBA84-8D98-7B4E-9301-74FE45DDE0A9}"/>
+                  <a16:creationId xmlns:a16="http://schemas.microsoft.com/office/drawing/2014/main" id="{A7F0AC6D-6853-024F-BDFF-90C20C9282BC}"/>
                 </a:ext>
               </a:extLst>
             </p:cNvPr>
@@ -23500,10 +25056,10 @@
         </p:sp>
         <p:grpSp>
           <p:nvGrpSpPr>
-            <p:cNvPr id="1093" name="Group 1092">
+            <p:cNvPr id="1298" name="Group 1297">
               <a:extLst>
                 <a:ext uri="{FF2B5EF4-FFF2-40B4-BE49-F238E27FC236}">
-                  <a16:creationId xmlns:a16="http://schemas.microsoft.com/office/drawing/2014/main" id="{03F88B2E-F0B8-054D-A3C9-8650F3980173}"/>
+                  <a16:creationId xmlns:a16="http://schemas.microsoft.com/office/drawing/2014/main" id="{98FA8F95-BEFA-144F-B171-5AE1EF81A831}"/>
                 </a:ext>
               </a:extLst>
             </p:cNvPr>
@@ -23520,10 +25076,10 @@
           </p:grpSpPr>
           <p:sp>
             <p:nvSpPr>
-              <p:cNvPr id="1103" name="Block Arc 1102">
+              <p:cNvPr id="1308" name="Block Arc 1307">
                 <a:extLst>
                   <a:ext uri="{FF2B5EF4-FFF2-40B4-BE49-F238E27FC236}">
-                    <a16:creationId xmlns:a16="http://schemas.microsoft.com/office/drawing/2014/main" id="{2CC5F7AF-FC09-EE44-A1E6-4BFCBB72B7C4}"/>
+                    <a16:creationId xmlns:a16="http://schemas.microsoft.com/office/drawing/2014/main" id="{7275FB7E-0945-1D48-B233-C90B482E83E5}"/>
                   </a:ext>
                 </a:extLst>
               </p:cNvPr>
@@ -23579,10 +25135,10 @@
           </p:sp>
           <p:cxnSp>
             <p:nvCxnSpPr>
-              <p:cNvPr id="1104" name="Straight Connector 1103">
+              <p:cNvPr id="1309" name="Straight Connector 1308">
                 <a:extLst>
                   <a:ext uri="{FF2B5EF4-FFF2-40B4-BE49-F238E27FC236}">
-                    <a16:creationId xmlns:a16="http://schemas.microsoft.com/office/drawing/2014/main" id="{4D3E5968-16CC-F843-A784-32E4E8AA59E4}"/>
+                    <a16:creationId xmlns:a16="http://schemas.microsoft.com/office/drawing/2014/main" id="{F277A252-5D9E-9140-8F23-4F73DE0DDF95}"/>
                   </a:ext>
                 </a:extLst>
               </p:cNvPr>
@@ -23626,10 +25182,10 @@
         </p:grpSp>
         <p:grpSp>
           <p:nvGrpSpPr>
-            <p:cNvPr id="1094" name="Group 1093">
+            <p:cNvPr id="1299" name="Group 1298">
               <a:extLst>
                 <a:ext uri="{FF2B5EF4-FFF2-40B4-BE49-F238E27FC236}">
-                  <a16:creationId xmlns:a16="http://schemas.microsoft.com/office/drawing/2014/main" id="{94EF9FA5-8863-4247-B273-7ED2B20CCE52}"/>
+                  <a16:creationId xmlns:a16="http://schemas.microsoft.com/office/drawing/2014/main" id="{0EF496FE-CB70-3244-BEDD-BECC1784DC42}"/>
                 </a:ext>
               </a:extLst>
             </p:cNvPr>
@@ -23646,10 +25202,10 @@
           </p:grpSpPr>
           <p:sp>
             <p:nvSpPr>
-              <p:cNvPr id="1101" name="Block Arc 1100">
+              <p:cNvPr id="1306" name="Block Arc 1305">
                 <a:extLst>
                   <a:ext uri="{FF2B5EF4-FFF2-40B4-BE49-F238E27FC236}">
-                    <a16:creationId xmlns:a16="http://schemas.microsoft.com/office/drawing/2014/main" id="{7DF6AE8C-CC39-9240-BE66-6BC0B85B5FC0}"/>
+                    <a16:creationId xmlns:a16="http://schemas.microsoft.com/office/drawing/2014/main" id="{30E92890-6198-EF45-9350-CD83F6D1D9DF}"/>
                   </a:ext>
                 </a:extLst>
               </p:cNvPr>
@@ -23705,10 +25261,10 @@
           </p:sp>
           <p:cxnSp>
             <p:nvCxnSpPr>
-              <p:cNvPr id="1102" name="Straight Connector 1101">
+              <p:cNvPr id="1307" name="Straight Connector 1306">
                 <a:extLst>
                   <a:ext uri="{FF2B5EF4-FFF2-40B4-BE49-F238E27FC236}">
-                    <a16:creationId xmlns:a16="http://schemas.microsoft.com/office/drawing/2014/main" id="{1BF2DA38-33A7-B048-9C07-803214CD4809}"/>
+                    <a16:creationId xmlns:a16="http://schemas.microsoft.com/office/drawing/2014/main" id="{7110845C-E1CD-CC46-826F-7C4A3EE46726}"/>
                   </a:ext>
                 </a:extLst>
               </p:cNvPr>
@@ -23752,10 +25308,10 @@
         </p:grpSp>
         <p:grpSp>
           <p:nvGrpSpPr>
-            <p:cNvPr id="1095" name="Group 1094">
+            <p:cNvPr id="1300" name="Group 1299">
               <a:extLst>
                 <a:ext uri="{FF2B5EF4-FFF2-40B4-BE49-F238E27FC236}">
-                  <a16:creationId xmlns:a16="http://schemas.microsoft.com/office/drawing/2014/main" id="{994A9736-6C30-F544-B7AE-EF6386ABCB19}"/>
+                  <a16:creationId xmlns:a16="http://schemas.microsoft.com/office/drawing/2014/main" id="{A9A7B415-F88D-8A47-AA57-50012ED46B26}"/>
                 </a:ext>
               </a:extLst>
             </p:cNvPr>
@@ -23772,10 +25328,10 @@
           </p:grpSpPr>
           <p:sp>
             <p:nvSpPr>
-              <p:cNvPr id="1099" name="Block Arc 1098">
+              <p:cNvPr id="1304" name="Block Arc 1303">
                 <a:extLst>
                   <a:ext uri="{FF2B5EF4-FFF2-40B4-BE49-F238E27FC236}">
-                    <a16:creationId xmlns:a16="http://schemas.microsoft.com/office/drawing/2014/main" id="{056B81E0-63E1-1547-868D-D67466221336}"/>
+                    <a16:creationId xmlns:a16="http://schemas.microsoft.com/office/drawing/2014/main" id="{90364285-53DD-3544-BD84-2530FEF44619}"/>
                   </a:ext>
                 </a:extLst>
               </p:cNvPr>
@@ -23831,10 +25387,10 @@
           </p:sp>
           <p:cxnSp>
             <p:nvCxnSpPr>
-              <p:cNvPr id="1100" name="Straight Connector 1099">
+              <p:cNvPr id="1305" name="Straight Connector 1304">
                 <a:extLst>
                   <a:ext uri="{FF2B5EF4-FFF2-40B4-BE49-F238E27FC236}">
-                    <a16:creationId xmlns:a16="http://schemas.microsoft.com/office/drawing/2014/main" id="{679D2EDD-23AE-6549-9D82-0C54B44E0A29}"/>
+                    <a16:creationId xmlns:a16="http://schemas.microsoft.com/office/drawing/2014/main" id="{B93A9C6D-F4F2-9C49-B5BB-E15675873B7F}"/>
                   </a:ext>
                 </a:extLst>
               </p:cNvPr>
@@ -23878,10 +25434,10 @@
         </p:grpSp>
         <p:grpSp>
           <p:nvGrpSpPr>
-            <p:cNvPr id="1096" name="Group 1095">
+            <p:cNvPr id="1301" name="Group 1300">
               <a:extLst>
                 <a:ext uri="{FF2B5EF4-FFF2-40B4-BE49-F238E27FC236}">
-                  <a16:creationId xmlns:a16="http://schemas.microsoft.com/office/drawing/2014/main" id="{44D5BDB3-2B93-C541-BD7D-A37DAFA8E559}"/>
+                  <a16:creationId xmlns:a16="http://schemas.microsoft.com/office/drawing/2014/main" id="{5B5D5822-27F1-5246-ACBD-BDB198735B0E}"/>
                 </a:ext>
               </a:extLst>
             </p:cNvPr>
@@ -23898,10 +25454,10 @@
           </p:grpSpPr>
           <p:sp>
             <p:nvSpPr>
-              <p:cNvPr id="1097" name="Block Arc 1096">
+              <p:cNvPr id="1302" name="Block Arc 1301">
                 <a:extLst>
                   <a:ext uri="{FF2B5EF4-FFF2-40B4-BE49-F238E27FC236}">
-                    <a16:creationId xmlns:a16="http://schemas.microsoft.com/office/drawing/2014/main" id="{A01BABCC-0F58-A64A-A8B1-E930D015F515}"/>
+                    <a16:creationId xmlns:a16="http://schemas.microsoft.com/office/drawing/2014/main" id="{3DFA226B-27F5-8146-B966-2C3B6523B4DA}"/>
                   </a:ext>
                 </a:extLst>
               </p:cNvPr>
@@ -23957,10 +25513,10 @@
           </p:sp>
           <p:cxnSp>
             <p:nvCxnSpPr>
-              <p:cNvPr id="1098" name="Straight Connector 1097">
+              <p:cNvPr id="1303" name="Straight Connector 1302">
                 <a:extLst>
                   <a:ext uri="{FF2B5EF4-FFF2-40B4-BE49-F238E27FC236}">
-                    <a16:creationId xmlns:a16="http://schemas.microsoft.com/office/drawing/2014/main" id="{2324A0AB-AE57-7343-81CA-F25D948746E4}"/>
+                    <a16:creationId xmlns:a16="http://schemas.microsoft.com/office/drawing/2014/main" id="{D852EB1F-EFBF-1B4A-B161-076E0D51797B}"/>
                   </a:ext>
                 </a:extLst>
               </p:cNvPr>
@@ -24005,10 +25561,10 @@
       </p:grpSp>
       <p:sp>
         <p:nvSpPr>
-          <p:cNvPr id="1105" name="TextBox 1104">
+          <p:cNvPr id="1310" name="TextBox 1309">
             <a:extLst>
               <a:ext uri="{FF2B5EF4-FFF2-40B4-BE49-F238E27FC236}">
-                <a16:creationId xmlns:a16="http://schemas.microsoft.com/office/drawing/2014/main" id="{412236CB-54F3-C045-93D2-343EA78454B7}"/>
+                <a16:creationId xmlns:a16="http://schemas.microsoft.com/office/drawing/2014/main" id="{BE91C011-925A-5F4E-A781-4775F0D38894}"/>
               </a:ext>
             </a:extLst>
           </p:cNvPr>
@@ -24017,7 +25573,7 @@
         </p:nvSpPr>
         <p:spPr>
           <a:xfrm>
-            <a:off x="3378720" y="463087"/>
+            <a:off x="3778949" y="564432"/>
             <a:ext cx="468567" cy="215444"/>
           </a:xfrm>
           <a:prstGeom prst="rect">
@@ -24048,10 +25604,10 @@
       </p:sp>
       <p:sp>
         <p:nvSpPr>
-          <p:cNvPr id="1106" name="Down Arrow 1105">
+          <p:cNvPr id="1311" name="Down Arrow 1310">
             <a:extLst>
               <a:ext uri="{FF2B5EF4-FFF2-40B4-BE49-F238E27FC236}">
-                <a16:creationId xmlns:a16="http://schemas.microsoft.com/office/drawing/2014/main" id="{315B96D2-771B-0B47-B232-8C9609A20D33}"/>
+                <a16:creationId xmlns:a16="http://schemas.microsoft.com/office/drawing/2014/main" id="{A3873CE6-BD5A-C344-BA4A-7A505A5095CD}"/>
               </a:ext>
             </a:extLst>
           </p:cNvPr>
@@ -24060,7 +25616,7 @@
         </p:nvSpPr>
         <p:spPr>
           <a:xfrm rot="5400000">
-            <a:off x="3383452" y="532301"/>
+            <a:off x="3783681" y="633646"/>
             <a:ext cx="54137" cy="77016"/>
           </a:xfrm>
           <a:prstGeom prst="downArrow">
@@ -24222,10 +25778,10 @@
       </p:sp>
       <p:pic>
         <p:nvPicPr>
-          <p:cNvPr id="1107" name="Picture 1106">
+          <p:cNvPr id="1312" name="Picture 1311">
             <a:extLst>
               <a:ext uri="{FF2B5EF4-FFF2-40B4-BE49-F238E27FC236}">
-                <a16:creationId xmlns:a16="http://schemas.microsoft.com/office/drawing/2014/main" id="{FD447C14-37C2-9E4D-82EA-9B9DBDF24537}"/>
+                <a16:creationId xmlns:a16="http://schemas.microsoft.com/office/drawing/2014/main" id="{AE6E98E8-C209-294D-B757-7905710AA368}"/>
               </a:ext>
             </a:extLst>
           </p:cNvPr>
@@ -24242,7 +25798,7 @@
         </p:blipFill>
         <p:spPr>
           <a:xfrm>
-            <a:off x="4126587" y="6104"/>
+            <a:off x="314510" y="2698799"/>
             <a:ext cx="2586579" cy="2378075"/>
           </a:xfrm>
           <a:prstGeom prst="rect">
@@ -24252,10 +25808,10 @@
       </p:pic>
       <p:sp>
         <p:nvSpPr>
-          <p:cNvPr id="1108" name="TextBox 1107">
+          <p:cNvPr id="1313" name="TextBox 1312">
             <a:extLst>
               <a:ext uri="{FF2B5EF4-FFF2-40B4-BE49-F238E27FC236}">
-                <a16:creationId xmlns:a16="http://schemas.microsoft.com/office/drawing/2014/main" id="{60CC3CEF-5513-7241-9902-30D91D5EAF93}"/>
+                <a16:creationId xmlns:a16="http://schemas.microsoft.com/office/drawing/2014/main" id="{2A13D621-5818-BB4A-886E-70790DD65232}"/>
               </a:ext>
             </a:extLst>
           </p:cNvPr>
@@ -24264,7 +25820,7 @@
         </p:nvSpPr>
         <p:spPr>
           <a:xfrm>
-            <a:off x="3972063" y="-51048"/>
+            <a:off x="0" y="2544910"/>
             <a:ext cx="314510" cy="307777"/>
           </a:xfrm>
           <a:prstGeom prst="rect">
@@ -24290,10 +25846,10 @@
       </p:sp>
       <p:sp>
         <p:nvSpPr>
-          <p:cNvPr id="1109" name="TextBox 1108">
+          <p:cNvPr id="1314" name="TextBox 1313">
             <a:extLst>
               <a:ext uri="{FF2B5EF4-FFF2-40B4-BE49-F238E27FC236}">
-                <a16:creationId xmlns:a16="http://schemas.microsoft.com/office/drawing/2014/main" id="{DB602642-BAE5-3547-8A7C-8A12AFB7A98E}"/>
+                <a16:creationId xmlns:a16="http://schemas.microsoft.com/office/drawing/2014/main" id="{6FD92C27-F800-5640-BBF6-4340E4A63A1E}"/>
               </a:ext>
             </a:extLst>
           </p:cNvPr>
@@ -24302,7 +25858,7 @@
         </p:nvSpPr>
         <p:spPr>
           <a:xfrm>
-            <a:off x="-44390" y="-57152"/>
+            <a:off x="0" y="-29789"/>
             <a:ext cx="314510" cy="307777"/>
           </a:xfrm>
           <a:prstGeom prst="rect">
@@ -24326,6 +25882,227 @@
           </a:p>
         </p:txBody>
       </p:sp>
+      <p:pic>
+        <p:nvPicPr>
+          <p:cNvPr id="1315" name="Picture 1314">
+            <a:extLst>
+              <a:ext uri="{FF2B5EF4-FFF2-40B4-BE49-F238E27FC236}">
+                <a16:creationId xmlns:a16="http://schemas.microsoft.com/office/drawing/2014/main" id="{D7A70BCC-6BEC-4248-854B-E7A6D9DEBB1F}"/>
+              </a:ext>
+            </a:extLst>
+          </p:cNvPr>
+          <p:cNvPicPr>
+            <a:picLocks noChangeAspect="1"/>
+          </p:cNvPicPr>
+          <p:nvPr/>
+        </p:nvPicPr>
+        <p:blipFill>
+          <a:blip r:embed="rId4"/>
+          <a:stretch>
+            <a:fillRect/>
+          </a:stretch>
+        </p:blipFill>
+        <p:spPr>
+          <a:xfrm>
+            <a:off x="3052791" y="2614951"/>
+            <a:ext cx="2724165" cy="2499982"/>
+          </a:xfrm>
+          <a:prstGeom prst="rect">
+            <a:avLst/>
+          </a:prstGeom>
+        </p:spPr>
+      </p:pic>
+      <p:sp>
+        <p:nvSpPr>
+          <p:cNvPr id="1316" name="TextBox 1315">
+            <a:extLst>
+              <a:ext uri="{FF2B5EF4-FFF2-40B4-BE49-F238E27FC236}">
+                <a16:creationId xmlns:a16="http://schemas.microsoft.com/office/drawing/2014/main" id="{72A84282-4ACA-3E40-8589-3449883658F3}"/>
+              </a:ext>
+            </a:extLst>
+          </p:cNvPr>
+          <p:cNvSpPr txBox="1"/>
+          <p:nvPr/>
+        </p:nvSpPr>
+        <p:spPr>
+          <a:xfrm>
+            <a:off x="3420423" y="2543366"/>
+            <a:ext cx="314510" cy="307777"/>
+          </a:xfrm>
+          <a:prstGeom prst="rect">
+            <a:avLst/>
+          </a:prstGeom>
+          <a:noFill/>
+        </p:spPr>
+        <p:txBody>
+          <a:bodyPr wrap="none" rtlCol="0">
+            <a:spAutoFit/>
+          </a:bodyPr>
+          <a:lstStyle/>
+          <a:p>
+            <a:r>
+              <a:rPr lang="en-US" sz="1400" b="1" dirty="0">
+                <a:latin typeface="Arial" panose="020B0604020202020204" pitchFamily="34" charset="0"/>
+                <a:cs typeface="Arial" panose="020B0604020202020204" pitchFamily="34" charset="0"/>
+              </a:rPr>
+              <a:t>C</a:t>
+            </a:r>
+          </a:p>
+        </p:txBody>
+      </p:sp>
+      <p:sp>
+        <p:nvSpPr>
+          <p:cNvPr id="1317" name="Rectangle 1316">
+            <a:extLst>
+              <a:ext uri="{FF2B5EF4-FFF2-40B4-BE49-F238E27FC236}">
+                <a16:creationId xmlns:a16="http://schemas.microsoft.com/office/drawing/2014/main" id="{3DA84AE9-129F-3E40-883D-8E5F3A25AB21}"/>
+              </a:ext>
+            </a:extLst>
+          </p:cNvPr>
+          <p:cNvSpPr/>
+          <p:nvPr/>
+        </p:nvSpPr>
+        <p:spPr>
+          <a:xfrm>
+            <a:off x="5010912" y="2953512"/>
+            <a:ext cx="358924" cy="716051"/>
+          </a:xfrm>
+          <a:prstGeom prst="rect">
+            <a:avLst/>
+          </a:prstGeom>
+          <a:solidFill>
+            <a:schemeClr val="bg1"/>
+          </a:solidFill>
+          <a:ln>
+            <a:noFill/>
+          </a:ln>
+          <a:effectLst/>
+        </p:spPr>
+        <p:style>
+          <a:lnRef idx="1">
+            <a:schemeClr val="accent1"/>
+          </a:lnRef>
+          <a:fillRef idx="3">
+            <a:schemeClr val="accent1"/>
+          </a:fillRef>
+          <a:effectRef idx="2">
+            <a:schemeClr val="accent1"/>
+          </a:effectRef>
+          <a:fontRef idx="minor">
+            <a:schemeClr val="lt1"/>
+          </a:fontRef>
+        </p:style>
+        <p:txBody>
+          <a:bodyPr rtlCol="0" anchor="ctr"/>
+          <a:lstStyle/>
+          <a:p>
+            <a:pPr algn="ctr"/>
+            <a:endParaRPr lang="en-US"/>
+          </a:p>
+        </p:txBody>
+      </p:sp>
+      <p:sp>
+        <p:nvSpPr>
+          <p:cNvPr id="1318" name="Rectangle 1317">
+            <a:extLst>
+              <a:ext uri="{FF2B5EF4-FFF2-40B4-BE49-F238E27FC236}">
+                <a16:creationId xmlns:a16="http://schemas.microsoft.com/office/drawing/2014/main" id="{5DEC36E0-6667-7648-9C16-2E620A41EA88}"/>
+              </a:ext>
+            </a:extLst>
+          </p:cNvPr>
+          <p:cNvSpPr/>
+          <p:nvPr/>
+        </p:nvSpPr>
+        <p:spPr>
+          <a:xfrm>
+            <a:off x="4855464" y="2907792"/>
+            <a:ext cx="358924" cy="214153"/>
+          </a:xfrm>
+          <a:prstGeom prst="rect">
+            <a:avLst/>
+          </a:prstGeom>
+          <a:solidFill>
+            <a:schemeClr val="bg1"/>
+          </a:solidFill>
+          <a:ln>
+            <a:noFill/>
+          </a:ln>
+          <a:effectLst/>
+        </p:spPr>
+        <p:style>
+          <a:lnRef idx="1">
+            <a:schemeClr val="accent1"/>
+          </a:lnRef>
+          <a:fillRef idx="3">
+            <a:schemeClr val="accent1"/>
+          </a:fillRef>
+          <a:effectRef idx="2">
+            <a:schemeClr val="accent1"/>
+          </a:effectRef>
+          <a:fontRef idx="minor">
+            <a:schemeClr val="lt1"/>
+          </a:fontRef>
+        </p:style>
+        <p:txBody>
+          <a:bodyPr rtlCol="0" anchor="ctr"/>
+          <a:lstStyle/>
+          <a:p>
+            <a:pPr algn="ctr"/>
+            <a:endParaRPr lang="en-US"/>
+          </a:p>
+        </p:txBody>
+      </p:sp>
+      <mc:AlternateContent xmlns:mc="http://schemas.openxmlformats.org/markup-compatibility/2006">
+        <mc:Choice xmlns:p14="http://schemas.microsoft.com/office/powerpoint/2010/main" Requires="p14">
+          <p:contentPart p14:bwMode="auto" r:id="rId5">
+            <p14:nvContentPartPr>
+              <p14:cNvPr id="1319" name="Ink 1318">
+                <a:extLst>
+                  <a:ext uri="{FF2B5EF4-FFF2-40B4-BE49-F238E27FC236}">
+                    <a16:creationId xmlns:a16="http://schemas.microsoft.com/office/drawing/2014/main" id="{71E0EA80-AC1E-6444-90DE-A14C3CA7567A}"/>
+                  </a:ext>
+                </a:extLst>
+              </p14:cNvPr>
+              <p14:cNvContentPartPr/>
+              <p14:nvPr/>
+            </p14:nvContentPartPr>
+            <p14:xfrm>
+              <a:off x="-1914676" y="-170949"/>
+              <a:ext cx="360" cy="360"/>
+            </p14:xfrm>
+          </p:contentPart>
+        </mc:Choice>
+        <mc:Fallback>
+          <p:pic>
+            <p:nvPicPr>
+              <p:cNvPr id="1319" name="Ink 1318">
+                <a:extLst>
+                  <a:ext uri="{FF2B5EF4-FFF2-40B4-BE49-F238E27FC236}">
+                    <a16:creationId xmlns:a16="http://schemas.microsoft.com/office/drawing/2014/main" id="{71E0EA80-AC1E-6444-90DE-A14C3CA7567A}"/>
+                  </a:ext>
+                </a:extLst>
+              </p:cNvPr>
+              <p:cNvPicPr/>
+              <p:nvPr/>
+            </p:nvPicPr>
+            <p:blipFill>
+              <a:blip r:embed="rId6"/>
+              <a:stretch>
+                <a:fillRect/>
+              </a:stretch>
+            </p:blipFill>
+            <p:spPr>
+              <a:xfrm>
+                <a:off x="-1923316" y="-179949"/>
+                <a:ext cx="18000" cy="18000"/>
+              </a:xfrm>
+              <a:prstGeom prst="rect">
+                <a:avLst/>
+              </a:prstGeom>
+            </p:spPr>
+          </p:pic>
+        </mc:Fallback>
+      </mc:AlternateContent>
     </p:spTree>
     <p:extLst>
       <p:ext uri="{BB962C8B-B14F-4D97-AF65-F5344CB8AC3E}">
